--- a/Rust/rust-async-introduction/演示文稿1.pptx
+++ b/Rust/rust-async-introduction/演示文稿1.pptx
@@ -9,6 +9,7 @@
     <p:sldId id="259" r:id="rId3"/>
     <p:sldId id="258" r:id="rId4"/>
     <p:sldId id="260" r:id="rId5"/>
+    <p:sldId id="261" r:id="rId6"/>
   </p:sldIdLst>
   <p:sldSz cx="12192000" cy="6858000"/>
   <p:notesSz cx="6858000" cy="9144000"/>
@@ -107,6 +108,11 @@
       </a:defRPr>
     </a:lvl9pPr>
   </p:defaultTextStyle>
+  <p:extLst>
+    <p:ext uri="{EFAFB233-063F-42B5-8137-9DF3F51BA10A}">
+      <p15:sldGuideLst xmlns:p15="http://schemas.microsoft.com/office/powerpoint/2012/main"/>
+    </p:ext>
+  </p:extLst>
 </p:presentation>
 </file>
 
@@ -257,7 +263,7 @@
           <a:p>
             <a:fld id="{93DE3F79-7BAC-42FB-8699-904B6B7FCE36}" type="datetimeFigureOut">
               <a:rPr lang="zh-CN" altLang="en-US" smtClean="0"/>
-              <a:t>2020/9/20</a:t>
+              <a:t>2020/9/25</a:t>
             </a:fld>
             <a:endParaRPr lang="zh-CN" altLang="en-US"/>
           </a:p>
@@ -455,7 +461,7 @@
           <a:p>
             <a:fld id="{93DE3F79-7BAC-42FB-8699-904B6B7FCE36}" type="datetimeFigureOut">
               <a:rPr lang="zh-CN" altLang="en-US" smtClean="0"/>
-              <a:t>2020/9/20</a:t>
+              <a:t>2020/9/25</a:t>
             </a:fld>
             <a:endParaRPr lang="zh-CN" altLang="en-US"/>
           </a:p>
@@ -663,7 +669,7 @@
           <a:p>
             <a:fld id="{93DE3F79-7BAC-42FB-8699-904B6B7FCE36}" type="datetimeFigureOut">
               <a:rPr lang="zh-CN" altLang="en-US" smtClean="0"/>
-              <a:t>2020/9/20</a:t>
+              <a:t>2020/9/25</a:t>
             </a:fld>
             <a:endParaRPr lang="zh-CN" altLang="en-US"/>
           </a:p>
@@ -861,7 +867,7 @@
           <a:p>
             <a:fld id="{93DE3F79-7BAC-42FB-8699-904B6B7FCE36}" type="datetimeFigureOut">
               <a:rPr lang="zh-CN" altLang="en-US" smtClean="0"/>
-              <a:t>2020/9/20</a:t>
+              <a:t>2020/9/25</a:t>
             </a:fld>
             <a:endParaRPr lang="zh-CN" altLang="en-US"/>
           </a:p>
@@ -1136,7 +1142,7 @@
           <a:p>
             <a:fld id="{93DE3F79-7BAC-42FB-8699-904B6B7FCE36}" type="datetimeFigureOut">
               <a:rPr lang="zh-CN" altLang="en-US" smtClean="0"/>
-              <a:t>2020/9/20</a:t>
+              <a:t>2020/9/25</a:t>
             </a:fld>
             <a:endParaRPr lang="zh-CN" altLang="en-US"/>
           </a:p>
@@ -1401,7 +1407,7 @@
           <a:p>
             <a:fld id="{93DE3F79-7BAC-42FB-8699-904B6B7FCE36}" type="datetimeFigureOut">
               <a:rPr lang="zh-CN" altLang="en-US" smtClean="0"/>
-              <a:t>2020/9/20</a:t>
+              <a:t>2020/9/25</a:t>
             </a:fld>
             <a:endParaRPr lang="zh-CN" altLang="en-US"/>
           </a:p>
@@ -1813,7 +1819,7 @@
           <a:p>
             <a:fld id="{93DE3F79-7BAC-42FB-8699-904B6B7FCE36}" type="datetimeFigureOut">
               <a:rPr lang="zh-CN" altLang="en-US" smtClean="0"/>
-              <a:t>2020/9/20</a:t>
+              <a:t>2020/9/25</a:t>
             </a:fld>
             <a:endParaRPr lang="zh-CN" altLang="en-US"/>
           </a:p>
@@ -1954,7 +1960,7 @@
           <a:p>
             <a:fld id="{93DE3F79-7BAC-42FB-8699-904B6B7FCE36}" type="datetimeFigureOut">
               <a:rPr lang="zh-CN" altLang="en-US" smtClean="0"/>
-              <a:t>2020/9/20</a:t>
+              <a:t>2020/9/25</a:t>
             </a:fld>
             <a:endParaRPr lang="zh-CN" altLang="en-US"/>
           </a:p>
@@ -2067,7 +2073,7 @@
           <a:p>
             <a:fld id="{93DE3F79-7BAC-42FB-8699-904B6B7FCE36}" type="datetimeFigureOut">
               <a:rPr lang="zh-CN" altLang="en-US" smtClean="0"/>
-              <a:t>2020/9/20</a:t>
+              <a:t>2020/9/25</a:t>
             </a:fld>
             <a:endParaRPr lang="zh-CN" altLang="en-US"/>
           </a:p>
@@ -2378,7 +2384,7 @@
           <a:p>
             <a:fld id="{93DE3F79-7BAC-42FB-8699-904B6B7FCE36}" type="datetimeFigureOut">
               <a:rPr lang="zh-CN" altLang="en-US" smtClean="0"/>
-              <a:t>2020/9/20</a:t>
+              <a:t>2020/9/25</a:t>
             </a:fld>
             <a:endParaRPr lang="zh-CN" altLang="en-US"/>
           </a:p>
@@ -2666,7 +2672,7 @@
           <a:p>
             <a:fld id="{93DE3F79-7BAC-42FB-8699-904B6B7FCE36}" type="datetimeFigureOut">
               <a:rPr lang="zh-CN" altLang="en-US" smtClean="0"/>
-              <a:t>2020/9/20</a:t>
+              <a:t>2020/9/25</a:t>
             </a:fld>
             <a:endParaRPr lang="zh-CN" altLang="en-US"/>
           </a:p>
@@ -2907,7 +2913,7 @@
           <a:p>
             <a:fld id="{93DE3F79-7BAC-42FB-8699-904B6B7FCE36}" type="datetimeFigureOut">
               <a:rPr lang="zh-CN" altLang="en-US" smtClean="0"/>
-              <a:t>2020/9/20</a:t>
+              <a:t>2020/9/25</a:t>
             </a:fld>
             <a:endParaRPr lang="zh-CN" altLang="en-US"/>
           </a:p>
@@ -7189,7 +7195,7 @@
         </p:nvSpPr>
         <p:spPr>
           <a:xfrm>
-            <a:off x="1428750" y="476250"/>
+            <a:off x="9334500" y="876302"/>
             <a:ext cx="942975" cy="4248150"/>
           </a:xfrm>
           <a:prstGeom prst="rect">
@@ -7236,7 +7242,7 @@
         </p:nvSpPr>
         <p:spPr>
           <a:xfrm>
-            <a:off x="1428750" y="493158"/>
+            <a:off x="9334500" y="876300"/>
             <a:ext cx="942975" cy="1019175"/>
           </a:xfrm>
           <a:prstGeom prst="rect">
@@ -7297,7 +7303,7 @@
         </p:nvSpPr>
         <p:spPr>
           <a:xfrm>
-            <a:off x="1428750" y="1519717"/>
+            <a:off x="9339262" y="1908101"/>
             <a:ext cx="942975" cy="1019175"/>
           </a:xfrm>
           <a:prstGeom prst="rect">
@@ -7358,7 +7364,7 @@
         </p:nvSpPr>
         <p:spPr>
           <a:xfrm>
-            <a:off x="1428750" y="2546276"/>
+            <a:off x="9339263" y="2909830"/>
             <a:ext cx="942975" cy="1019175"/>
           </a:xfrm>
           <a:prstGeom prst="rect">
@@ -7419,7 +7425,7 @@
         </p:nvSpPr>
         <p:spPr>
           <a:xfrm>
-            <a:off x="0" y="942975"/>
+            <a:off x="10582275" y="1669497"/>
             <a:ext cx="1343025" cy="569358"/>
           </a:xfrm>
           <a:prstGeom prst="rect">
@@ -7477,7 +7483,7 @@
         </p:nvSpPr>
         <p:spPr>
           <a:xfrm>
-            <a:off x="0" y="1709738"/>
+            <a:off x="10587038" y="2596522"/>
             <a:ext cx="1343025" cy="569358"/>
           </a:xfrm>
           <a:prstGeom prst="rect">
@@ -7523,41 +7529,47 @@
       </p:sp>
       <p:cxnSp>
         <p:nvCxnSpPr>
-          <p:cNvPr id="18" name="直接箭头连接符 17">
-            <a:extLst>
-              <a:ext uri="{FF2B5EF4-FFF2-40B4-BE49-F238E27FC236}">
-                <a16:creationId xmlns:a16="http://schemas.microsoft.com/office/drawing/2014/main" id="{3414D912-F272-4CB1-879D-0091B019C028}"/>
+          <p:cNvPr id="29" name="直接箭头连接符 28">
+            <a:extLst>
+              <a:ext uri="{FF2B5EF4-FFF2-40B4-BE49-F238E27FC236}">
+                <a16:creationId xmlns:a16="http://schemas.microsoft.com/office/drawing/2014/main" id="{0718190F-9F00-45E9-896D-42F30DD63DA5}"/>
               </a:ext>
             </a:extLst>
           </p:cNvPr>
           <p:cNvCxnSpPr>
             <a:cxnSpLocks/>
-            <a:stCxn id="28" idx="1"/>
-            <a:endCxn id="8" idx="3"/>
+            <a:stCxn id="12" idx="1"/>
+            <a:endCxn id="3" idx="3"/>
           </p:cNvCxnSpPr>
           <p:nvPr/>
         </p:nvCxnSpPr>
         <p:spPr>
-          <a:xfrm flipH="1" flipV="1">
-            <a:off x="2371725" y="2029305"/>
-            <a:ext cx="361950" cy="971070"/>
+          <a:xfrm flipH="1">
+            <a:off x="10277475" y="1954176"/>
+            <a:ext cx="304800" cy="1046201"/>
           </a:xfrm>
           <a:prstGeom prst="straightConnector1">
             <a:avLst/>
           </a:prstGeom>
-          <a:ln>
-            <a:tailEnd type="triangle"/>
+          <a:ln w="9525" cap="flat" cmpd="sng" algn="ctr">
+            <a:solidFill>
+              <a:schemeClr val="dk1"/>
+            </a:solidFill>
+            <a:prstDash val="dash"/>
+            <a:round/>
+            <a:headEnd type="none" w="med" len="med"/>
+            <a:tailEnd type="arrow" w="med" len="med"/>
           </a:ln>
         </p:spPr>
         <p:style>
-          <a:lnRef idx="1">
-            <a:schemeClr val="accent1"/>
+          <a:lnRef idx="0">
+            <a:scrgbClr r="0" g="0" b="0"/>
           </a:lnRef>
           <a:fillRef idx="0">
-            <a:schemeClr val="accent1"/>
+            <a:scrgbClr r="0" g="0" b="0"/>
           </a:fillRef>
           <a:effectRef idx="0">
-            <a:schemeClr val="accent1"/>
+            <a:scrgbClr r="0" g="0" b="0"/>
           </a:effectRef>
           <a:fontRef idx="minor">
             <a:schemeClr val="tx1"/>
@@ -7566,40 +7578,46 @@
       </p:cxnSp>
       <p:cxnSp>
         <p:nvCxnSpPr>
-          <p:cNvPr id="31" name="直接箭头连接符 30">
-            <a:extLst>
-              <a:ext uri="{FF2B5EF4-FFF2-40B4-BE49-F238E27FC236}">
-                <a16:creationId xmlns:a16="http://schemas.microsoft.com/office/drawing/2014/main" id="{54E1D485-5006-4F09-BA9D-366F6E7DFAFE}"/>
+          <p:cNvPr id="37" name="直接箭头连接符 36">
+            <a:extLst>
+              <a:ext uri="{FF2B5EF4-FFF2-40B4-BE49-F238E27FC236}">
+                <a16:creationId xmlns:a16="http://schemas.microsoft.com/office/drawing/2014/main" id="{7614E878-4D0C-4976-AD4E-57F01C66CECC}"/>
               </a:ext>
             </a:extLst>
           </p:cNvPr>
           <p:cNvCxnSpPr>
-            <a:stCxn id="12" idx="3"/>
-            <a:endCxn id="10" idx="1"/>
+            <a:stCxn id="14" idx="1"/>
+            <a:endCxn id="3" idx="3"/>
           </p:cNvCxnSpPr>
           <p:nvPr/>
         </p:nvCxnSpPr>
         <p:spPr>
-          <a:xfrm>
-            <a:off x="1343025" y="1227654"/>
-            <a:ext cx="85725" cy="1828210"/>
+          <a:xfrm flipH="1">
+            <a:off x="10277475" y="2881201"/>
+            <a:ext cx="309563" cy="119176"/>
           </a:xfrm>
           <a:prstGeom prst="straightConnector1">
             <a:avLst/>
           </a:prstGeom>
-          <a:ln>
-            <a:tailEnd type="triangle"/>
+          <a:ln w="9525" cap="flat" cmpd="sng" algn="ctr">
+            <a:solidFill>
+              <a:schemeClr val="dk1"/>
+            </a:solidFill>
+            <a:prstDash val="dash"/>
+            <a:round/>
+            <a:headEnd type="none" w="med" len="med"/>
+            <a:tailEnd type="arrow" w="med" len="med"/>
           </a:ln>
         </p:spPr>
         <p:style>
-          <a:lnRef idx="1">
-            <a:schemeClr val="accent1"/>
+          <a:lnRef idx="0">
+            <a:scrgbClr r="0" g="0" b="0"/>
           </a:lnRef>
           <a:fillRef idx="0">
-            <a:schemeClr val="accent1"/>
+            <a:scrgbClr r="0" g="0" b="0"/>
           </a:fillRef>
           <a:effectRef idx="0">
-            <a:schemeClr val="accent1"/>
+            <a:scrgbClr r="0" g="0" b="0"/>
           </a:effectRef>
           <a:fontRef idx="minor">
             <a:schemeClr val="tx1"/>
@@ -7608,23 +7626,23 @@
       </p:cxnSp>
       <p:cxnSp>
         <p:nvCxnSpPr>
-          <p:cNvPr id="33" name="直接箭头连接符 32">
-            <a:extLst>
-              <a:ext uri="{FF2B5EF4-FFF2-40B4-BE49-F238E27FC236}">
-                <a16:creationId xmlns:a16="http://schemas.microsoft.com/office/drawing/2014/main" id="{8F917B20-89F1-4541-9BFC-CE38F4B426E1}"/>
+          <p:cNvPr id="39" name="直接箭头连接符 38">
+            <a:extLst>
+              <a:ext uri="{FF2B5EF4-FFF2-40B4-BE49-F238E27FC236}">
+                <a16:creationId xmlns:a16="http://schemas.microsoft.com/office/drawing/2014/main" id="{DCC75065-9C24-4CE0-8FBC-0A7901961CAD}"/>
               </a:ext>
             </a:extLst>
           </p:cNvPr>
           <p:cNvCxnSpPr>
-            <a:stCxn id="14" idx="2"/>
-            <a:endCxn id="10" idx="1"/>
+            <a:stCxn id="28" idx="3"/>
+            <a:endCxn id="3" idx="1"/>
           </p:cNvCxnSpPr>
           <p:nvPr/>
         </p:nvCxnSpPr>
         <p:spPr>
           <a:xfrm>
-            <a:off x="671513" y="2279096"/>
-            <a:ext cx="757237" cy="776768"/>
+            <a:off x="8705850" y="3000375"/>
+            <a:ext cx="628650" cy="2"/>
           </a:xfrm>
           <a:prstGeom prst="straightConnector1">
             <a:avLst/>
@@ -7634,14 +7652,14 @@
           </a:ln>
         </p:spPr>
         <p:style>
-          <a:lnRef idx="1">
-            <a:schemeClr val="accent1"/>
+          <a:lnRef idx="3">
+            <a:schemeClr val="dk1"/>
           </a:lnRef>
           <a:fillRef idx="0">
-            <a:schemeClr val="accent1"/>
+            <a:schemeClr val="dk1"/>
           </a:fillRef>
-          <a:effectRef idx="0">
-            <a:schemeClr val="accent1"/>
+          <a:effectRef idx="2">
+            <a:schemeClr val="dk1"/>
           </a:effectRef>
           <a:fontRef idx="minor">
             <a:schemeClr val="tx1"/>
@@ -7652,6 +7670,581 @@
     <p:extLst>
       <p:ext uri="{BB962C8B-B14F-4D97-AF65-F5344CB8AC3E}">
         <p14:creationId xmlns:p14="http://schemas.microsoft.com/office/powerpoint/2010/main" val="4114405382"/>
+      </p:ext>
+    </p:extLst>
+  </p:cSld>
+  <p:clrMapOvr>
+    <a:masterClrMapping/>
+  </p:clrMapOvr>
+</p:sld>
+</file>
+
+<file path=ppt/slides/slide5.xml><?xml version="1.0" encoding="utf-8"?>
+<p:sld xmlns:a="http://schemas.openxmlformats.org/drawingml/2006/main" xmlns:r="http://schemas.openxmlformats.org/officeDocument/2006/relationships" xmlns:p="http://schemas.openxmlformats.org/presentationml/2006/main">
+  <p:cSld>
+    <p:spTree>
+      <p:nvGrpSpPr>
+        <p:cNvPr id="1" name=""/>
+        <p:cNvGrpSpPr/>
+        <p:nvPr/>
+      </p:nvGrpSpPr>
+      <p:grpSpPr>
+        <a:xfrm>
+          <a:off x="0" y="0"/>
+          <a:ext cx="0" cy="0"/>
+          <a:chOff x="0" y="0"/>
+          <a:chExt cx="0" cy="0"/>
+        </a:xfrm>
+      </p:grpSpPr>
+      <p:sp>
+        <p:nvSpPr>
+          <p:cNvPr id="5" name="文本框 4">
+            <a:extLst>
+              <a:ext uri="{FF2B5EF4-FFF2-40B4-BE49-F238E27FC236}">
+                <a16:creationId xmlns:a16="http://schemas.microsoft.com/office/drawing/2014/main" id="{77CD8947-CE88-4B96-A485-A84B461ABFA0}"/>
+              </a:ext>
+            </a:extLst>
+          </p:cNvPr>
+          <p:cNvSpPr txBox="1"/>
+          <p:nvPr/>
+        </p:nvSpPr>
+        <p:spPr>
+          <a:xfrm>
+            <a:off x="2828924" y="790575"/>
+            <a:ext cx="1171575" cy="2308324"/>
+          </a:xfrm>
+          <a:prstGeom prst="rect">
+            <a:avLst/>
+          </a:prstGeom>
+          <a:solidFill>
+            <a:schemeClr val="accent1"/>
+          </a:solidFill>
+        </p:spPr>
+        <p:txBody>
+          <a:bodyPr wrap="square" rtlCol="0">
+            <a:spAutoFit/>
+          </a:bodyPr>
+          <a:lstStyle/>
+          <a:p>
+            <a:r>
+              <a:rPr lang="en-US" altLang="zh-CN" dirty="0">
+                <a:latin typeface="Consolas" panose="020B0609020204030204" pitchFamily="49" charset="0"/>
+              </a:rPr>
+              <a:t>fn a0() {</a:t>
+            </a:r>
+          </a:p>
+          <a:p>
+            <a:pPr lvl="1"/>
+            <a:r>
+              <a:rPr lang="en-US" altLang="zh-CN" dirty="0">
+                <a:latin typeface="Consolas" panose="020B0609020204030204" pitchFamily="49" charset="0"/>
+              </a:rPr>
+              <a:t>…</a:t>
+            </a:r>
+          </a:p>
+          <a:p>
+            <a:pPr lvl="1"/>
+            <a:r>
+              <a:rPr lang="en-US" altLang="zh-CN" dirty="0">
+                <a:latin typeface="Consolas" panose="020B0609020204030204" pitchFamily="49" charset="0"/>
+              </a:rPr>
+              <a:t>…</a:t>
+            </a:r>
+          </a:p>
+          <a:p>
+            <a:pPr lvl="1"/>
+            <a:r>
+              <a:rPr lang="en-US" altLang="zh-CN" dirty="0">
+                <a:solidFill>
+                  <a:srgbClr val="FF0000"/>
+                </a:solidFill>
+                <a:latin typeface="Consolas" panose="020B0609020204030204" pitchFamily="49" charset="0"/>
+              </a:rPr>
+              <a:t>a1();</a:t>
+            </a:r>
+          </a:p>
+          <a:p>
+            <a:pPr lvl="1"/>
+            <a:r>
+              <a:rPr lang="en-US" altLang="zh-CN" dirty="0">
+                <a:latin typeface="Consolas" panose="020B0609020204030204" pitchFamily="49" charset="0"/>
+              </a:rPr>
+              <a:t>…</a:t>
+            </a:r>
+          </a:p>
+          <a:p>
+            <a:pPr lvl="1"/>
+            <a:r>
+              <a:rPr lang="en-US" altLang="zh-CN" dirty="0">
+                <a:latin typeface="Consolas" panose="020B0609020204030204" pitchFamily="49" charset="0"/>
+              </a:rPr>
+              <a:t>…</a:t>
+            </a:r>
+          </a:p>
+          <a:p>
+            <a:r>
+              <a:rPr lang="en-US" altLang="zh-CN" dirty="0">
+                <a:latin typeface="Consolas" panose="020B0609020204030204" pitchFamily="49" charset="0"/>
+              </a:rPr>
+              <a:t>}</a:t>
+            </a:r>
+            <a:endParaRPr lang="zh-CN" altLang="en-US" dirty="0">
+              <a:latin typeface="Consolas" panose="020B0609020204030204" pitchFamily="49" charset="0"/>
+            </a:endParaRPr>
+          </a:p>
+        </p:txBody>
+      </p:sp>
+      <p:sp>
+        <p:nvSpPr>
+          <p:cNvPr id="7" name="文本框 6">
+            <a:extLst>
+              <a:ext uri="{FF2B5EF4-FFF2-40B4-BE49-F238E27FC236}">
+                <a16:creationId xmlns:a16="http://schemas.microsoft.com/office/drawing/2014/main" id="{DCD28B11-5045-4802-A5C2-72F44ADDAC41}"/>
+              </a:ext>
+            </a:extLst>
+          </p:cNvPr>
+          <p:cNvSpPr txBox="1"/>
+          <p:nvPr/>
+        </p:nvSpPr>
+        <p:spPr>
+          <a:xfrm>
+            <a:off x="4591049" y="1944737"/>
+            <a:ext cx="1171575" cy="2308324"/>
+          </a:xfrm>
+          <a:prstGeom prst="rect">
+            <a:avLst/>
+          </a:prstGeom>
+          <a:solidFill>
+            <a:schemeClr val="accent1"/>
+          </a:solidFill>
+        </p:spPr>
+        <p:txBody>
+          <a:bodyPr wrap="square" rtlCol="0">
+            <a:spAutoFit/>
+          </a:bodyPr>
+          <a:lstStyle/>
+          <a:p>
+            <a:r>
+              <a:rPr lang="en-US" altLang="zh-CN" dirty="0">
+                <a:latin typeface="Consolas" panose="020B0609020204030204" pitchFamily="49" charset="0"/>
+              </a:rPr>
+              <a:t>fn a1() {</a:t>
+            </a:r>
+          </a:p>
+          <a:p>
+            <a:pPr lvl="1"/>
+            <a:r>
+              <a:rPr lang="en-US" altLang="zh-CN" dirty="0">
+                <a:latin typeface="Consolas" panose="020B0609020204030204" pitchFamily="49" charset="0"/>
+              </a:rPr>
+              <a:t>…</a:t>
+            </a:r>
+          </a:p>
+          <a:p>
+            <a:pPr lvl="1"/>
+            <a:r>
+              <a:rPr lang="en-US" altLang="zh-CN" dirty="0">
+                <a:latin typeface="Consolas" panose="020B0609020204030204" pitchFamily="49" charset="0"/>
+              </a:rPr>
+              <a:t>…</a:t>
+            </a:r>
+          </a:p>
+          <a:p>
+            <a:pPr lvl="1"/>
+            <a:r>
+              <a:rPr lang="en-US" altLang="zh-CN" dirty="0">
+                <a:solidFill>
+                  <a:srgbClr val="FF0000"/>
+                </a:solidFill>
+                <a:latin typeface="Consolas" panose="020B0609020204030204" pitchFamily="49" charset="0"/>
+              </a:rPr>
+              <a:t>a2();</a:t>
+            </a:r>
+          </a:p>
+          <a:p>
+            <a:pPr lvl="1"/>
+            <a:r>
+              <a:rPr lang="en-US" altLang="zh-CN" dirty="0">
+                <a:latin typeface="Consolas" panose="020B0609020204030204" pitchFamily="49" charset="0"/>
+              </a:rPr>
+              <a:t>…</a:t>
+            </a:r>
+          </a:p>
+          <a:p>
+            <a:pPr lvl="1"/>
+            <a:r>
+              <a:rPr lang="en-US" altLang="zh-CN" dirty="0">
+                <a:latin typeface="Consolas" panose="020B0609020204030204" pitchFamily="49" charset="0"/>
+              </a:rPr>
+              <a:t>…</a:t>
+            </a:r>
+          </a:p>
+          <a:p>
+            <a:r>
+              <a:rPr lang="en-US" altLang="zh-CN" dirty="0">
+                <a:latin typeface="Consolas" panose="020B0609020204030204" pitchFamily="49" charset="0"/>
+              </a:rPr>
+              <a:t>}</a:t>
+            </a:r>
+            <a:endParaRPr lang="zh-CN" altLang="en-US" dirty="0">
+              <a:latin typeface="Consolas" panose="020B0609020204030204" pitchFamily="49" charset="0"/>
+            </a:endParaRPr>
+          </a:p>
+        </p:txBody>
+      </p:sp>
+      <p:sp>
+        <p:nvSpPr>
+          <p:cNvPr id="8" name="矩形 7">
+            <a:extLst>
+              <a:ext uri="{FF2B5EF4-FFF2-40B4-BE49-F238E27FC236}">
+                <a16:creationId xmlns:a16="http://schemas.microsoft.com/office/drawing/2014/main" id="{BC5384E4-0C2A-449B-A7FB-DCB628CC59A7}"/>
+              </a:ext>
+            </a:extLst>
+          </p:cNvPr>
+          <p:cNvSpPr/>
+          <p:nvPr/>
+        </p:nvSpPr>
+        <p:spPr>
+          <a:xfrm>
+            <a:off x="2828924" y="1944737"/>
+            <a:ext cx="1171575" cy="293638"/>
+          </a:xfrm>
+          <a:prstGeom prst="rect">
+            <a:avLst/>
+          </a:prstGeom>
+          <a:noFill/>
+        </p:spPr>
+        <p:style>
+          <a:lnRef idx="2">
+            <a:schemeClr val="accent1">
+              <a:shade val="50000"/>
+            </a:schemeClr>
+          </a:lnRef>
+          <a:fillRef idx="1">
+            <a:schemeClr val="accent1"/>
+          </a:fillRef>
+          <a:effectRef idx="0">
+            <a:schemeClr val="accent1"/>
+          </a:effectRef>
+          <a:fontRef idx="minor">
+            <a:schemeClr val="lt1"/>
+          </a:fontRef>
+        </p:style>
+        <p:txBody>
+          <a:bodyPr rtlCol="0" anchor="ctr"/>
+          <a:lstStyle/>
+          <a:p>
+            <a:pPr algn="ctr"/>
+            <a:endParaRPr lang="zh-CN" altLang="en-US"/>
+          </a:p>
+        </p:txBody>
+      </p:sp>
+      <p:cxnSp>
+        <p:nvCxnSpPr>
+          <p:cNvPr id="12" name="直接箭头连接符 11">
+            <a:extLst>
+              <a:ext uri="{FF2B5EF4-FFF2-40B4-BE49-F238E27FC236}">
+                <a16:creationId xmlns:a16="http://schemas.microsoft.com/office/drawing/2014/main" id="{75365645-576C-4C45-B193-AB7B55DB522C}"/>
+              </a:ext>
+            </a:extLst>
+          </p:cNvPr>
+          <p:cNvCxnSpPr>
+            <a:cxnSpLocks/>
+            <a:stCxn id="8" idx="3"/>
+          </p:cNvCxnSpPr>
+          <p:nvPr/>
+        </p:nvCxnSpPr>
+        <p:spPr>
+          <a:xfrm>
+            <a:off x="4000499" y="2091556"/>
+            <a:ext cx="590550" cy="0"/>
+          </a:xfrm>
+          <a:prstGeom prst="straightConnector1">
+            <a:avLst/>
+          </a:prstGeom>
+          <a:ln>
+            <a:tailEnd type="triangle"/>
+          </a:ln>
+        </p:spPr>
+        <p:style>
+          <a:lnRef idx="1">
+            <a:schemeClr val="accent1"/>
+          </a:lnRef>
+          <a:fillRef idx="0">
+            <a:schemeClr val="accent1"/>
+          </a:fillRef>
+          <a:effectRef idx="0">
+            <a:schemeClr val="accent1"/>
+          </a:effectRef>
+          <a:fontRef idx="minor">
+            <a:schemeClr val="tx1"/>
+          </a:fontRef>
+        </p:style>
+      </p:cxnSp>
+      <p:sp>
+        <p:nvSpPr>
+          <p:cNvPr id="14" name="矩形 13">
+            <a:extLst>
+              <a:ext uri="{FF2B5EF4-FFF2-40B4-BE49-F238E27FC236}">
+                <a16:creationId xmlns:a16="http://schemas.microsoft.com/office/drawing/2014/main" id="{4476A703-1CAF-4ABE-A77C-649EF38ABB6A}"/>
+              </a:ext>
+            </a:extLst>
+          </p:cNvPr>
+          <p:cNvSpPr/>
+          <p:nvPr/>
+        </p:nvSpPr>
+        <p:spPr>
+          <a:xfrm>
+            <a:off x="6353174" y="3098899"/>
+            <a:ext cx="1257300" cy="330101"/>
+          </a:xfrm>
+          <a:prstGeom prst="rect">
+            <a:avLst/>
+          </a:prstGeom>
+          <a:solidFill>
+            <a:schemeClr val="accent2"/>
+          </a:solidFill>
+        </p:spPr>
+        <p:style>
+          <a:lnRef idx="2">
+            <a:schemeClr val="accent1">
+              <a:shade val="50000"/>
+            </a:schemeClr>
+          </a:lnRef>
+          <a:fillRef idx="1">
+            <a:schemeClr val="accent1"/>
+          </a:fillRef>
+          <a:effectRef idx="0">
+            <a:schemeClr val="accent1"/>
+          </a:effectRef>
+          <a:fontRef idx="minor">
+            <a:schemeClr val="lt1"/>
+          </a:fontRef>
+        </p:style>
+        <p:txBody>
+          <a:bodyPr rtlCol="0" anchor="ctr"/>
+          <a:lstStyle/>
+          <a:p>
+            <a:pPr algn="ctr"/>
+            <a:r>
+              <a:rPr lang="en-US" altLang="zh-CN" dirty="0"/>
+              <a:t>IO</a:t>
+            </a:r>
+            <a:endParaRPr lang="zh-CN" altLang="en-US" dirty="0"/>
+          </a:p>
+        </p:txBody>
+      </p:sp>
+      <p:sp>
+        <p:nvSpPr>
+          <p:cNvPr id="15" name="矩形 14">
+            <a:extLst>
+              <a:ext uri="{FF2B5EF4-FFF2-40B4-BE49-F238E27FC236}">
+                <a16:creationId xmlns:a16="http://schemas.microsoft.com/office/drawing/2014/main" id="{ECE91CA5-6A02-4CED-AEC1-C117B540B86F}"/>
+              </a:ext>
+            </a:extLst>
+          </p:cNvPr>
+          <p:cNvSpPr/>
+          <p:nvPr/>
+        </p:nvSpPr>
+        <p:spPr>
+          <a:xfrm>
+            <a:off x="4591049" y="3098898"/>
+            <a:ext cx="1171575" cy="293632"/>
+          </a:xfrm>
+          <a:prstGeom prst="rect">
+            <a:avLst/>
+          </a:prstGeom>
+          <a:noFill/>
+        </p:spPr>
+        <p:style>
+          <a:lnRef idx="2">
+            <a:schemeClr val="accent1">
+              <a:shade val="50000"/>
+            </a:schemeClr>
+          </a:lnRef>
+          <a:fillRef idx="1">
+            <a:schemeClr val="accent1"/>
+          </a:fillRef>
+          <a:effectRef idx="0">
+            <a:schemeClr val="accent1"/>
+          </a:effectRef>
+          <a:fontRef idx="minor">
+            <a:schemeClr val="lt1"/>
+          </a:fontRef>
+        </p:style>
+        <p:txBody>
+          <a:bodyPr rtlCol="0" anchor="ctr"/>
+          <a:lstStyle/>
+          <a:p>
+            <a:pPr algn="ctr"/>
+            <a:endParaRPr lang="zh-CN" altLang="en-US"/>
+          </a:p>
+        </p:txBody>
+      </p:sp>
+      <p:cxnSp>
+        <p:nvCxnSpPr>
+          <p:cNvPr id="17" name="直接箭头连接符 16">
+            <a:extLst>
+              <a:ext uri="{FF2B5EF4-FFF2-40B4-BE49-F238E27FC236}">
+                <a16:creationId xmlns:a16="http://schemas.microsoft.com/office/drawing/2014/main" id="{34870B7F-BFEB-4539-B0BA-6F94E8212AED}"/>
+              </a:ext>
+            </a:extLst>
+          </p:cNvPr>
+          <p:cNvCxnSpPr>
+            <a:cxnSpLocks/>
+          </p:cNvCxnSpPr>
+          <p:nvPr/>
+        </p:nvCxnSpPr>
+        <p:spPr>
+          <a:xfrm>
+            <a:off x="2295525" y="981075"/>
+            <a:ext cx="533399" cy="0"/>
+          </a:xfrm>
+          <a:prstGeom prst="straightConnector1">
+            <a:avLst/>
+          </a:prstGeom>
+          <a:ln>
+            <a:tailEnd type="triangle"/>
+          </a:ln>
+        </p:spPr>
+        <p:style>
+          <a:lnRef idx="1">
+            <a:schemeClr val="accent1"/>
+          </a:lnRef>
+          <a:fillRef idx="0">
+            <a:schemeClr val="accent1"/>
+          </a:fillRef>
+          <a:effectRef idx="0">
+            <a:schemeClr val="accent1"/>
+          </a:effectRef>
+          <a:fontRef idx="minor">
+            <a:schemeClr val="tx1"/>
+          </a:fontRef>
+        </p:style>
+      </p:cxnSp>
+      <p:sp>
+        <p:nvSpPr>
+          <p:cNvPr id="21" name="文本框 20">
+            <a:extLst>
+              <a:ext uri="{FF2B5EF4-FFF2-40B4-BE49-F238E27FC236}">
+                <a16:creationId xmlns:a16="http://schemas.microsoft.com/office/drawing/2014/main" id="{78CB1EE7-579D-4E5F-BF8D-43CC11C6733F}"/>
+              </a:ext>
+            </a:extLst>
+          </p:cNvPr>
+          <p:cNvSpPr txBox="1"/>
+          <p:nvPr/>
+        </p:nvSpPr>
+        <p:spPr>
+          <a:xfrm>
+            <a:off x="1057275" y="796409"/>
+            <a:ext cx="1238250" cy="369332"/>
+          </a:xfrm>
+          <a:prstGeom prst="rect">
+            <a:avLst/>
+          </a:prstGeom>
+          <a:noFill/>
+          <a:ln>
+            <a:solidFill>
+              <a:schemeClr val="tx1"/>
+            </a:solidFill>
+          </a:ln>
+        </p:spPr>
+        <p:txBody>
+          <a:bodyPr wrap="square" rtlCol="0">
+            <a:spAutoFit/>
+          </a:bodyPr>
+          <a:lstStyle/>
+          <a:p>
+            <a:r>
+              <a:rPr lang="en-US" altLang="zh-CN" dirty="0"/>
+              <a:t>Task Entry</a:t>
+            </a:r>
+            <a:endParaRPr lang="zh-CN" altLang="en-US" dirty="0"/>
+          </a:p>
+        </p:txBody>
+      </p:sp>
+      <p:cxnSp>
+        <p:nvCxnSpPr>
+          <p:cNvPr id="23" name="直接箭头连接符 22">
+            <a:extLst>
+              <a:ext uri="{FF2B5EF4-FFF2-40B4-BE49-F238E27FC236}">
+                <a16:creationId xmlns:a16="http://schemas.microsoft.com/office/drawing/2014/main" id="{E5885565-5886-4F7A-B521-95D10C2217AD}"/>
+              </a:ext>
+            </a:extLst>
+          </p:cNvPr>
+          <p:cNvCxnSpPr>
+            <a:stCxn id="15" idx="3"/>
+            <a:endCxn id="14" idx="1"/>
+          </p:cNvCxnSpPr>
+          <p:nvPr/>
+        </p:nvCxnSpPr>
+        <p:spPr>
+          <a:xfrm>
+            <a:off x="5762624" y="3245714"/>
+            <a:ext cx="590550" cy="18236"/>
+          </a:xfrm>
+          <a:prstGeom prst="straightConnector1">
+            <a:avLst/>
+          </a:prstGeom>
+          <a:ln>
+            <a:tailEnd type="triangle"/>
+          </a:ln>
+        </p:spPr>
+        <p:style>
+          <a:lnRef idx="1">
+            <a:schemeClr val="accent1"/>
+          </a:lnRef>
+          <a:fillRef idx="0">
+            <a:schemeClr val="accent1"/>
+          </a:fillRef>
+          <a:effectRef idx="0">
+            <a:schemeClr val="accent1"/>
+          </a:effectRef>
+          <a:fontRef idx="minor">
+            <a:schemeClr val="tx1"/>
+          </a:fontRef>
+        </p:style>
+      </p:cxnSp>
+      <p:sp>
+        <p:nvSpPr>
+          <p:cNvPr id="25" name="文本框 24">
+            <a:extLst>
+              <a:ext uri="{FF2B5EF4-FFF2-40B4-BE49-F238E27FC236}">
+                <a16:creationId xmlns:a16="http://schemas.microsoft.com/office/drawing/2014/main" id="{0258CF95-4257-4CD4-BBE2-51A5552B82ED}"/>
+              </a:ext>
+            </a:extLst>
+          </p:cNvPr>
+          <p:cNvSpPr txBox="1"/>
+          <p:nvPr/>
+        </p:nvSpPr>
+        <p:spPr>
+          <a:xfrm>
+            <a:off x="6276975" y="3629025"/>
+            <a:ext cx="1457325" cy="369332"/>
+          </a:xfrm>
+          <a:prstGeom prst="rect">
+            <a:avLst/>
+          </a:prstGeom>
+          <a:noFill/>
+        </p:spPr>
+        <p:txBody>
+          <a:bodyPr wrap="square" rtlCol="0">
+            <a:spAutoFit/>
+          </a:bodyPr>
+          <a:lstStyle/>
+          <a:p>
+            <a:r>
+              <a:rPr lang="en-US" altLang="zh-CN" dirty="0"/>
+              <a:t>   Blocked!</a:t>
+            </a:r>
+            <a:endParaRPr lang="zh-CN" altLang="en-US" dirty="0"/>
+          </a:p>
+        </p:txBody>
+      </p:sp>
+    </p:spTree>
+    <p:extLst>
+      <p:ext uri="{BB962C8B-B14F-4D97-AF65-F5344CB8AC3E}">
+        <p14:creationId xmlns:p14="http://schemas.microsoft.com/office/powerpoint/2010/main" val="3449663430"/>
       </p:ext>
     </p:extLst>
   </p:cSld>

--- a/Rust/rust-async-introduction/演示文稿1.pptx
+++ b/Rust/rust-async-introduction/演示文稿1.pptx
@@ -17,6 +17,13 @@
     <p:sldId id="266" r:id="rId11"/>
     <p:sldId id="267" r:id="rId12"/>
     <p:sldId id="268" r:id="rId13"/>
+    <p:sldId id="269" r:id="rId14"/>
+    <p:sldId id="270" r:id="rId15"/>
+    <p:sldId id="272" r:id="rId16"/>
+    <p:sldId id="271" r:id="rId17"/>
+    <p:sldId id="273" r:id="rId18"/>
+    <p:sldId id="274" r:id="rId19"/>
+    <p:sldId id="275" r:id="rId20"/>
   </p:sldIdLst>
   <p:sldSz cx="12192000" cy="6858000"/>
   <p:notesSz cx="6858000" cy="9144000"/>
@@ -123,6 +130,18 @@
 </p:presentation>
 </file>
 
+<file path=ppt/commentAuthors.xml><?xml version="1.0" encoding="utf-8"?>
+<p:cmAuthorLst xmlns:a="http://schemas.openxmlformats.org/drawingml/2006/main" xmlns:r="http://schemas.openxmlformats.org/officeDocument/2006/relationships" xmlns:p="http://schemas.openxmlformats.org/presentationml/2006/main">
+  <p:cmAuthor id="1" name="yifan wu" initials="yw" lastIdx="1" clrIdx="0">
+    <p:extLst>
+      <p:ext uri="{19B8F6BF-5375-455C-9EA6-DF929625EA0E}">
+        <p15:presenceInfo xmlns:p15="http://schemas.microsoft.com/office/powerpoint/2012/main" userId="3ee7b6206387044e" providerId="Windows Live"/>
+      </p:ext>
+    </p:extLst>
+  </p:cmAuthor>
+</p:cmAuthorLst>
+</file>
+
 <file path=ppt/slideLayouts/slideLayout1.xml><?xml version="1.0" encoding="utf-8"?>
 <p:sldLayout xmlns:a="http://schemas.openxmlformats.org/drawingml/2006/main" xmlns:r="http://schemas.openxmlformats.org/officeDocument/2006/relationships" xmlns:p="http://schemas.openxmlformats.org/presentationml/2006/main" type="title" preserve="1">
   <p:cSld name="标题幻灯片">
@@ -270,7 +289,7 @@
           <a:p>
             <a:fld id="{93DE3F79-7BAC-42FB-8699-904B6B7FCE36}" type="datetimeFigureOut">
               <a:rPr lang="zh-CN" altLang="en-US" smtClean="0"/>
-              <a:t>2020/9/26</a:t>
+              <a:t>2020/9/27</a:t>
             </a:fld>
             <a:endParaRPr lang="zh-CN" altLang="en-US"/>
           </a:p>
@@ -468,7 +487,7 @@
           <a:p>
             <a:fld id="{93DE3F79-7BAC-42FB-8699-904B6B7FCE36}" type="datetimeFigureOut">
               <a:rPr lang="zh-CN" altLang="en-US" smtClean="0"/>
-              <a:t>2020/9/26</a:t>
+              <a:t>2020/9/27</a:t>
             </a:fld>
             <a:endParaRPr lang="zh-CN" altLang="en-US"/>
           </a:p>
@@ -676,7 +695,7 @@
           <a:p>
             <a:fld id="{93DE3F79-7BAC-42FB-8699-904B6B7FCE36}" type="datetimeFigureOut">
               <a:rPr lang="zh-CN" altLang="en-US" smtClean="0"/>
-              <a:t>2020/9/26</a:t>
+              <a:t>2020/9/27</a:t>
             </a:fld>
             <a:endParaRPr lang="zh-CN" altLang="en-US"/>
           </a:p>
@@ -874,7 +893,7 @@
           <a:p>
             <a:fld id="{93DE3F79-7BAC-42FB-8699-904B6B7FCE36}" type="datetimeFigureOut">
               <a:rPr lang="zh-CN" altLang="en-US" smtClean="0"/>
-              <a:t>2020/9/26</a:t>
+              <a:t>2020/9/27</a:t>
             </a:fld>
             <a:endParaRPr lang="zh-CN" altLang="en-US"/>
           </a:p>
@@ -1149,7 +1168,7 @@
           <a:p>
             <a:fld id="{93DE3F79-7BAC-42FB-8699-904B6B7FCE36}" type="datetimeFigureOut">
               <a:rPr lang="zh-CN" altLang="en-US" smtClean="0"/>
-              <a:t>2020/9/26</a:t>
+              <a:t>2020/9/27</a:t>
             </a:fld>
             <a:endParaRPr lang="zh-CN" altLang="en-US"/>
           </a:p>
@@ -1414,7 +1433,7 @@
           <a:p>
             <a:fld id="{93DE3F79-7BAC-42FB-8699-904B6B7FCE36}" type="datetimeFigureOut">
               <a:rPr lang="zh-CN" altLang="en-US" smtClean="0"/>
-              <a:t>2020/9/26</a:t>
+              <a:t>2020/9/27</a:t>
             </a:fld>
             <a:endParaRPr lang="zh-CN" altLang="en-US"/>
           </a:p>
@@ -1826,7 +1845,7 @@
           <a:p>
             <a:fld id="{93DE3F79-7BAC-42FB-8699-904B6B7FCE36}" type="datetimeFigureOut">
               <a:rPr lang="zh-CN" altLang="en-US" smtClean="0"/>
-              <a:t>2020/9/26</a:t>
+              <a:t>2020/9/27</a:t>
             </a:fld>
             <a:endParaRPr lang="zh-CN" altLang="en-US"/>
           </a:p>
@@ -1967,7 +1986,7 @@
           <a:p>
             <a:fld id="{93DE3F79-7BAC-42FB-8699-904B6B7FCE36}" type="datetimeFigureOut">
               <a:rPr lang="zh-CN" altLang="en-US" smtClean="0"/>
-              <a:t>2020/9/26</a:t>
+              <a:t>2020/9/27</a:t>
             </a:fld>
             <a:endParaRPr lang="zh-CN" altLang="en-US"/>
           </a:p>
@@ -2080,7 +2099,7 @@
           <a:p>
             <a:fld id="{93DE3F79-7BAC-42FB-8699-904B6B7FCE36}" type="datetimeFigureOut">
               <a:rPr lang="zh-CN" altLang="en-US" smtClean="0"/>
-              <a:t>2020/9/26</a:t>
+              <a:t>2020/9/27</a:t>
             </a:fld>
             <a:endParaRPr lang="zh-CN" altLang="en-US"/>
           </a:p>
@@ -2391,7 +2410,7 @@
           <a:p>
             <a:fld id="{93DE3F79-7BAC-42FB-8699-904B6B7FCE36}" type="datetimeFigureOut">
               <a:rPr lang="zh-CN" altLang="en-US" smtClean="0"/>
-              <a:t>2020/9/26</a:t>
+              <a:t>2020/9/27</a:t>
             </a:fld>
             <a:endParaRPr lang="zh-CN" altLang="en-US"/>
           </a:p>
@@ -2679,7 +2698,7 @@
           <a:p>
             <a:fld id="{93DE3F79-7BAC-42FB-8699-904B6B7FCE36}" type="datetimeFigureOut">
               <a:rPr lang="zh-CN" altLang="en-US" smtClean="0"/>
-              <a:t>2020/9/26</a:t>
+              <a:t>2020/9/27</a:t>
             </a:fld>
             <a:endParaRPr lang="zh-CN" altLang="en-US"/>
           </a:p>
@@ -2920,7 +2939,7 @@
           <a:p>
             <a:fld id="{93DE3F79-7BAC-42FB-8699-904B6B7FCE36}" type="datetimeFigureOut">
               <a:rPr lang="zh-CN" altLang="en-US" smtClean="0"/>
-              <a:t>2020/9/26</a:t>
+              <a:t>2020/9/27</a:t>
             </a:fld>
             <a:endParaRPr lang="zh-CN" altLang="en-US"/>
           </a:p>
@@ -7812,7 +7831,7 @@
         </p:nvSpPr>
         <p:spPr>
           <a:xfrm>
-            <a:off x="6396037" y="2814638"/>
+            <a:off x="6410325" y="2843213"/>
             <a:ext cx="1257300" cy="542923"/>
           </a:xfrm>
           <a:prstGeom prst="rect">
@@ -9870,6 +9889,8653 @@
     <p:extLst>
       <p:ext uri="{BB962C8B-B14F-4D97-AF65-F5344CB8AC3E}">
         <p14:creationId xmlns:p14="http://schemas.microsoft.com/office/powerpoint/2010/main" val="1653068167"/>
+      </p:ext>
+    </p:extLst>
+  </p:cSld>
+  <p:clrMapOvr>
+    <a:masterClrMapping/>
+  </p:clrMapOvr>
+</p:sld>
+</file>
+
+<file path=ppt/slides/slide13.xml><?xml version="1.0" encoding="utf-8"?>
+<p:sld xmlns:a="http://schemas.openxmlformats.org/drawingml/2006/main" xmlns:r="http://schemas.openxmlformats.org/officeDocument/2006/relationships" xmlns:p="http://schemas.openxmlformats.org/presentationml/2006/main">
+  <p:cSld>
+    <p:spTree>
+      <p:nvGrpSpPr>
+        <p:cNvPr id="1" name=""/>
+        <p:cNvGrpSpPr/>
+        <p:nvPr/>
+      </p:nvGrpSpPr>
+      <p:grpSpPr>
+        <a:xfrm>
+          <a:off x="0" y="0"/>
+          <a:ext cx="0" cy="0"/>
+          <a:chOff x="0" y="0"/>
+          <a:chExt cx="0" cy="0"/>
+        </a:xfrm>
+      </p:grpSpPr>
+      <p:sp>
+        <p:nvSpPr>
+          <p:cNvPr id="2" name="矩形 1">
+            <a:extLst>
+              <a:ext uri="{FF2B5EF4-FFF2-40B4-BE49-F238E27FC236}">
+                <a16:creationId xmlns:a16="http://schemas.microsoft.com/office/drawing/2014/main" id="{1422A515-AF14-48AC-A504-5DE55264E317}"/>
+              </a:ext>
+            </a:extLst>
+          </p:cNvPr>
+          <p:cNvSpPr/>
+          <p:nvPr/>
+        </p:nvSpPr>
+        <p:spPr>
+          <a:xfrm>
+            <a:off x="3562350" y="2800350"/>
+            <a:ext cx="4305300" cy="285750"/>
+          </a:xfrm>
+          <a:prstGeom prst="rect">
+            <a:avLst/>
+          </a:prstGeom>
+        </p:spPr>
+        <p:style>
+          <a:lnRef idx="2">
+            <a:schemeClr val="accent1">
+              <a:shade val="50000"/>
+            </a:schemeClr>
+          </a:lnRef>
+          <a:fillRef idx="1">
+            <a:schemeClr val="accent1"/>
+          </a:fillRef>
+          <a:effectRef idx="0">
+            <a:schemeClr val="accent1"/>
+          </a:effectRef>
+          <a:fontRef idx="minor">
+            <a:schemeClr val="lt1"/>
+          </a:fontRef>
+        </p:style>
+        <p:txBody>
+          <a:bodyPr rtlCol="0" anchor="ctr"/>
+          <a:lstStyle/>
+          <a:p>
+            <a:pPr algn="ctr"/>
+            <a:r>
+              <a:rPr lang="en-US" altLang="zh-CN" dirty="0"/>
+              <a:t>core::task::Waker</a:t>
+            </a:r>
+            <a:endParaRPr lang="zh-CN" altLang="en-US" dirty="0"/>
+          </a:p>
+        </p:txBody>
+      </p:sp>
+      <p:sp>
+        <p:nvSpPr>
+          <p:cNvPr id="3" name="矩形 2">
+            <a:extLst>
+              <a:ext uri="{FF2B5EF4-FFF2-40B4-BE49-F238E27FC236}">
+                <a16:creationId xmlns:a16="http://schemas.microsoft.com/office/drawing/2014/main" id="{547AEF2B-5D2D-4ACC-BA1D-6FA60E3305F4}"/>
+              </a:ext>
+            </a:extLst>
+          </p:cNvPr>
+          <p:cNvSpPr/>
+          <p:nvPr/>
+        </p:nvSpPr>
+        <p:spPr>
+          <a:xfrm>
+            <a:off x="4662487" y="3105150"/>
+            <a:ext cx="2105025" cy="647700"/>
+          </a:xfrm>
+          <a:prstGeom prst="rect">
+            <a:avLst/>
+          </a:prstGeom>
+          <a:solidFill>
+            <a:srgbClr val="92D050"/>
+          </a:solidFill>
+        </p:spPr>
+        <p:style>
+          <a:lnRef idx="2">
+            <a:schemeClr val="accent1">
+              <a:shade val="50000"/>
+            </a:schemeClr>
+          </a:lnRef>
+          <a:fillRef idx="1">
+            <a:schemeClr val="accent1"/>
+          </a:fillRef>
+          <a:effectRef idx="0">
+            <a:schemeClr val="accent1"/>
+          </a:effectRef>
+          <a:fontRef idx="minor">
+            <a:schemeClr val="lt1"/>
+          </a:fontRef>
+        </p:style>
+        <p:txBody>
+          <a:bodyPr rtlCol="0" anchor="ctr"/>
+          <a:lstStyle/>
+          <a:p>
+            <a:pPr algn="ctr"/>
+            <a:r>
+              <a:rPr lang="en-US" altLang="zh-CN" dirty="0"/>
+              <a:t>Executor</a:t>
+            </a:r>
+            <a:endParaRPr lang="zh-CN" altLang="en-US" dirty="0"/>
+          </a:p>
+        </p:txBody>
+      </p:sp>
+      <p:sp>
+        <p:nvSpPr>
+          <p:cNvPr id="5" name="矩形 4">
+            <a:extLst>
+              <a:ext uri="{FF2B5EF4-FFF2-40B4-BE49-F238E27FC236}">
+                <a16:creationId xmlns:a16="http://schemas.microsoft.com/office/drawing/2014/main" id="{B8F05519-F417-4C68-A222-FA209943B519}"/>
+              </a:ext>
+            </a:extLst>
+          </p:cNvPr>
+          <p:cNvSpPr/>
+          <p:nvPr/>
+        </p:nvSpPr>
+        <p:spPr>
+          <a:xfrm>
+            <a:off x="4662487" y="2124075"/>
+            <a:ext cx="2105025" cy="647700"/>
+          </a:xfrm>
+          <a:prstGeom prst="rect">
+            <a:avLst/>
+          </a:prstGeom>
+          <a:solidFill>
+            <a:schemeClr val="accent4"/>
+          </a:solidFill>
+        </p:spPr>
+        <p:style>
+          <a:lnRef idx="2">
+            <a:schemeClr val="accent1">
+              <a:shade val="50000"/>
+            </a:schemeClr>
+          </a:lnRef>
+          <a:fillRef idx="1">
+            <a:schemeClr val="accent1"/>
+          </a:fillRef>
+          <a:effectRef idx="0">
+            <a:schemeClr val="accent1"/>
+          </a:effectRef>
+          <a:fontRef idx="minor">
+            <a:schemeClr val="lt1"/>
+          </a:fontRef>
+        </p:style>
+        <p:txBody>
+          <a:bodyPr rtlCol="0" anchor="ctr"/>
+          <a:lstStyle/>
+          <a:p>
+            <a:pPr algn="ctr"/>
+            <a:r>
+              <a:rPr lang="en-US" altLang="zh-CN" dirty="0"/>
+              <a:t>Reactor</a:t>
+            </a:r>
+            <a:endParaRPr lang="zh-CN" altLang="en-US" dirty="0"/>
+          </a:p>
+        </p:txBody>
+      </p:sp>
+      <p:cxnSp>
+        <p:nvCxnSpPr>
+          <p:cNvPr id="11" name="直接连接符 10">
+            <a:extLst>
+              <a:ext uri="{FF2B5EF4-FFF2-40B4-BE49-F238E27FC236}">
+                <a16:creationId xmlns:a16="http://schemas.microsoft.com/office/drawing/2014/main" id="{EE8CFEEA-FF06-4A1C-B998-FADA384C131D}"/>
+              </a:ext>
+            </a:extLst>
+          </p:cNvPr>
+          <p:cNvCxnSpPr>
+            <a:stCxn id="2" idx="3"/>
+          </p:cNvCxnSpPr>
+          <p:nvPr/>
+        </p:nvCxnSpPr>
+        <p:spPr>
+          <a:xfrm>
+            <a:off x="7867650" y="2943225"/>
+            <a:ext cx="858907" cy="0"/>
+          </a:xfrm>
+          <a:prstGeom prst="line">
+            <a:avLst/>
+          </a:prstGeom>
+          <a:ln w="38100">
+            <a:solidFill>
+              <a:schemeClr val="tx1"/>
+            </a:solidFill>
+            <a:prstDash val="dash"/>
+          </a:ln>
+        </p:spPr>
+        <p:style>
+          <a:lnRef idx="1">
+            <a:schemeClr val="accent1"/>
+          </a:lnRef>
+          <a:fillRef idx="0">
+            <a:schemeClr val="accent1"/>
+          </a:fillRef>
+          <a:effectRef idx="0">
+            <a:schemeClr val="accent1"/>
+          </a:effectRef>
+          <a:fontRef idx="minor">
+            <a:schemeClr val="tx1"/>
+          </a:fontRef>
+        </p:style>
+      </p:cxnSp>
+      <p:sp>
+        <p:nvSpPr>
+          <p:cNvPr id="12" name="文本框 11">
+            <a:extLst>
+              <a:ext uri="{FF2B5EF4-FFF2-40B4-BE49-F238E27FC236}">
+                <a16:creationId xmlns:a16="http://schemas.microsoft.com/office/drawing/2014/main" id="{1674E501-B07A-4D2D-8847-7C261DADA93D}"/>
+              </a:ext>
+            </a:extLst>
+          </p:cNvPr>
+          <p:cNvSpPr txBox="1"/>
+          <p:nvPr/>
+        </p:nvSpPr>
+        <p:spPr>
+          <a:xfrm>
+            <a:off x="8825948" y="2764393"/>
+            <a:ext cx="1630017" cy="369332"/>
+          </a:xfrm>
+          <a:prstGeom prst="rect">
+            <a:avLst/>
+          </a:prstGeom>
+          <a:noFill/>
+        </p:spPr>
+        <p:txBody>
+          <a:bodyPr wrap="square" rtlCol="0">
+            <a:spAutoFit/>
+          </a:bodyPr>
+          <a:lstStyle/>
+          <a:p>
+            <a:r>
+              <a:rPr lang="en-US" altLang="zh-CN" dirty="0"/>
+              <a:t>Interface</a:t>
+            </a:r>
+            <a:endParaRPr lang="zh-CN" altLang="en-US" dirty="0"/>
+          </a:p>
+        </p:txBody>
+      </p:sp>
+      <p:sp>
+        <p:nvSpPr>
+          <p:cNvPr id="13" name="文本框 12">
+            <a:extLst>
+              <a:ext uri="{FF2B5EF4-FFF2-40B4-BE49-F238E27FC236}">
+                <a16:creationId xmlns:a16="http://schemas.microsoft.com/office/drawing/2014/main" id="{C21FE43B-003A-4B3C-BDE0-10D42B0B47D5}"/>
+              </a:ext>
+            </a:extLst>
+          </p:cNvPr>
+          <p:cNvSpPr txBox="1"/>
+          <p:nvPr/>
+        </p:nvSpPr>
+        <p:spPr>
+          <a:xfrm>
+            <a:off x="7722703" y="3244334"/>
+            <a:ext cx="2345635" cy="369332"/>
+          </a:xfrm>
+          <a:prstGeom prst="rect">
+            <a:avLst/>
+          </a:prstGeom>
+          <a:noFill/>
+        </p:spPr>
+        <p:txBody>
+          <a:bodyPr wrap="square" rtlCol="0">
+            <a:spAutoFit/>
+          </a:bodyPr>
+          <a:lstStyle/>
+          <a:p>
+            <a:r>
+              <a:rPr lang="en-US" altLang="zh-CN" dirty="0"/>
+              <a:t>Implementation</a:t>
+            </a:r>
+            <a:endParaRPr lang="zh-CN" altLang="en-US" dirty="0"/>
+          </a:p>
+        </p:txBody>
+      </p:sp>
+      <p:sp>
+        <p:nvSpPr>
+          <p:cNvPr id="15" name="文本框 14">
+            <a:extLst>
+              <a:ext uri="{FF2B5EF4-FFF2-40B4-BE49-F238E27FC236}">
+                <a16:creationId xmlns:a16="http://schemas.microsoft.com/office/drawing/2014/main" id="{98B6AA4D-50E4-426C-BF9D-8786DD233B6D}"/>
+              </a:ext>
+            </a:extLst>
+          </p:cNvPr>
+          <p:cNvSpPr txBox="1"/>
+          <p:nvPr/>
+        </p:nvSpPr>
+        <p:spPr>
+          <a:xfrm>
+            <a:off x="7722703" y="2133988"/>
+            <a:ext cx="2345635" cy="369332"/>
+          </a:xfrm>
+          <a:prstGeom prst="rect">
+            <a:avLst/>
+          </a:prstGeom>
+          <a:noFill/>
+        </p:spPr>
+        <p:txBody>
+          <a:bodyPr wrap="square" rtlCol="0">
+            <a:spAutoFit/>
+          </a:bodyPr>
+          <a:lstStyle/>
+          <a:p>
+            <a:r>
+              <a:rPr lang="en-US" altLang="zh-CN" dirty="0"/>
+              <a:t>Caller</a:t>
+            </a:r>
+            <a:endParaRPr lang="zh-CN" altLang="en-US" dirty="0"/>
+          </a:p>
+        </p:txBody>
+      </p:sp>
+      <p:sp>
+        <p:nvSpPr>
+          <p:cNvPr id="16" name="矩形 15">
+            <a:extLst>
+              <a:ext uri="{FF2B5EF4-FFF2-40B4-BE49-F238E27FC236}">
+                <a16:creationId xmlns:a16="http://schemas.microsoft.com/office/drawing/2014/main" id="{207C9803-FC1E-4338-B9F3-20026D4081CF}"/>
+              </a:ext>
+            </a:extLst>
+          </p:cNvPr>
+          <p:cNvSpPr/>
+          <p:nvPr/>
+        </p:nvSpPr>
+        <p:spPr>
+          <a:xfrm>
+            <a:off x="3140765" y="1381539"/>
+            <a:ext cx="6778487" cy="2574235"/>
+          </a:xfrm>
+          <a:prstGeom prst="rect">
+            <a:avLst/>
+          </a:prstGeom>
+          <a:noFill/>
+          <a:ln w="28575">
+            <a:solidFill>
+              <a:schemeClr val="tx1"/>
+            </a:solidFill>
+            <a:prstDash val="sysDash"/>
+          </a:ln>
+        </p:spPr>
+        <p:style>
+          <a:lnRef idx="2">
+            <a:schemeClr val="accent1">
+              <a:shade val="50000"/>
+            </a:schemeClr>
+          </a:lnRef>
+          <a:fillRef idx="1">
+            <a:schemeClr val="accent1"/>
+          </a:fillRef>
+          <a:effectRef idx="0">
+            <a:schemeClr val="accent1"/>
+          </a:effectRef>
+          <a:fontRef idx="minor">
+            <a:schemeClr val="lt1"/>
+          </a:fontRef>
+        </p:style>
+        <p:txBody>
+          <a:bodyPr rtlCol="0" anchor="ctr"/>
+          <a:lstStyle/>
+          <a:p>
+            <a:pPr algn="ctr"/>
+            <a:endParaRPr lang="zh-CN" altLang="en-US"/>
+          </a:p>
+        </p:txBody>
+      </p:sp>
+      <p:sp>
+        <p:nvSpPr>
+          <p:cNvPr id="17" name="文本框 16">
+            <a:extLst>
+              <a:ext uri="{FF2B5EF4-FFF2-40B4-BE49-F238E27FC236}">
+                <a16:creationId xmlns:a16="http://schemas.microsoft.com/office/drawing/2014/main" id="{9D3F6DEC-CDE1-42D3-AC8F-01981B1F9F5D}"/>
+              </a:ext>
+            </a:extLst>
+          </p:cNvPr>
+          <p:cNvSpPr txBox="1"/>
+          <p:nvPr/>
+        </p:nvSpPr>
+        <p:spPr>
+          <a:xfrm>
+            <a:off x="5083864" y="1560552"/>
+            <a:ext cx="2892287" cy="369332"/>
+          </a:xfrm>
+          <a:prstGeom prst="rect">
+            <a:avLst/>
+          </a:prstGeom>
+          <a:noFill/>
+        </p:spPr>
+        <p:txBody>
+          <a:bodyPr wrap="square" rtlCol="0">
+            <a:spAutoFit/>
+          </a:bodyPr>
+          <a:lstStyle/>
+          <a:p>
+            <a:pPr algn="ctr"/>
+            <a:r>
+              <a:rPr lang="en-US" altLang="zh-CN" dirty="0"/>
+              <a:t>Future Runtime</a:t>
+            </a:r>
+            <a:endParaRPr lang="zh-CN" altLang="en-US" dirty="0"/>
+          </a:p>
+        </p:txBody>
+      </p:sp>
+    </p:spTree>
+    <p:extLst>
+      <p:ext uri="{BB962C8B-B14F-4D97-AF65-F5344CB8AC3E}">
+        <p14:creationId xmlns:p14="http://schemas.microsoft.com/office/powerpoint/2010/main" val="866908232"/>
+      </p:ext>
+    </p:extLst>
+  </p:cSld>
+  <p:clrMapOvr>
+    <a:masterClrMapping/>
+  </p:clrMapOvr>
+</p:sld>
+</file>
+
+<file path=ppt/slides/slide14.xml><?xml version="1.0" encoding="utf-8"?>
+<p:sld xmlns:a="http://schemas.openxmlformats.org/drawingml/2006/main" xmlns:r="http://schemas.openxmlformats.org/officeDocument/2006/relationships" xmlns:p="http://schemas.openxmlformats.org/presentationml/2006/main">
+  <p:cSld>
+    <p:spTree>
+      <p:nvGrpSpPr>
+        <p:cNvPr id="1" name=""/>
+        <p:cNvGrpSpPr/>
+        <p:nvPr/>
+      </p:nvGrpSpPr>
+      <p:grpSpPr>
+        <a:xfrm>
+          <a:off x="0" y="0"/>
+          <a:ext cx="0" cy="0"/>
+          <a:chOff x="0" y="0"/>
+          <a:chExt cx="0" cy="0"/>
+        </a:xfrm>
+      </p:grpSpPr>
+      <p:sp>
+        <p:nvSpPr>
+          <p:cNvPr id="17" name="矩形 16">
+            <a:extLst>
+              <a:ext uri="{FF2B5EF4-FFF2-40B4-BE49-F238E27FC236}">
+                <a16:creationId xmlns:a16="http://schemas.microsoft.com/office/drawing/2014/main" id="{0A896AD8-6176-4DF2-AF6A-7DB33CBC0F9F}"/>
+              </a:ext>
+            </a:extLst>
+          </p:cNvPr>
+          <p:cNvSpPr/>
+          <p:nvPr/>
+        </p:nvSpPr>
+        <p:spPr>
+          <a:xfrm>
+            <a:off x="2226366" y="476284"/>
+            <a:ext cx="7242313" cy="2136913"/>
+          </a:xfrm>
+          <a:prstGeom prst="rect">
+            <a:avLst/>
+          </a:prstGeom>
+          <a:solidFill>
+            <a:srgbClr val="92D050"/>
+          </a:solidFill>
+        </p:spPr>
+        <p:style>
+          <a:lnRef idx="2">
+            <a:schemeClr val="accent1">
+              <a:shade val="50000"/>
+            </a:schemeClr>
+          </a:lnRef>
+          <a:fillRef idx="1">
+            <a:schemeClr val="accent1"/>
+          </a:fillRef>
+          <a:effectRef idx="0">
+            <a:schemeClr val="accent1"/>
+          </a:effectRef>
+          <a:fontRef idx="minor">
+            <a:schemeClr val="lt1"/>
+          </a:fontRef>
+        </p:style>
+        <p:txBody>
+          <a:bodyPr rtlCol="0" anchor="ctr"/>
+          <a:lstStyle/>
+          <a:p>
+            <a:pPr algn="ctr"/>
+            <a:endParaRPr lang="zh-CN" altLang="en-US"/>
+          </a:p>
+        </p:txBody>
+      </p:sp>
+      <p:sp>
+        <p:nvSpPr>
+          <p:cNvPr id="3" name="矩形 2">
+            <a:extLst>
+              <a:ext uri="{FF2B5EF4-FFF2-40B4-BE49-F238E27FC236}">
+                <a16:creationId xmlns:a16="http://schemas.microsoft.com/office/drawing/2014/main" id="{6DD5DCAC-2933-4901-AE3E-6A2A8B9D17FE}"/>
+              </a:ext>
+            </a:extLst>
+          </p:cNvPr>
+          <p:cNvSpPr/>
+          <p:nvPr/>
+        </p:nvSpPr>
+        <p:spPr>
+          <a:xfrm>
+            <a:off x="2822713" y="2067339"/>
+            <a:ext cx="894522" cy="337931"/>
+          </a:xfrm>
+          <a:prstGeom prst="rect">
+            <a:avLst/>
+          </a:prstGeom>
+        </p:spPr>
+        <p:style>
+          <a:lnRef idx="2">
+            <a:schemeClr val="accent1">
+              <a:shade val="50000"/>
+            </a:schemeClr>
+          </a:lnRef>
+          <a:fillRef idx="1">
+            <a:schemeClr val="accent1"/>
+          </a:fillRef>
+          <a:effectRef idx="0">
+            <a:schemeClr val="accent1"/>
+          </a:effectRef>
+          <a:fontRef idx="minor">
+            <a:schemeClr val="lt1"/>
+          </a:fontRef>
+        </p:style>
+        <p:txBody>
+          <a:bodyPr rtlCol="0" anchor="ctr"/>
+          <a:lstStyle/>
+          <a:p>
+            <a:pPr algn="ctr"/>
+            <a:endParaRPr lang="zh-CN" altLang="en-US"/>
+          </a:p>
+        </p:txBody>
+      </p:sp>
+      <p:sp>
+        <p:nvSpPr>
+          <p:cNvPr id="5" name="矩形 4">
+            <a:extLst>
+              <a:ext uri="{FF2B5EF4-FFF2-40B4-BE49-F238E27FC236}">
+                <a16:creationId xmlns:a16="http://schemas.microsoft.com/office/drawing/2014/main" id="{90FD1A7E-3175-422F-9FEF-B8FB10DE6D30}"/>
+              </a:ext>
+            </a:extLst>
+          </p:cNvPr>
+          <p:cNvSpPr/>
+          <p:nvPr/>
+        </p:nvSpPr>
+        <p:spPr>
+          <a:xfrm>
+            <a:off x="3717235" y="2067338"/>
+            <a:ext cx="894522" cy="337931"/>
+          </a:xfrm>
+          <a:prstGeom prst="rect">
+            <a:avLst/>
+          </a:prstGeom>
+        </p:spPr>
+        <p:style>
+          <a:lnRef idx="2">
+            <a:schemeClr val="accent1">
+              <a:shade val="50000"/>
+            </a:schemeClr>
+          </a:lnRef>
+          <a:fillRef idx="1">
+            <a:schemeClr val="accent1"/>
+          </a:fillRef>
+          <a:effectRef idx="0">
+            <a:schemeClr val="accent1"/>
+          </a:effectRef>
+          <a:fontRef idx="minor">
+            <a:schemeClr val="lt1"/>
+          </a:fontRef>
+        </p:style>
+        <p:txBody>
+          <a:bodyPr rtlCol="0" anchor="ctr"/>
+          <a:lstStyle/>
+          <a:p>
+            <a:pPr algn="ctr"/>
+            <a:endParaRPr lang="zh-CN" altLang="en-US"/>
+          </a:p>
+        </p:txBody>
+      </p:sp>
+      <p:sp>
+        <p:nvSpPr>
+          <p:cNvPr id="7" name="矩形 6">
+            <a:extLst>
+              <a:ext uri="{FF2B5EF4-FFF2-40B4-BE49-F238E27FC236}">
+                <a16:creationId xmlns:a16="http://schemas.microsoft.com/office/drawing/2014/main" id="{C2F45CD9-BFE1-4E9F-B587-1AF77E65B01F}"/>
+              </a:ext>
+            </a:extLst>
+          </p:cNvPr>
+          <p:cNvSpPr/>
+          <p:nvPr/>
+        </p:nvSpPr>
+        <p:spPr>
+          <a:xfrm>
+            <a:off x="4611757" y="2067338"/>
+            <a:ext cx="894522" cy="337931"/>
+          </a:xfrm>
+          <a:prstGeom prst="rect">
+            <a:avLst/>
+          </a:prstGeom>
+        </p:spPr>
+        <p:style>
+          <a:lnRef idx="2">
+            <a:schemeClr val="accent1">
+              <a:shade val="50000"/>
+            </a:schemeClr>
+          </a:lnRef>
+          <a:fillRef idx="1">
+            <a:schemeClr val="accent1"/>
+          </a:fillRef>
+          <a:effectRef idx="0">
+            <a:schemeClr val="accent1"/>
+          </a:effectRef>
+          <a:fontRef idx="minor">
+            <a:schemeClr val="lt1"/>
+          </a:fontRef>
+        </p:style>
+        <p:txBody>
+          <a:bodyPr rtlCol="0" anchor="ctr"/>
+          <a:lstStyle/>
+          <a:p>
+            <a:pPr algn="ctr"/>
+            <a:endParaRPr lang="zh-CN" altLang="en-US"/>
+          </a:p>
+        </p:txBody>
+      </p:sp>
+      <p:sp>
+        <p:nvSpPr>
+          <p:cNvPr id="8" name="文本框 7">
+            <a:extLst>
+              <a:ext uri="{FF2B5EF4-FFF2-40B4-BE49-F238E27FC236}">
+                <a16:creationId xmlns:a16="http://schemas.microsoft.com/office/drawing/2014/main" id="{F4267A72-5F12-4B2C-A08F-FC7707391EDD}"/>
+              </a:ext>
+            </a:extLst>
+          </p:cNvPr>
+          <p:cNvSpPr txBox="1"/>
+          <p:nvPr/>
+        </p:nvSpPr>
+        <p:spPr>
+          <a:xfrm>
+            <a:off x="3051313" y="1544741"/>
+            <a:ext cx="2226365" cy="369332"/>
+          </a:xfrm>
+          <a:prstGeom prst="rect">
+            <a:avLst/>
+          </a:prstGeom>
+          <a:noFill/>
+        </p:spPr>
+        <p:txBody>
+          <a:bodyPr wrap="square" rtlCol="0">
+            <a:spAutoFit/>
+          </a:bodyPr>
+          <a:lstStyle/>
+          <a:p>
+            <a:pPr algn="ctr"/>
+            <a:r>
+              <a:rPr lang="en-US" altLang="zh-CN" dirty="0"/>
+              <a:t>Ready Queue</a:t>
+            </a:r>
+            <a:endParaRPr lang="zh-CN" altLang="en-US" dirty="0"/>
+          </a:p>
+        </p:txBody>
+      </p:sp>
+      <p:sp>
+        <p:nvSpPr>
+          <p:cNvPr id="10" name="矩形 9">
+            <a:extLst>
+              <a:ext uri="{FF2B5EF4-FFF2-40B4-BE49-F238E27FC236}">
+                <a16:creationId xmlns:a16="http://schemas.microsoft.com/office/drawing/2014/main" id="{C7E9B9B1-63E3-44C9-A4CC-057DAA71B6B1}"/>
+              </a:ext>
+            </a:extLst>
+          </p:cNvPr>
+          <p:cNvSpPr/>
+          <p:nvPr/>
+        </p:nvSpPr>
+        <p:spPr>
+          <a:xfrm>
+            <a:off x="6238462" y="2067338"/>
+            <a:ext cx="894522" cy="337931"/>
+          </a:xfrm>
+          <a:prstGeom prst="rect">
+            <a:avLst/>
+          </a:prstGeom>
+        </p:spPr>
+        <p:style>
+          <a:lnRef idx="2">
+            <a:schemeClr val="accent1">
+              <a:shade val="50000"/>
+            </a:schemeClr>
+          </a:lnRef>
+          <a:fillRef idx="1">
+            <a:schemeClr val="accent1"/>
+          </a:fillRef>
+          <a:effectRef idx="0">
+            <a:schemeClr val="accent1"/>
+          </a:effectRef>
+          <a:fontRef idx="minor">
+            <a:schemeClr val="lt1"/>
+          </a:fontRef>
+        </p:style>
+        <p:txBody>
+          <a:bodyPr rtlCol="0" anchor="ctr"/>
+          <a:lstStyle/>
+          <a:p>
+            <a:pPr algn="ctr"/>
+            <a:endParaRPr lang="zh-CN" altLang="en-US"/>
+          </a:p>
+        </p:txBody>
+      </p:sp>
+      <p:sp>
+        <p:nvSpPr>
+          <p:cNvPr id="12" name="矩形 11">
+            <a:extLst>
+              <a:ext uri="{FF2B5EF4-FFF2-40B4-BE49-F238E27FC236}">
+                <a16:creationId xmlns:a16="http://schemas.microsoft.com/office/drawing/2014/main" id="{393D108E-757F-4387-A058-0558C3B95634}"/>
+              </a:ext>
+            </a:extLst>
+          </p:cNvPr>
+          <p:cNvSpPr/>
+          <p:nvPr/>
+        </p:nvSpPr>
+        <p:spPr>
+          <a:xfrm>
+            <a:off x="7132984" y="2067337"/>
+            <a:ext cx="894522" cy="337931"/>
+          </a:xfrm>
+          <a:prstGeom prst="rect">
+            <a:avLst/>
+          </a:prstGeom>
+        </p:spPr>
+        <p:style>
+          <a:lnRef idx="2">
+            <a:schemeClr val="accent1">
+              <a:shade val="50000"/>
+            </a:schemeClr>
+          </a:lnRef>
+          <a:fillRef idx="1">
+            <a:schemeClr val="accent1"/>
+          </a:fillRef>
+          <a:effectRef idx="0">
+            <a:schemeClr val="accent1"/>
+          </a:effectRef>
+          <a:fontRef idx="minor">
+            <a:schemeClr val="lt1"/>
+          </a:fontRef>
+        </p:style>
+        <p:txBody>
+          <a:bodyPr rtlCol="0" anchor="ctr"/>
+          <a:lstStyle/>
+          <a:p>
+            <a:pPr algn="ctr"/>
+            <a:endParaRPr lang="zh-CN" altLang="en-US"/>
+          </a:p>
+        </p:txBody>
+      </p:sp>
+      <p:sp>
+        <p:nvSpPr>
+          <p:cNvPr id="14" name="矩形 13">
+            <a:extLst>
+              <a:ext uri="{FF2B5EF4-FFF2-40B4-BE49-F238E27FC236}">
+                <a16:creationId xmlns:a16="http://schemas.microsoft.com/office/drawing/2014/main" id="{E3D4BC51-8C49-416C-980D-F576BF8B30A5}"/>
+              </a:ext>
+            </a:extLst>
+          </p:cNvPr>
+          <p:cNvSpPr/>
+          <p:nvPr/>
+        </p:nvSpPr>
+        <p:spPr>
+          <a:xfrm>
+            <a:off x="8027506" y="2067336"/>
+            <a:ext cx="894522" cy="337931"/>
+          </a:xfrm>
+          <a:prstGeom prst="rect">
+            <a:avLst/>
+          </a:prstGeom>
+        </p:spPr>
+        <p:style>
+          <a:lnRef idx="2">
+            <a:schemeClr val="accent1">
+              <a:shade val="50000"/>
+            </a:schemeClr>
+          </a:lnRef>
+          <a:fillRef idx="1">
+            <a:schemeClr val="accent1"/>
+          </a:fillRef>
+          <a:effectRef idx="0">
+            <a:schemeClr val="accent1"/>
+          </a:effectRef>
+          <a:fontRef idx="minor">
+            <a:schemeClr val="lt1"/>
+          </a:fontRef>
+        </p:style>
+        <p:txBody>
+          <a:bodyPr rtlCol="0" anchor="ctr"/>
+          <a:lstStyle/>
+          <a:p>
+            <a:pPr algn="ctr"/>
+            <a:endParaRPr lang="zh-CN" altLang="en-US"/>
+          </a:p>
+        </p:txBody>
+      </p:sp>
+      <p:sp>
+        <p:nvSpPr>
+          <p:cNvPr id="16" name="文本框 15">
+            <a:extLst>
+              <a:ext uri="{FF2B5EF4-FFF2-40B4-BE49-F238E27FC236}">
+                <a16:creationId xmlns:a16="http://schemas.microsoft.com/office/drawing/2014/main" id="{3CC5B89A-7692-4BA0-B8DC-EB61DE78434F}"/>
+              </a:ext>
+            </a:extLst>
+          </p:cNvPr>
+          <p:cNvSpPr txBox="1"/>
+          <p:nvPr/>
+        </p:nvSpPr>
+        <p:spPr>
+          <a:xfrm>
+            <a:off x="6467062" y="1544741"/>
+            <a:ext cx="2226365" cy="369332"/>
+          </a:xfrm>
+          <a:prstGeom prst="rect">
+            <a:avLst/>
+          </a:prstGeom>
+          <a:noFill/>
+        </p:spPr>
+        <p:txBody>
+          <a:bodyPr wrap="square" rtlCol="0">
+            <a:spAutoFit/>
+          </a:bodyPr>
+          <a:lstStyle/>
+          <a:p>
+            <a:pPr algn="ctr"/>
+            <a:r>
+              <a:rPr lang="en-US" altLang="zh-CN" dirty="0"/>
+              <a:t>Blocked Queue</a:t>
+            </a:r>
+            <a:endParaRPr lang="zh-CN" altLang="en-US" dirty="0"/>
+          </a:p>
+        </p:txBody>
+      </p:sp>
+      <p:sp>
+        <p:nvSpPr>
+          <p:cNvPr id="18" name="文本框 17">
+            <a:extLst>
+              <a:ext uri="{FF2B5EF4-FFF2-40B4-BE49-F238E27FC236}">
+                <a16:creationId xmlns:a16="http://schemas.microsoft.com/office/drawing/2014/main" id="{ACD3D85B-C9C4-4CDF-9837-51E6AE6FEC57}"/>
+              </a:ext>
+            </a:extLst>
+          </p:cNvPr>
+          <p:cNvSpPr txBox="1"/>
+          <p:nvPr/>
+        </p:nvSpPr>
+        <p:spPr>
+          <a:xfrm>
+            <a:off x="4840357" y="805070"/>
+            <a:ext cx="2226365" cy="369332"/>
+          </a:xfrm>
+          <a:prstGeom prst="rect">
+            <a:avLst/>
+          </a:prstGeom>
+          <a:noFill/>
+        </p:spPr>
+        <p:txBody>
+          <a:bodyPr wrap="square" rtlCol="0">
+            <a:spAutoFit/>
+          </a:bodyPr>
+          <a:lstStyle/>
+          <a:p>
+            <a:pPr algn="ctr"/>
+            <a:r>
+              <a:rPr lang="en-US" altLang="zh-CN" dirty="0"/>
+              <a:t>Executor</a:t>
+            </a:r>
+            <a:endParaRPr lang="zh-CN" altLang="en-US" dirty="0"/>
+          </a:p>
+        </p:txBody>
+      </p:sp>
+      <p:sp>
+        <p:nvSpPr>
+          <p:cNvPr id="20" name="矩形 19">
+            <a:extLst>
+              <a:ext uri="{FF2B5EF4-FFF2-40B4-BE49-F238E27FC236}">
+                <a16:creationId xmlns:a16="http://schemas.microsoft.com/office/drawing/2014/main" id="{15E4FD5E-78CC-4640-98B0-EFDCCE8809F4}"/>
+              </a:ext>
+            </a:extLst>
+          </p:cNvPr>
+          <p:cNvSpPr/>
+          <p:nvPr/>
+        </p:nvSpPr>
+        <p:spPr>
+          <a:xfrm>
+            <a:off x="3329608" y="3185489"/>
+            <a:ext cx="1679713" cy="377687"/>
+          </a:xfrm>
+          <a:prstGeom prst="rect">
+            <a:avLst/>
+          </a:prstGeom>
+        </p:spPr>
+        <p:style>
+          <a:lnRef idx="2">
+            <a:schemeClr val="accent1">
+              <a:shade val="50000"/>
+            </a:schemeClr>
+          </a:lnRef>
+          <a:fillRef idx="1">
+            <a:schemeClr val="accent1"/>
+          </a:fillRef>
+          <a:effectRef idx="0">
+            <a:schemeClr val="accent1"/>
+          </a:effectRef>
+          <a:fontRef idx="minor">
+            <a:schemeClr val="lt1"/>
+          </a:fontRef>
+        </p:style>
+        <p:txBody>
+          <a:bodyPr rtlCol="0" anchor="ctr"/>
+          <a:lstStyle/>
+          <a:p>
+            <a:pPr algn="ctr"/>
+            <a:r>
+              <a:rPr lang="en-US" altLang="zh-CN" dirty="0"/>
+              <a:t>Root Future</a:t>
+            </a:r>
+            <a:endParaRPr lang="zh-CN" altLang="en-US" dirty="0"/>
+          </a:p>
+        </p:txBody>
+      </p:sp>
+      <p:sp>
+        <p:nvSpPr>
+          <p:cNvPr id="22" name="矩形 21">
+            <a:extLst>
+              <a:ext uri="{FF2B5EF4-FFF2-40B4-BE49-F238E27FC236}">
+                <a16:creationId xmlns:a16="http://schemas.microsoft.com/office/drawing/2014/main" id="{1C094D92-B287-4B50-9121-BA5CABE99B6F}"/>
+              </a:ext>
+            </a:extLst>
+          </p:cNvPr>
+          <p:cNvSpPr/>
+          <p:nvPr/>
+        </p:nvSpPr>
+        <p:spPr>
+          <a:xfrm>
+            <a:off x="1649895" y="4055960"/>
+            <a:ext cx="1679713" cy="377687"/>
+          </a:xfrm>
+          <a:prstGeom prst="rect">
+            <a:avLst/>
+          </a:prstGeom>
+        </p:spPr>
+        <p:style>
+          <a:lnRef idx="2">
+            <a:schemeClr val="accent1">
+              <a:shade val="50000"/>
+            </a:schemeClr>
+          </a:lnRef>
+          <a:fillRef idx="1">
+            <a:schemeClr val="accent1"/>
+          </a:fillRef>
+          <a:effectRef idx="0">
+            <a:schemeClr val="accent1"/>
+          </a:effectRef>
+          <a:fontRef idx="minor">
+            <a:schemeClr val="lt1"/>
+          </a:fontRef>
+        </p:style>
+        <p:txBody>
+          <a:bodyPr rtlCol="0" anchor="ctr"/>
+          <a:lstStyle/>
+          <a:p>
+            <a:pPr algn="ctr"/>
+            <a:r>
+              <a:rPr lang="en-US" altLang="zh-CN" dirty="0"/>
+              <a:t>Mid-level</a:t>
+            </a:r>
+            <a:endParaRPr lang="zh-CN" altLang="en-US" dirty="0"/>
+          </a:p>
+        </p:txBody>
+      </p:sp>
+      <p:sp>
+        <p:nvSpPr>
+          <p:cNvPr id="24" name="矩形 23">
+            <a:extLst>
+              <a:ext uri="{FF2B5EF4-FFF2-40B4-BE49-F238E27FC236}">
+                <a16:creationId xmlns:a16="http://schemas.microsoft.com/office/drawing/2014/main" id="{F7BBFC42-0666-455B-A785-F59A986B59EA}"/>
+              </a:ext>
+            </a:extLst>
+          </p:cNvPr>
+          <p:cNvSpPr/>
+          <p:nvPr/>
+        </p:nvSpPr>
+        <p:spPr>
+          <a:xfrm>
+            <a:off x="5009321" y="4055959"/>
+            <a:ext cx="1679713" cy="377687"/>
+          </a:xfrm>
+          <a:prstGeom prst="rect">
+            <a:avLst/>
+          </a:prstGeom>
+        </p:spPr>
+        <p:style>
+          <a:lnRef idx="2">
+            <a:schemeClr val="accent1">
+              <a:shade val="50000"/>
+            </a:schemeClr>
+          </a:lnRef>
+          <a:fillRef idx="1">
+            <a:schemeClr val="accent1"/>
+          </a:fillRef>
+          <a:effectRef idx="0">
+            <a:schemeClr val="accent1"/>
+          </a:effectRef>
+          <a:fontRef idx="minor">
+            <a:schemeClr val="lt1"/>
+          </a:fontRef>
+        </p:style>
+        <p:txBody>
+          <a:bodyPr rtlCol="0" anchor="ctr"/>
+          <a:lstStyle/>
+          <a:p>
+            <a:pPr algn="ctr"/>
+            <a:r>
+              <a:rPr lang="en-US" altLang="zh-CN" dirty="0"/>
+              <a:t>Mid-level</a:t>
+            </a:r>
+            <a:endParaRPr lang="zh-CN" altLang="en-US" dirty="0"/>
+          </a:p>
+        </p:txBody>
+      </p:sp>
+      <p:sp>
+        <p:nvSpPr>
+          <p:cNvPr id="26" name="矩形 25">
+            <a:extLst>
+              <a:ext uri="{FF2B5EF4-FFF2-40B4-BE49-F238E27FC236}">
+                <a16:creationId xmlns:a16="http://schemas.microsoft.com/office/drawing/2014/main" id="{69DE4BB5-02DF-4211-BD42-39322279A34F}"/>
+              </a:ext>
+            </a:extLst>
+          </p:cNvPr>
+          <p:cNvSpPr/>
+          <p:nvPr/>
+        </p:nvSpPr>
+        <p:spPr>
+          <a:xfrm>
+            <a:off x="1287117" y="5182394"/>
+            <a:ext cx="1202634" cy="377687"/>
+          </a:xfrm>
+          <a:prstGeom prst="rect">
+            <a:avLst/>
+          </a:prstGeom>
+        </p:spPr>
+        <p:style>
+          <a:lnRef idx="2">
+            <a:schemeClr val="accent1">
+              <a:shade val="50000"/>
+            </a:schemeClr>
+          </a:lnRef>
+          <a:fillRef idx="1">
+            <a:schemeClr val="accent1"/>
+          </a:fillRef>
+          <a:effectRef idx="0">
+            <a:schemeClr val="accent1"/>
+          </a:effectRef>
+          <a:fontRef idx="minor">
+            <a:schemeClr val="lt1"/>
+          </a:fontRef>
+        </p:style>
+        <p:txBody>
+          <a:bodyPr rtlCol="0" anchor="ctr"/>
+          <a:lstStyle/>
+          <a:p>
+            <a:pPr algn="ctr"/>
+            <a:r>
+              <a:rPr lang="en-US" altLang="zh-CN" dirty="0"/>
+              <a:t>IO Future</a:t>
+            </a:r>
+            <a:endParaRPr lang="zh-CN" altLang="en-US" dirty="0"/>
+          </a:p>
+        </p:txBody>
+      </p:sp>
+      <p:sp>
+        <p:nvSpPr>
+          <p:cNvPr id="28" name="矩形 27">
+            <a:extLst>
+              <a:ext uri="{FF2B5EF4-FFF2-40B4-BE49-F238E27FC236}">
+                <a16:creationId xmlns:a16="http://schemas.microsoft.com/office/drawing/2014/main" id="{47D7B451-39AA-43CD-BECE-DA6146574D4C}"/>
+              </a:ext>
+            </a:extLst>
+          </p:cNvPr>
+          <p:cNvSpPr/>
+          <p:nvPr/>
+        </p:nvSpPr>
+        <p:spPr>
+          <a:xfrm>
+            <a:off x="2489751" y="5182393"/>
+            <a:ext cx="1202634" cy="377687"/>
+          </a:xfrm>
+          <a:prstGeom prst="rect">
+            <a:avLst/>
+          </a:prstGeom>
+        </p:spPr>
+        <p:style>
+          <a:lnRef idx="2">
+            <a:schemeClr val="accent1">
+              <a:shade val="50000"/>
+            </a:schemeClr>
+          </a:lnRef>
+          <a:fillRef idx="1">
+            <a:schemeClr val="accent1"/>
+          </a:fillRef>
+          <a:effectRef idx="0">
+            <a:schemeClr val="accent1"/>
+          </a:effectRef>
+          <a:fontRef idx="minor">
+            <a:schemeClr val="lt1"/>
+          </a:fontRef>
+        </p:style>
+        <p:txBody>
+          <a:bodyPr rtlCol="0" anchor="ctr"/>
+          <a:lstStyle/>
+          <a:p>
+            <a:pPr algn="ctr"/>
+            <a:r>
+              <a:rPr lang="en-US" altLang="zh-CN" dirty="0"/>
+              <a:t>IO Future</a:t>
+            </a:r>
+            <a:endParaRPr lang="zh-CN" altLang="en-US" dirty="0"/>
+          </a:p>
+        </p:txBody>
+      </p:sp>
+      <p:sp>
+        <p:nvSpPr>
+          <p:cNvPr id="30" name="矩形 29">
+            <a:extLst>
+              <a:ext uri="{FF2B5EF4-FFF2-40B4-BE49-F238E27FC236}">
+                <a16:creationId xmlns:a16="http://schemas.microsoft.com/office/drawing/2014/main" id="{B24969E9-E2FD-4A11-AE69-B91A00059F2B}"/>
+              </a:ext>
+            </a:extLst>
+          </p:cNvPr>
+          <p:cNvSpPr/>
+          <p:nvPr/>
+        </p:nvSpPr>
+        <p:spPr>
+          <a:xfrm>
+            <a:off x="4644888" y="5182392"/>
+            <a:ext cx="1202634" cy="377687"/>
+          </a:xfrm>
+          <a:prstGeom prst="rect">
+            <a:avLst/>
+          </a:prstGeom>
+        </p:spPr>
+        <p:style>
+          <a:lnRef idx="2">
+            <a:schemeClr val="accent1">
+              <a:shade val="50000"/>
+            </a:schemeClr>
+          </a:lnRef>
+          <a:fillRef idx="1">
+            <a:schemeClr val="accent1"/>
+          </a:fillRef>
+          <a:effectRef idx="0">
+            <a:schemeClr val="accent1"/>
+          </a:effectRef>
+          <a:fontRef idx="minor">
+            <a:schemeClr val="lt1"/>
+          </a:fontRef>
+        </p:style>
+        <p:txBody>
+          <a:bodyPr rtlCol="0" anchor="ctr"/>
+          <a:lstStyle/>
+          <a:p>
+            <a:pPr algn="ctr"/>
+            <a:r>
+              <a:rPr lang="en-US" altLang="zh-CN" dirty="0"/>
+              <a:t>IO Future</a:t>
+            </a:r>
+            <a:endParaRPr lang="zh-CN" altLang="en-US" dirty="0"/>
+          </a:p>
+        </p:txBody>
+      </p:sp>
+      <p:sp>
+        <p:nvSpPr>
+          <p:cNvPr id="32" name="矩形 31">
+            <a:extLst>
+              <a:ext uri="{FF2B5EF4-FFF2-40B4-BE49-F238E27FC236}">
+                <a16:creationId xmlns:a16="http://schemas.microsoft.com/office/drawing/2014/main" id="{BAB5BFE3-609E-4956-9191-0C890B2CC9CE}"/>
+              </a:ext>
+            </a:extLst>
+          </p:cNvPr>
+          <p:cNvSpPr/>
+          <p:nvPr/>
+        </p:nvSpPr>
+        <p:spPr>
+          <a:xfrm>
+            <a:off x="5847522" y="5182392"/>
+            <a:ext cx="1202634" cy="377687"/>
+          </a:xfrm>
+          <a:prstGeom prst="rect">
+            <a:avLst/>
+          </a:prstGeom>
+        </p:spPr>
+        <p:style>
+          <a:lnRef idx="2">
+            <a:schemeClr val="accent1">
+              <a:shade val="50000"/>
+            </a:schemeClr>
+          </a:lnRef>
+          <a:fillRef idx="1">
+            <a:schemeClr val="accent1"/>
+          </a:fillRef>
+          <a:effectRef idx="0">
+            <a:schemeClr val="accent1"/>
+          </a:effectRef>
+          <a:fontRef idx="minor">
+            <a:schemeClr val="lt1"/>
+          </a:fontRef>
+        </p:style>
+        <p:txBody>
+          <a:bodyPr rtlCol="0" anchor="ctr"/>
+          <a:lstStyle/>
+          <a:p>
+            <a:pPr algn="ctr"/>
+            <a:r>
+              <a:rPr lang="en-US" altLang="zh-CN" dirty="0"/>
+              <a:t>IO Future</a:t>
+            </a:r>
+            <a:endParaRPr lang="zh-CN" altLang="en-US" dirty="0"/>
+          </a:p>
+        </p:txBody>
+      </p:sp>
+      <p:cxnSp>
+        <p:nvCxnSpPr>
+          <p:cNvPr id="34" name="直接连接符 33">
+            <a:extLst>
+              <a:ext uri="{FF2B5EF4-FFF2-40B4-BE49-F238E27FC236}">
+                <a16:creationId xmlns:a16="http://schemas.microsoft.com/office/drawing/2014/main" id="{7E77FAA1-BC88-4C14-829C-304FD8AE193D}"/>
+              </a:ext>
+            </a:extLst>
+          </p:cNvPr>
+          <p:cNvCxnSpPr/>
+          <p:nvPr/>
+        </p:nvCxnSpPr>
+        <p:spPr>
+          <a:xfrm flipH="1">
+            <a:off x="3329608" y="2405267"/>
+            <a:ext cx="387627" cy="780222"/>
+          </a:xfrm>
+          <a:prstGeom prst="line">
+            <a:avLst/>
+          </a:prstGeom>
+          <a:ln w="19050">
+            <a:solidFill>
+              <a:schemeClr val="accent6"/>
+            </a:solidFill>
+            <a:prstDash val="sysDash"/>
+          </a:ln>
+        </p:spPr>
+        <p:style>
+          <a:lnRef idx="1">
+            <a:schemeClr val="accent1"/>
+          </a:lnRef>
+          <a:fillRef idx="0">
+            <a:schemeClr val="accent1"/>
+          </a:fillRef>
+          <a:effectRef idx="0">
+            <a:schemeClr val="accent1"/>
+          </a:effectRef>
+          <a:fontRef idx="minor">
+            <a:schemeClr val="tx1"/>
+          </a:fontRef>
+        </p:style>
+      </p:cxnSp>
+      <p:cxnSp>
+        <p:nvCxnSpPr>
+          <p:cNvPr id="36" name="直接连接符 35">
+            <a:extLst>
+              <a:ext uri="{FF2B5EF4-FFF2-40B4-BE49-F238E27FC236}">
+                <a16:creationId xmlns:a16="http://schemas.microsoft.com/office/drawing/2014/main" id="{526CDC1F-3694-4679-8060-54DDA9631FCF}"/>
+              </a:ext>
+            </a:extLst>
+          </p:cNvPr>
+          <p:cNvCxnSpPr/>
+          <p:nvPr/>
+        </p:nvCxnSpPr>
+        <p:spPr>
+          <a:xfrm>
+            <a:off x="4611757" y="2405267"/>
+            <a:ext cx="397564" cy="780222"/>
+          </a:xfrm>
+          <a:prstGeom prst="line">
+            <a:avLst/>
+          </a:prstGeom>
+          <a:ln w="19050">
+            <a:solidFill>
+              <a:schemeClr val="accent6"/>
+            </a:solidFill>
+            <a:prstDash val="sysDash"/>
+          </a:ln>
+        </p:spPr>
+        <p:style>
+          <a:lnRef idx="1">
+            <a:schemeClr val="accent1"/>
+          </a:lnRef>
+          <a:fillRef idx="0">
+            <a:schemeClr val="accent1"/>
+          </a:fillRef>
+          <a:effectRef idx="0">
+            <a:schemeClr val="accent1"/>
+          </a:effectRef>
+          <a:fontRef idx="minor">
+            <a:schemeClr val="tx1"/>
+          </a:fontRef>
+        </p:style>
+      </p:cxnSp>
+      <p:cxnSp>
+        <p:nvCxnSpPr>
+          <p:cNvPr id="38" name="直接箭头连接符 37">
+            <a:extLst>
+              <a:ext uri="{FF2B5EF4-FFF2-40B4-BE49-F238E27FC236}">
+                <a16:creationId xmlns:a16="http://schemas.microsoft.com/office/drawing/2014/main" id="{747AD6E9-B218-4BA4-974F-E5C5E62DBF94}"/>
+              </a:ext>
+            </a:extLst>
+          </p:cNvPr>
+          <p:cNvCxnSpPr>
+            <a:stCxn id="20" idx="2"/>
+            <a:endCxn id="22" idx="0"/>
+          </p:cNvCxnSpPr>
+          <p:nvPr/>
+        </p:nvCxnSpPr>
+        <p:spPr>
+          <a:xfrm flipH="1">
+            <a:off x="2489752" y="3563176"/>
+            <a:ext cx="1679713" cy="492784"/>
+          </a:xfrm>
+          <a:prstGeom prst="straightConnector1">
+            <a:avLst/>
+          </a:prstGeom>
+          <a:ln w="38100">
+            <a:solidFill>
+              <a:schemeClr val="tx1"/>
+            </a:solidFill>
+            <a:prstDash val="dash"/>
+            <a:tailEnd type="triangle"/>
+          </a:ln>
+        </p:spPr>
+        <p:style>
+          <a:lnRef idx="1">
+            <a:schemeClr val="accent1"/>
+          </a:lnRef>
+          <a:fillRef idx="0">
+            <a:schemeClr val="accent1"/>
+          </a:fillRef>
+          <a:effectRef idx="0">
+            <a:schemeClr val="accent1"/>
+          </a:effectRef>
+          <a:fontRef idx="minor">
+            <a:schemeClr val="tx1"/>
+          </a:fontRef>
+        </p:style>
+      </p:cxnSp>
+      <p:cxnSp>
+        <p:nvCxnSpPr>
+          <p:cNvPr id="40" name="直接箭头连接符 39">
+            <a:extLst>
+              <a:ext uri="{FF2B5EF4-FFF2-40B4-BE49-F238E27FC236}">
+                <a16:creationId xmlns:a16="http://schemas.microsoft.com/office/drawing/2014/main" id="{EACD8E3B-EDDD-4D86-9C3E-55FC39FD5DBB}"/>
+              </a:ext>
+            </a:extLst>
+          </p:cNvPr>
+          <p:cNvCxnSpPr>
+            <a:stCxn id="20" idx="2"/>
+          </p:cNvCxnSpPr>
+          <p:nvPr/>
+        </p:nvCxnSpPr>
+        <p:spPr>
+          <a:xfrm>
+            <a:off x="4169465" y="3563176"/>
+            <a:ext cx="1794013" cy="492783"/>
+          </a:xfrm>
+          <a:prstGeom prst="straightConnector1">
+            <a:avLst/>
+          </a:prstGeom>
+          <a:ln w="38100">
+            <a:solidFill>
+              <a:schemeClr val="tx1"/>
+            </a:solidFill>
+            <a:prstDash val="dash"/>
+            <a:tailEnd type="triangle"/>
+          </a:ln>
+        </p:spPr>
+        <p:style>
+          <a:lnRef idx="1">
+            <a:schemeClr val="accent1"/>
+          </a:lnRef>
+          <a:fillRef idx="0">
+            <a:schemeClr val="accent1"/>
+          </a:fillRef>
+          <a:effectRef idx="0">
+            <a:schemeClr val="accent1"/>
+          </a:effectRef>
+          <a:fontRef idx="minor">
+            <a:schemeClr val="tx1"/>
+          </a:fontRef>
+        </p:style>
+      </p:cxnSp>
+      <p:cxnSp>
+        <p:nvCxnSpPr>
+          <p:cNvPr id="42" name="直接箭头连接符 41">
+            <a:extLst>
+              <a:ext uri="{FF2B5EF4-FFF2-40B4-BE49-F238E27FC236}">
+                <a16:creationId xmlns:a16="http://schemas.microsoft.com/office/drawing/2014/main" id="{AEAE80D2-3EBB-466C-8D49-B7CD4F1B57FE}"/>
+              </a:ext>
+            </a:extLst>
+          </p:cNvPr>
+          <p:cNvCxnSpPr>
+            <a:stCxn id="22" idx="2"/>
+            <a:endCxn id="26" idx="0"/>
+          </p:cNvCxnSpPr>
+          <p:nvPr/>
+        </p:nvCxnSpPr>
+        <p:spPr>
+          <a:xfrm flipH="1">
+            <a:off x="1888434" y="4433647"/>
+            <a:ext cx="601318" cy="748747"/>
+          </a:xfrm>
+          <a:prstGeom prst="straightConnector1">
+            <a:avLst/>
+          </a:prstGeom>
+          <a:ln w="38100">
+            <a:solidFill>
+              <a:schemeClr val="tx1"/>
+            </a:solidFill>
+            <a:prstDash val="dash"/>
+            <a:tailEnd type="triangle"/>
+          </a:ln>
+        </p:spPr>
+        <p:style>
+          <a:lnRef idx="1">
+            <a:schemeClr val="accent1"/>
+          </a:lnRef>
+          <a:fillRef idx="0">
+            <a:schemeClr val="accent1"/>
+          </a:fillRef>
+          <a:effectRef idx="0">
+            <a:schemeClr val="accent1"/>
+          </a:effectRef>
+          <a:fontRef idx="minor">
+            <a:schemeClr val="tx1"/>
+          </a:fontRef>
+        </p:style>
+      </p:cxnSp>
+      <p:cxnSp>
+        <p:nvCxnSpPr>
+          <p:cNvPr id="44" name="直接箭头连接符 43">
+            <a:extLst>
+              <a:ext uri="{FF2B5EF4-FFF2-40B4-BE49-F238E27FC236}">
+                <a16:creationId xmlns:a16="http://schemas.microsoft.com/office/drawing/2014/main" id="{6CE48DEC-98E2-47F2-B6A7-80230AB1D302}"/>
+              </a:ext>
+            </a:extLst>
+          </p:cNvPr>
+          <p:cNvCxnSpPr>
+            <a:stCxn id="22" idx="2"/>
+            <a:endCxn id="28" idx="0"/>
+          </p:cNvCxnSpPr>
+          <p:nvPr/>
+        </p:nvCxnSpPr>
+        <p:spPr>
+          <a:xfrm>
+            <a:off x="2489752" y="4433647"/>
+            <a:ext cx="601316" cy="748746"/>
+          </a:xfrm>
+          <a:prstGeom prst="straightConnector1">
+            <a:avLst/>
+          </a:prstGeom>
+          <a:ln w="38100">
+            <a:solidFill>
+              <a:schemeClr val="tx1"/>
+            </a:solidFill>
+            <a:prstDash val="dash"/>
+            <a:tailEnd type="triangle"/>
+          </a:ln>
+        </p:spPr>
+        <p:style>
+          <a:lnRef idx="1">
+            <a:schemeClr val="accent1"/>
+          </a:lnRef>
+          <a:fillRef idx="0">
+            <a:schemeClr val="accent1"/>
+          </a:fillRef>
+          <a:effectRef idx="0">
+            <a:schemeClr val="accent1"/>
+          </a:effectRef>
+          <a:fontRef idx="minor">
+            <a:schemeClr val="tx1"/>
+          </a:fontRef>
+        </p:style>
+      </p:cxnSp>
+      <p:cxnSp>
+        <p:nvCxnSpPr>
+          <p:cNvPr id="46" name="直接箭头连接符 45">
+            <a:extLst>
+              <a:ext uri="{FF2B5EF4-FFF2-40B4-BE49-F238E27FC236}">
+                <a16:creationId xmlns:a16="http://schemas.microsoft.com/office/drawing/2014/main" id="{FB68F833-6AF9-432D-B36C-1E0B81FB148B}"/>
+              </a:ext>
+            </a:extLst>
+          </p:cNvPr>
+          <p:cNvCxnSpPr>
+            <a:stCxn id="24" idx="2"/>
+            <a:endCxn id="30" idx="0"/>
+          </p:cNvCxnSpPr>
+          <p:nvPr/>
+        </p:nvCxnSpPr>
+        <p:spPr>
+          <a:xfrm flipH="1">
+            <a:off x="5246205" y="4433646"/>
+            <a:ext cx="602973" cy="748746"/>
+          </a:xfrm>
+          <a:prstGeom prst="straightConnector1">
+            <a:avLst/>
+          </a:prstGeom>
+          <a:ln w="38100">
+            <a:solidFill>
+              <a:schemeClr val="tx1"/>
+            </a:solidFill>
+            <a:prstDash val="dash"/>
+            <a:tailEnd type="triangle"/>
+          </a:ln>
+        </p:spPr>
+        <p:style>
+          <a:lnRef idx="1">
+            <a:schemeClr val="accent1"/>
+          </a:lnRef>
+          <a:fillRef idx="0">
+            <a:schemeClr val="accent1"/>
+          </a:fillRef>
+          <a:effectRef idx="0">
+            <a:schemeClr val="accent1"/>
+          </a:effectRef>
+          <a:fontRef idx="minor">
+            <a:schemeClr val="tx1"/>
+          </a:fontRef>
+        </p:style>
+      </p:cxnSp>
+      <p:cxnSp>
+        <p:nvCxnSpPr>
+          <p:cNvPr id="48" name="直接箭头连接符 47">
+            <a:extLst>
+              <a:ext uri="{FF2B5EF4-FFF2-40B4-BE49-F238E27FC236}">
+                <a16:creationId xmlns:a16="http://schemas.microsoft.com/office/drawing/2014/main" id="{C447598F-5598-4878-8291-5231E50D06E1}"/>
+              </a:ext>
+            </a:extLst>
+          </p:cNvPr>
+          <p:cNvCxnSpPr>
+            <a:stCxn id="24" idx="2"/>
+            <a:endCxn id="32" idx="0"/>
+          </p:cNvCxnSpPr>
+          <p:nvPr/>
+        </p:nvCxnSpPr>
+        <p:spPr>
+          <a:xfrm>
+            <a:off x="5849178" y="4433646"/>
+            <a:ext cx="599661" cy="748746"/>
+          </a:xfrm>
+          <a:prstGeom prst="straightConnector1">
+            <a:avLst/>
+          </a:prstGeom>
+          <a:ln w="38100">
+            <a:solidFill>
+              <a:schemeClr val="tx1"/>
+            </a:solidFill>
+            <a:prstDash val="dash"/>
+            <a:tailEnd type="triangle"/>
+          </a:ln>
+        </p:spPr>
+        <p:style>
+          <a:lnRef idx="1">
+            <a:schemeClr val="accent1"/>
+          </a:lnRef>
+          <a:fillRef idx="0">
+            <a:schemeClr val="accent1"/>
+          </a:fillRef>
+          <a:effectRef idx="0">
+            <a:schemeClr val="accent1"/>
+          </a:effectRef>
+          <a:fontRef idx="minor">
+            <a:schemeClr val="tx1"/>
+          </a:fontRef>
+        </p:style>
+      </p:cxnSp>
+    </p:spTree>
+    <p:extLst>
+      <p:ext uri="{BB962C8B-B14F-4D97-AF65-F5344CB8AC3E}">
+        <p14:creationId xmlns:p14="http://schemas.microsoft.com/office/powerpoint/2010/main" val="488478816"/>
+      </p:ext>
+    </p:extLst>
+  </p:cSld>
+  <p:clrMapOvr>
+    <a:masterClrMapping/>
+  </p:clrMapOvr>
+</p:sld>
+</file>
+
+<file path=ppt/slides/slide15.xml><?xml version="1.0" encoding="utf-8"?>
+<p:sld xmlns:a="http://schemas.openxmlformats.org/drawingml/2006/main" xmlns:r="http://schemas.openxmlformats.org/officeDocument/2006/relationships" xmlns:p="http://schemas.openxmlformats.org/presentationml/2006/main">
+  <p:cSld>
+    <p:spTree>
+      <p:nvGrpSpPr>
+        <p:cNvPr id="1" name=""/>
+        <p:cNvGrpSpPr/>
+        <p:nvPr/>
+      </p:nvGrpSpPr>
+      <p:grpSpPr>
+        <a:xfrm>
+          <a:off x="0" y="0"/>
+          <a:ext cx="0" cy="0"/>
+          <a:chOff x="0" y="0"/>
+          <a:chExt cx="0" cy="0"/>
+        </a:xfrm>
+      </p:grpSpPr>
+      <p:sp>
+        <p:nvSpPr>
+          <p:cNvPr id="15" name="矩形 14">
+            <a:extLst>
+              <a:ext uri="{FF2B5EF4-FFF2-40B4-BE49-F238E27FC236}">
+                <a16:creationId xmlns:a16="http://schemas.microsoft.com/office/drawing/2014/main" id="{0869E893-8C2D-4ACA-8B3C-D7F143590859}"/>
+              </a:ext>
+            </a:extLst>
+          </p:cNvPr>
+          <p:cNvSpPr/>
+          <p:nvPr/>
+        </p:nvSpPr>
+        <p:spPr>
+          <a:xfrm>
+            <a:off x="3637721" y="1540564"/>
+            <a:ext cx="3707296" cy="2643810"/>
+          </a:xfrm>
+          <a:prstGeom prst="rect">
+            <a:avLst/>
+          </a:prstGeom>
+          <a:solidFill>
+            <a:schemeClr val="accent4"/>
+          </a:solidFill>
+        </p:spPr>
+        <p:style>
+          <a:lnRef idx="2">
+            <a:schemeClr val="accent1">
+              <a:shade val="50000"/>
+            </a:schemeClr>
+          </a:lnRef>
+          <a:fillRef idx="1">
+            <a:schemeClr val="accent1"/>
+          </a:fillRef>
+          <a:effectRef idx="0">
+            <a:schemeClr val="accent1"/>
+          </a:effectRef>
+          <a:fontRef idx="minor">
+            <a:schemeClr val="lt1"/>
+          </a:fontRef>
+        </p:style>
+        <p:txBody>
+          <a:bodyPr rtlCol="0" anchor="ctr"/>
+          <a:lstStyle/>
+          <a:p>
+            <a:pPr algn="ctr"/>
+            <a:endParaRPr lang="zh-CN" altLang="en-US"/>
+          </a:p>
+        </p:txBody>
+      </p:sp>
+      <p:sp>
+        <p:nvSpPr>
+          <p:cNvPr id="2" name="矩形 1">
+            <a:extLst>
+              <a:ext uri="{FF2B5EF4-FFF2-40B4-BE49-F238E27FC236}">
+                <a16:creationId xmlns:a16="http://schemas.microsoft.com/office/drawing/2014/main" id="{7E2F7221-2041-4D1F-8B4E-D2B5CB42AD8B}"/>
+              </a:ext>
+            </a:extLst>
+          </p:cNvPr>
+          <p:cNvSpPr/>
+          <p:nvPr/>
+        </p:nvSpPr>
+        <p:spPr>
+          <a:xfrm>
+            <a:off x="4124740" y="2395330"/>
+            <a:ext cx="1560444" cy="377687"/>
+          </a:xfrm>
+          <a:prstGeom prst="rect">
+            <a:avLst/>
+          </a:prstGeom>
+          <a:solidFill>
+            <a:srgbClr val="7030A0"/>
+          </a:solidFill>
+        </p:spPr>
+        <p:style>
+          <a:lnRef idx="2">
+            <a:schemeClr val="accent1">
+              <a:shade val="50000"/>
+            </a:schemeClr>
+          </a:lnRef>
+          <a:fillRef idx="1">
+            <a:schemeClr val="accent1"/>
+          </a:fillRef>
+          <a:effectRef idx="0">
+            <a:schemeClr val="accent1"/>
+          </a:effectRef>
+          <a:fontRef idx="minor">
+            <a:schemeClr val="lt1"/>
+          </a:fontRef>
+        </p:style>
+        <p:txBody>
+          <a:bodyPr rtlCol="0" anchor="ctr"/>
+          <a:lstStyle/>
+          <a:p>
+            <a:pPr algn="ctr"/>
+            <a:r>
+              <a:rPr lang="en-US" altLang="zh-CN" dirty="0"/>
+              <a:t>IOType1</a:t>
+            </a:r>
+            <a:endParaRPr lang="zh-CN" altLang="en-US" dirty="0"/>
+          </a:p>
+        </p:txBody>
+      </p:sp>
+      <p:sp>
+        <p:nvSpPr>
+          <p:cNvPr id="4" name="矩形 3">
+            <a:extLst>
+              <a:ext uri="{FF2B5EF4-FFF2-40B4-BE49-F238E27FC236}">
+                <a16:creationId xmlns:a16="http://schemas.microsoft.com/office/drawing/2014/main" id="{8B6528D3-2BDE-40D2-ACC2-2A913D5BB580}"/>
+              </a:ext>
+            </a:extLst>
+          </p:cNvPr>
+          <p:cNvSpPr/>
+          <p:nvPr/>
+        </p:nvSpPr>
+        <p:spPr>
+          <a:xfrm>
+            <a:off x="5685183" y="2395330"/>
+            <a:ext cx="1172817" cy="377687"/>
+          </a:xfrm>
+          <a:prstGeom prst="rect">
+            <a:avLst/>
+          </a:prstGeom>
+          <a:solidFill>
+            <a:schemeClr val="accent2">
+              <a:lumMod val="75000"/>
+            </a:schemeClr>
+          </a:solidFill>
+        </p:spPr>
+        <p:style>
+          <a:lnRef idx="2">
+            <a:schemeClr val="accent1">
+              <a:shade val="50000"/>
+            </a:schemeClr>
+          </a:lnRef>
+          <a:fillRef idx="1">
+            <a:schemeClr val="accent1"/>
+          </a:fillRef>
+          <a:effectRef idx="0">
+            <a:schemeClr val="accent1"/>
+          </a:effectRef>
+          <a:fontRef idx="minor">
+            <a:schemeClr val="lt1"/>
+          </a:fontRef>
+        </p:style>
+        <p:txBody>
+          <a:bodyPr rtlCol="0" anchor="ctr"/>
+          <a:lstStyle/>
+          <a:p>
+            <a:pPr algn="ctr"/>
+            <a:r>
+              <a:rPr lang="en-US" altLang="zh-CN" dirty="0"/>
+              <a:t>Context1</a:t>
+            </a:r>
+            <a:endParaRPr lang="zh-CN" altLang="en-US" dirty="0"/>
+          </a:p>
+        </p:txBody>
+      </p:sp>
+      <p:sp>
+        <p:nvSpPr>
+          <p:cNvPr id="8" name="矩形 7">
+            <a:extLst>
+              <a:ext uri="{FF2B5EF4-FFF2-40B4-BE49-F238E27FC236}">
+                <a16:creationId xmlns:a16="http://schemas.microsoft.com/office/drawing/2014/main" id="{6988857F-935B-44E4-8802-44A41DF93963}"/>
+              </a:ext>
+            </a:extLst>
+          </p:cNvPr>
+          <p:cNvSpPr/>
+          <p:nvPr/>
+        </p:nvSpPr>
+        <p:spPr>
+          <a:xfrm>
+            <a:off x="4124739" y="2773017"/>
+            <a:ext cx="1560444" cy="377687"/>
+          </a:xfrm>
+          <a:prstGeom prst="rect">
+            <a:avLst/>
+          </a:prstGeom>
+          <a:solidFill>
+            <a:srgbClr val="7030A0"/>
+          </a:solidFill>
+        </p:spPr>
+        <p:style>
+          <a:lnRef idx="2">
+            <a:schemeClr val="accent1">
+              <a:shade val="50000"/>
+            </a:schemeClr>
+          </a:lnRef>
+          <a:fillRef idx="1">
+            <a:schemeClr val="accent1"/>
+          </a:fillRef>
+          <a:effectRef idx="0">
+            <a:schemeClr val="accent1"/>
+          </a:effectRef>
+          <a:fontRef idx="minor">
+            <a:schemeClr val="lt1"/>
+          </a:fontRef>
+        </p:style>
+        <p:txBody>
+          <a:bodyPr rtlCol="0" anchor="ctr"/>
+          <a:lstStyle/>
+          <a:p>
+            <a:pPr algn="ctr"/>
+            <a:r>
+              <a:rPr lang="en-US" altLang="zh-CN" dirty="0"/>
+              <a:t>IOType2</a:t>
+            </a:r>
+            <a:endParaRPr lang="zh-CN" altLang="en-US" dirty="0"/>
+          </a:p>
+        </p:txBody>
+      </p:sp>
+      <p:sp>
+        <p:nvSpPr>
+          <p:cNvPr id="10" name="矩形 9">
+            <a:extLst>
+              <a:ext uri="{FF2B5EF4-FFF2-40B4-BE49-F238E27FC236}">
+                <a16:creationId xmlns:a16="http://schemas.microsoft.com/office/drawing/2014/main" id="{7F151A68-08AF-46A0-A5E4-FE6EFADF67C1}"/>
+              </a:ext>
+            </a:extLst>
+          </p:cNvPr>
+          <p:cNvSpPr/>
+          <p:nvPr/>
+        </p:nvSpPr>
+        <p:spPr>
+          <a:xfrm>
+            <a:off x="5685182" y="2773017"/>
+            <a:ext cx="1172817" cy="377687"/>
+          </a:xfrm>
+          <a:prstGeom prst="rect">
+            <a:avLst/>
+          </a:prstGeom>
+          <a:solidFill>
+            <a:schemeClr val="accent2">
+              <a:lumMod val="75000"/>
+            </a:schemeClr>
+          </a:solidFill>
+        </p:spPr>
+        <p:style>
+          <a:lnRef idx="2">
+            <a:schemeClr val="accent1">
+              <a:shade val="50000"/>
+            </a:schemeClr>
+          </a:lnRef>
+          <a:fillRef idx="1">
+            <a:schemeClr val="accent1"/>
+          </a:fillRef>
+          <a:effectRef idx="0">
+            <a:schemeClr val="accent1"/>
+          </a:effectRef>
+          <a:fontRef idx="minor">
+            <a:schemeClr val="lt1"/>
+          </a:fontRef>
+        </p:style>
+        <p:txBody>
+          <a:bodyPr rtlCol="0" anchor="ctr"/>
+          <a:lstStyle/>
+          <a:p>
+            <a:pPr algn="ctr"/>
+            <a:r>
+              <a:rPr lang="en-US" altLang="zh-CN" dirty="0"/>
+              <a:t>Context2</a:t>
+            </a:r>
+            <a:endParaRPr lang="zh-CN" altLang="en-US" dirty="0"/>
+          </a:p>
+        </p:txBody>
+      </p:sp>
+      <p:sp>
+        <p:nvSpPr>
+          <p:cNvPr id="12" name="矩形 11">
+            <a:extLst>
+              <a:ext uri="{FF2B5EF4-FFF2-40B4-BE49-F238E27FC236}">
+                <a16:creationId xmlns:a16="http://schemas.microsoft.com/office/drawing/2014/main" id="{8228BA20-CF8E-4F1B-A4F8-CF17D95E77F6}"/>
+              </a:ext>
+            </a:extLst>
+          </p:cNvPr>
+          <p:cNvSpPr/>
+          <p:nvPr/>
+        </p:nvSpPr>
+        <p:spPr>
+          <a:xfrm>
+            <a:off x="4124739" y="3150704"/>
+            <a:ext cx="1560444" cy="377687"/>
+          </a:xfrm>
+          <a:prstGeom prst="rect">
+            <a:avLst/>
+          </a:prstGeom>
+          <a:solidFill>
+            <a:srgbClr val="7030A0"/>
+          </a:solidFill>
+        </p:spPr>
+        <p:style>
+          <a:lnRef idx="2">
+            <a:schemeClr val="accent1">
+              <a:shade val="50000"/>
+            </a:schemeClr>
+          </a:lnRef>
+          <a:fillRef idx="1">
+            <a:schemeClr val="accent1"/>
+          </a:fillRef>
+          <a:effectRef idx="0">
+            <a:schemeClr val="accent1"/>
+          </a:effectRef>
+          <a:fontRef idx="minor">
+            <a:schemeClr val="lt1"/>
+          </a:fontRef>
+        </p:style>
+        <p:txBody>
+          <a:bodyPr rtlCol="0" anchor="ctr"/>
+          <a:lstStyle/>
+          <a:p>
+            <a:pPr algn="ctr"/>
+            <a:r>
+              <a:rPr lang="en-US" altLang="zh-CN" dirty="0"/>
+              <a:t>IOType3</a:t>
+            </a:r>
+            <a:endParaRPr lang="zh-CN" altLang="en-US" dirty="0"/>
+          </a:p>
+        </p:txBody>
+      </p:sp>
+      <p:sp>
+        <p:nvSpPr>
+          <p:cNvPr id="14" name="矩形 13">
+            <a:extLst>
+              <a:ext uri="{FF2B5EF4-FFF2-40B4-BE49-F238E27FC236}">
+                <a16:creationId xmlns:a16="http://schemas.microsoft.com/office/drawing/2014/main" id="{5B1BD4C6-1F9F-47BD-A111-5E1E2AB439FD}"/>
+              </a:ext>
+            </a:extLst>
+          </p:cNvPr>
+          <p:cNvSpPr/>
+          <p:nvPr/>
+        </p:nvSpPr>
+        <p:spPr>
+          <a:xfrm>
+            <a:off x="5685182" y="3150704"/>
+            <a:ext cx="1172817" cy="377687"/>
+          </a:xfrm>
+          <a:prstGeom prst="rect">
+            <a:avLst/>
+          </a:prstGeom>
+          <a:solidFill>
+            <a:schemeClr val="accent2">
+              <a:lumMod val="75000"/>
+            </a:schemeClr>
+          </a:solidFill>
+        </p:spPr>
+        <p:style>
+          <a:lnRef idx="2">
+            <a:schemeClr val="accent1">
+              <a:shade val="50000"/>
+            </a:schemeClr>
+          </a:lnRef>
+          <a:fillRef idx="1">
+            <a:schemeClr val="accent1"/>
+          </a:fillRef>
+          <a:effectRef idx="0">
+            <a:schemeClr val="accent1"/>
+          </a:effectRef>
+          <a:fontRef idx="minor">
+            <a:schemeClr val="lt1"/>
+          </a:fontRef>
+        </p:style>
+        <p:txBody>
+          <a:bodyPr rtlCol="0" anchor="ctr"/>
+          <a:lstStyle/>
+          <a:p>
+            <a:pPr algn="ctr"/>
+            <a:r>
+              <a:rPr lang="en-US" altLang="zh-CN" dirty="0"/>
+              <a:t>Context2</a:t>
+            </a:r>
+            <a:endParaRPr lang="zh-CN" altLang="en-US" dirty="0"/>
+          </a:p>
+        </p:txBody>
+      </p:sp>
+      <p:sp>
+        <p:nvSpPr>
+          <p:cNvPr id="16" name="文本框 15">
+            <a:extLst>
+              <a:ext uri="{FF2B5EF4-FFF2-40B4-BE49-F238E27FC236}">
+                <a16:creationId xmlns:a16="http://schemas.microsoft.com/office/drawing/2014/main" id="{6F3DDA08-6CEE-4E01-B4B7-6B7FBFF96D2D}"/>
+              </a:ext>
+            </a:extLst>
+          </p:cNvPr>
+          <p:cNvSpPr txBox="1"/>
+          <p:nvPr/>
+        </p:nvSpPr>
+        <p:spPr>
+          <a:xfrm>
+            <a:off x="4711146" y="1883465"/>
+            <a:ext cx="1560444" cy="377687"/>
+          </a:xfrm>
+          <a:prstGeom prst="rect">
+            <a:avLst/>
+          </a:prstGeom>
+          <a:noFill/>
+        </p:spPr>
+        <p:txBody>
+          <a:bodyPr wrap="square" rtlCol="0">
+            <a:spAutoFit/>
+          </a:bodyPr>
+          <a:lstStyle/>
+          <a:p>
+            <a:pPr algn="ctr"/>
+            <a:r>
+              <a:rPr lang="en-US" altLang="zh-CN" dirty="0"/>
+              <a:t>Reactor</a:t>
+            </a:r>
+            <a:endParaRPr lang="zh-CN" altLang="en-US" dirty="0"/>
+          </a:p>
+        </p:txBody>
+      </p:sp>
+    </p:spTree>
+    <p:extLst>
+      <p:ext uri="{BB962C8B-B14F-4D97-AF65-F5344CB8AC3E}">
+        <p14:creationId xmlns:p14="http://schemas.microsoft.com/office/powerpoint/2010/main" val="1228559218"/>
+      </p:ext>
+    </p:extLst>
+  </p:cSld>
+  <p:clrMapOvr>
+    <a:masterClrMapping/>
+  </p:clrMapOvr>
+</p:sld>
+</file>
+
+<file path=ppt/slides/slide16.xml><?xml version="1.0" encoding="utf-8"?>
+<p:sld xmlns:a="http://schemas.openxmlformats.org/drawingml/2006/main" xmlns:r="http://schemas.openxmlformats.org/officeDocument/2006/relationships" xmlns:p="http://schemas.openxmlformats.org/presentationml/2006/main">
+  <p:cSld>
+    <p:spTree>
+      <p:nvGrpSpPr>
+        <p:cNvPr id="1" name=""/>
+        <p:cNvGrpSpPr/>
+        <p:nvPr/>
+      </p:nvGrpSpPr>
+      <p:grpSpPr>
+        <a:xfrm>
+          <a:off x="0" y="0"/>
+          <a:ext cx="0" cy="0"/>
+          <a:chOff x="0" y="0"/>
+          <a:chExt cx="0" cy="0"/>
+        </a:xfrm>
+      </p:grpSpPr>
+      <p:sp>
+        <p:nvSpPr>
+          <p:cNvPr id="17" name="矩形 16">
+            <a:extLst>
+              <a:ext uri="{FF2B5EF4-FFF2-40B4-BE49-F238E27FC236}">
+                <a16:creationId xmlns:a16="http://schemas.microsoft.com/office/drawing/2014/main" id="{0A896AD8-6176-4DF2-AF6A-7DB33CBC0F9F}"/>
+              </a:ext>
+            </a:extLst>
+          </p:cNvPr>
+          <p:cNvSpPr/>
+          <p:nvPr/>
+        </p:nvSpPr>
+        <p:spPr>
+          <a:xfrm>
+            <a:off x="2226366" y="476284"/>
+            <a:ext cx="7242313" cy="2136913"/>
+          </a:xfrm>
+          <a:prstGeom prst="rect">
+            <a:avLst/>
+          </a:prstGeom>
+          <a:solidFill>
+            <a:srgbClr val="92D050"/>
+          </a:solidFill>
+        </p:spPr>
+        <p:style>
+          <a:lnRef idx="2">
+            <a:schemeClr val="accent1">
+              <a:shade val="50000"/>
+            </a:schemeClr>
+          </a:lnRef>
+          <a:fillRef idx="1">
+            <a:schemeClr val="accent1"/>
+          </a:fillRef>
+          <a:effectRef idx="0">
+            <a:schemeClr val="accent1"/>
+          </a:effectRef>
+          <a:fontRef idx="minor">
+            <a:schemeClr val="lt1"/>
+          </a:fontRef>
+        </p:style>
+        <p:txBody>
+          <a:bodyPr rtlCol="0" anchor="ctr"/>
+          <a:lstStyle/>
+          <a:p>
+            <a:pPr algn="ctr"/>
+            <a:endParaRPr lang="zh-CN" altLang="en-US"/>
+          </a:p>
+        </p:txBody>
+      </p:sp>
+      <p:sp>
+        <p:nvSpPr>
+          <p:cNvPr id="3" name="矩形 2">
+            <a:extLst>
+              <a:ext uri="{FF2B5EF4-FFF2-40B4-BE49-F238E27FC236}">
+                <a16:creationId xmlns:a16="http://schemas.microsoft.com/office/drawing/2014/main" id="{6DD5DCAC-2933-4901-AE3E-6A2A8B9D17FE}"/>
+              </a:ext>
+            </a:extLst>
+          </p:cNvPr>
+          <p:cNvSpPr/>
+          <p:nvPr/>
+        </p:nvSpPr>
+        <p:spPr>
+          <a:xfrm>
+            <a:off x="2822713" y="2067339"/>
+            <a:ext cx="894522" cy="337931"/>
+          </a:xfrm>
+          <a:prstGeom prst="rect">
+            <a:avLst/>
+          </a:prstGeom>
+          <a:solidFill>
+            <a:srgbClr val="FF0000"/>
+          </a:solidFill>
+        </p:spPr>
+        <p:style>
+          <a:lnRef idx="2">
+            <a:schemeClr val="accent1">
+              <a:shade val="50000"/>
+            </a:schemeClr>
+          </a:lnRef>
+          <a:fillRef idx="1">
+            <a:schemeClr val="accent1"/>
+          </a:fillRef>
+          <a:effectRef idx="0">
+            <a:schemeClr val="accent1"/>
+          </a:effectRef>
+          <a:fontRef idx="minor">
+            <a:schemeClr val="lt1"/>
+          </a:fontRef>
+        </p:style>
+        <p:txBody>
+          <a:bodyPr rtlCol="0" anchor="ctr"/>
+          <a:lstStyle/>
+          <a:p>
+            <a:pPr algn="ctr"/>
+            <a:r>
+              <a:rPr lang="en-US" altLang="zh-CN" dirty="0"/>
+              <a:t>Root</a:t>
+            </a:r>
+            <a:endParaRPr lang="zh-CN" altLang="en-US" dirty="0"/>
+          </a:p>
+        </p:txBody>
+      </p:sp>
+      <p:sp>
+        <p:nvSpPr>
+          <p:cNvPr id="5" name="矩形 4">
+            <a:extLst>
+              <a:ext uri="{FF2B5EF4-FFF2-40B4-BE49-F238E27FC236}">
+                <a16:creationId xmlns:a16="http://schemas.microsoft.com/office/drawing/2014/main" id="{90FD1A7E-3175-422F-9FEF-B8FB10DE6D30}"/>
+              </a:ext>
+            </a:extLst>
+          </p:cNvPr>
+          <p:cNvSpPr/>
+          <p:nvPr/>
+        </p:nvSpPr>
+        <p:spPr>
+          <a:xfrm>
+            <a:off x="3717235" y="2067338"/>
+            <a:ext cx="894522" cy="337931"/>
+          </a:xfrm>
+          <a:prstGeom prst="rect">
+            <a:avLst/>
+          </a:prstGeom>
+        </p:spPr>
+        <p:style>
+          <a:lnRef idx="2">
+            <a:schemeClr val="accent1">
+              <a:shade val="50000"/>
+            </a:schemeClr>
+          </a:lnRef>
+          <a:fillRef idx="1">
+            <a:schemeClr val="accent1"/>
+          </a:fillRef>
+          <a:effectRef idx="0">
+            <a:schemeClr val="accent1"/>
+          </a:effectRef>
+          <a:fontRef idx="minor">
+            <a:schemeClr val="lt1"/>
+          </a:fontRef>
+        </p:style>
+        <p:txBody>
+          <a:bodyPr rtlCol="0" anchor="ctr"/>
+          <a:lstStyle/>
+          <a:p>
+            <a:pPr algn="ctr"/>
+            <a:endParaRPr lang="zh-CN" altLang="en-US"/>
+          </a:p>
+        </p:txBody>
+      </p:sp>
+      <p:sp>
+        <p:nvSpPr>
+          <p:cNvPr id="7" name="矩形 6">
+            <a:extLst>
+              <a:ext uri="{FF2B5EF4-FFF2-40B4-BE49-F238E27FC236}">
+                <a16:creationId xmlns:a16="http://schemas.microsoft.com/office/drawing/2014/main" id="{C2F45CD9-BFE1-4E9F-B587-1AF77E65B01F}"/>
+              </a:ext>
+            </a:extLst>
+          </p:cNvPr>
+          <p:cNvSpPr/>
+          <p:nvPr/>
+        </p:nvSpPr>
+        <p:spPr>
+          <a:xfrm>
+            <a:off x="4611757" y="2067338"/>
+            <a:ext cx="894522" cy="337931"/>
+          </a:xfrm>
+          <a:prstGeom prst="rect">
+            <a:avLst/>
+          </a:prstGeom>
+        </p:spPr>
+        <p:style>
+          <a:lnRef idx="2">
+            <a:schemeClr val="accent1">
+              <a:shade val="50000"/>
+            </a:schemeClr>
+          </a:lnRef>
+          <a:fillRef idx="1">
+            <a:schemeClr val="accent1"/>
+          </a:fillRef>
+          <a:effectRef idx="0">
+            <a:schemeClr val="accent1"/>
+          </a:effectRef>
+          <a:fontRef idx="minor">
+            <a:schemeClr val="lt1"/>
+          </a:fontRef>
+        </p:style>
+        <p:txBody>
+          <a:bodyPr rtlCol="0" anchor="ctr"/>
+          <a:lstStyle/>
+          <a:p>
+            <a:pPr algn="ctr"/>
+            <a:endParaRPr lang="zh-CN" altLang="en-US"/>
+          </a:p>
+        </p:txBody>
+      </p:sp>
+      <p:sp>
+        <p:nvSpPr>
+          <p:cNvPr id="8" name="文本框 7">
+            <a:extLst>
+              <a:ext uri="{FF2B5EF4-FFF2-40B4-BE49-F238E27FC236}">
+                <a16:creationId xmlns:a16="http://schemas.microsoft.com/office/drawing/2014/main" id="{F4267A72-5F12-4B2C-A08F-FC7707391EDD}"/>
+              </a:ext>
+            </a:extLst>
+          </p:cNvPr>
+          <p:cNvSpPr txBox="1"/>
+          <p:nvPr/>
+        </p:nvSpPr>
+        <p:spPr>
+          <a:xfrm>
+            <a:off x="3051313" y="1544741"/>
+            <a:ext cx="2226365" cy="369332"/>
+          </a:xfrm>
+          <a:prstGeom prst="rect">
+            <a:avLst/>
+          </a:prstGeom>
+          <a:noFill/>
+        </p:spPr>
+        <p:txBody>
+          <a:bodyPr wrap="square" rtlCol="0">
+            <a:spAutoFit/>
+          </a:bodyPr>
+          <a:lstStyle/>
+          <a:p>
+            <a:pPr algn="ctr"/>
+            <a:r>
+              <a:rPr lang="en-US" altLang="zh-CN" dirty="0"/>
+              <a:t>Ready Queue</a:t>
+            </a:r>
+            <a:endParaRPr lang="zh-CN" altLang="en-US" dirty="0"/>
+          </a:p>
+        </p:txBody>
+      </p:sp>
+      <p:sp>
+        <p:nvSpPr>
+          <p:cNvPr id="10" name="矩形 9">
+            <a:extLst>
+              <a:ext uri="{FF2B5EF4-FFF2-40B4-BE49-F238E27FC236}">
+                <a16:creationId xmlns:a16="http://schemas.microsoft.com/office/drawing/2014/main" id="{C7E9B9B1-63E3-44C9-A4CC-057DAA71B6B1}"/>
+              </a:ext>
+            </a:extLst>
+          </p:cNvPr>
+          <p:cNvSpPr/>
+          <p:nvPr/>
+        </p:nvSpPr>
+        <p:spPr>
+          <a:xfrm>
+            <a:off x="6238462" y="2067338"/>
+            <a:ext cx="894522" cy="337931"/>
+          </a:xfrm>
+          <a:prstGeom prst="rect">
+            <a:avLst/>
+          </a:prstGeom>
+        </p:spPr>
+        <p:style>
+          <a:lnRef idx="2">
+            <a:schemeClr val="accent1">
+              <a:shade val="50000"/>
+            </a:schemeClr>
+          </a:lnRef>
+          <a:fillRef idx="1">
+            <a:schemeClr val="accent1"/>
+          </a:fillRef>
+          <a:effectRef idx="0">
+            <a:schemeClr val="accent1"/>
+          </a:effectRef>
+          <a:fontRef idx="minor">
+            <a:schemeClr val="lt1"/>
+          </a:fontRef>
+        </p:style>
+        <p:txBody>
+          <a:bodyPr rtlCol="0" anchor="ctr"/>
+          <a:lstStyle/>
+          <a:p>
+            <a:pPr algn="ctr"/>
+            <a:endParaRPr lang="zh-CN" altLang="en-US"/>
+          </a:p>
+        </p:txBody>
+      </p:sp>
+      <p:sp>
+        <p:nvSpPr>
+          <p:cNvPr id="12" name="矩形 11">
+            <a:extLst>
+              <a:ext uri="{FF2B5EF4-FFF2-40B4-BE49-F238E27FC236}">
+                <a16:creationId xmlns:a16="http://schemas.microsoft.com/office/drawing/2014/main" id="{393D108E-757F-4387-A058-0558C3B95634}"/>
+              </a:ext>
+            </a:extLst>
+          </p:cNvPr>
+          <p:cNvSpPr/>
+          <p:nvPr/>
+        </p:nvSpPr>
+        <p:spPr>
+          <a:xfrm>
+            <a:off x="7132984" y="2067337"/>
+            <a:ext cx="894522" cy="337931"/>
+          </a:xfrm>
+          <a:prstGeom prst="rect">
+            <a:avLst/>
+          </a:prstGeom>
+        </p:spPr>
+        <p:style>
+          <a:lnRef idx="2">
+            <a:schemeClr val="accent1">
+              <a:shade val="50000"/>
+            </a:schemeClr>
+          </a:lnRef>
+          <a:fillRef idx="1">
+            <a:schemeClr val="accent1"/>
+          </a:fillRef>
+          <a:effectRef idx="0">
+            <a:schemeClr val="accent1"/>
+          </a:effectRef>
+          <a:fontRef idx="minor">
+            <a:schemeClr val="lt1"/>
+          </a:fontRef>
+        </p:style>
+        <p:txBody>
+          <a:bodyPr rtlCol="0" anchor="ctr"/>
+          <a:lstStyle/>
+          <a:p>
+            <a:pPr algn="ctr"/>
+            <a:endParaRPr lang="zh-CN" altLang="en-US"/>
+          </a:p>
+        </p:txBody>
+      </p:sp>
+      <p:sp>
+        <p:nvSpPr>
+          <p:cNvPr id="14" name="矩形 13">
+            <a:extLst>
+              <a:ext uri="{FF2B5EF4-FFF2-40B4-BE49-F238E27FC236}">
+                <a16:creationId xmlns:a16="http://schemas.microsoft.com/office/drawing/2014/main" id="{E3D4BC51-8C49-416C-980D-F576BF8B30A5}"/>
+              </a:ext>
+            </a:extLst>
+          </p:cNvPr>
+          <p:cNvSpPr/>
+          <p:nvPr/>
+        </p:nvSpPr>
+        <p:spPr>
+          <a:xfrm>
+            <a:off x="8027506" y="2067336"/>
+            <a:ext cx="894522" cy="337931"/>
+          </a:xfrm>
+          <a:prstGeom prst="rect">
+            <a:avLst/>
+          </a:prstGeom>
+        </p:spPr>
+        <p:style>
+          <a:lnRef idx="2">
+            <a:schemeClr val="accent1">
+              <a:shade val="50000"/>
+            </a:schemeClr>
+          </a:lnRef>
+          <a:fillRef idx="1">
+            <a:schemeClr val="accent1"/>
+          </a:fillRef>
+          <a:effectRef idx="0">
+            <a:schemeClr val="accent1"/>
+          </a:effectRef>
+          <a:fontRef idx="minor">
+            <a:schemeClr val="lt1"/>
+          </a:fontRef>
+        </p:style>
+        <p:txBody>
+          <a:bodyPr rtlCol="0" anchor="ctr"/>
+          <a:lstStyle/>
+          <a:p>
+            <a:pPr algn="ctr"/>
+            <a:endParaRPr lang="zh-CN" altLang="en-US"/>
+          </a:p>
+        </p:txBody>
+      </p:sp>
+      <p:sp>
+        <p:nvSpPr>
+          <p:cNvPr id="16" name="文本框 15">
+            <a:extLst>
+              <a:ext uri="{FF2B5EF4-FFF2-40B4-BE49-F238E27FC236}">
+                <a16:creationId xmlns:a16="http://schemas.microsoft.com/office/drawing/2014/main" id="{3CC5B89A-7692-4BA0-B8DC-EB61DE78434F}"/>
+              </a:ext>
+            </a:extLst>
+          </p:cNvPr>
+          <p:cNvSpPr txBox="1"/>
+          <p:nvPr/>
+        </p:nvSpPr>
+        <p:spPr>
+          <a:xfrm>
+            <a:off x="6467062" y="1544741"/>
+            <a:ext cx="2226365" cy="369332"/>
+          </a:xfrm>
+          <a:prstGeom prst="rect">
+            <a:avLst/>
+          </a:prstGeom>
+          <a:noFill/>
+        </p:spPr>
+        <p:txBody>
+          <a:bodyPr wrap="square" rtlCol="0">
+            <a:spAutoFit/>
+          </a:bodyPr>
+          <a:lstStyle/>
+          <a:p>
+            <a:pPr algn="ctr"/>
+            <a:r>
+              <a:rPr lang="en-US" altLang="zh-CN" dirty="0"/>
+              <a:t>Blocked Queue</a:t>
+            </a:r>
+            <a:endParaRPr lang="zh-CN" altLang="en-US" dirty="0"/>
+          </a:p>
+        </p:txBody>
+      </p:sp>
+      <p:sp>
+        <p:nvSpPr>
+          <p:cNvPr id="18" name="文本框 17">
+            <a:extLst>
+              <a:ext uri="{FF2B5EF4-FFF2-40B4-BE49-F238E27FC236}">
+                <a16:creationId xmlns:a16="http://schemas.microsoft.com/office/drawing/2014/main" id="{ACD3D85B-C9C4-4CDF-9837-51E6AE6FEC57}"/>
+              </a:ext>
+            </a:extLst>
+          </p:cNvPr>
+          <p:cNvSpPr txBox="1"/>
+          <p:nvPr/>
+        </p:nvSpPr>
+        <p:spPr>
+          <a:xfrm>
+            <a:off x="4840357" y="805070"/>
+            <a:ext cx="2226365" cy="369332"/>
+          </a:xfrm>
+          <a:prstGeom prst="rect">
+            <a:avLst/>
+          </a:prstGeom>
+          <a:noFill/>
+        </p:spPr>
+        <p:txBody>
+          <a:bodyPr wrap="square" rtlCol="0">
+            <a:spAutoFit/>
+          </a:bodyPr>
+          <a:lstStyle/>
+          <a:p>
+            <a:pPr algn="ctr"/>
+            <a:r>
+              <a:rPr lang="en-US" altLang="zh-CN" dirty="0"/>
+              <a:t>Executor</a:t>
+            </a:r>
+            <a:endParaRPr lang="zh-CN" altLang="en-US" dirty="0"/>
+          </a:p>
+        </p:txBody>
+      </p:sp>
+      <p:cxnSp>
+        <p:nvCxnSpPr>
+          <p:cNvPr id="4" name="直接箭头连接符 3">
+            <a:extLst>
+              <a:ext uri="{FF2B5EF4-FFF2-40B4-BE49-F238E27FC236}">
+                <a16:creationId xmlns:a16="http://schemas.microsoft.com/office/drawing/2014/main" id="{95932CAA-34D3-4747-8ED3-093290335BF4}"/>
+              </a:ext>
+            </a:extLst>
+          </p:cNvPr>
+          <p:cNvCxnSpPr>
+            <a:cxnSpLocks/>
+            <a:endCxn id="3" idx="1"/>
+          </p:cNvCxnSpPr>
+          <p:nvPr/>
+        </p:nvCxnSpPr>
+        <p:spPr>
+          <a:xfrm>
+            <a:off x="1510748" y="2236305"/>
+            <a:ext cx="1311965" cy="0"/>
+          </a:xfrm>
+          <a:prstGeom prst="straightConnector1">
+            <a:avLst/>
+          </a:prstGeom>
+          <a:ln>
+            <a:tailEnd type="triangle"/>
+          </a:ln>
+        </p:spPr>
+        <p:style>
+          <a:lnRef idx="1">
+            <a:schemeClr val="accent1"/>
+          </a:lnRef>
+          <a:fillRef idx="0">
+            <a:schemeClr val="accent1"/>
+          </a:fillRef>
+          <a:effectRef idx="0">
+            <a:schemeClr val="accent1"/>
+          </a:effectRef>
+          <a:fontRef idx="minor">
+            <a:schemeClr val="tx1"/>
+          </a:fontRef>
+        </p:style>
+      </p:cxnSp>
+      <p:sp>
+        <p:nvSpPr>
+          <p:cNvPr id="9" name="矩形 8">
+            <a:extLst>
+              <a:ext uri="{FF2B5EF4-FFF2-40B4-BE49-F238E27FC236}">
+                <a16:creationId xmlns:a16="http://schemas.microsoft.com/office/drawing/2014/main" id="{F74E440B-0B7D-4BE3-BDEF-521E9B88D57A}"/>
+              </a:ext>
+            </a:extLst>
+          </p:cNvPr>
+          <p:cNvSpPr/>
+          <p:nvPr/>
+        </p:nvSpPr>
+        <p:spPr>
+          <a:xfrm>
+            <a:off x="182218" y="2067336"/>
+            <a:ext cx="1311965" cy="337920"/>
+          </a:xfrm>
+          <a:prstGeom prst="rect">
+            <a:avLst/>
+          </a:prstGeom>
+          <a:noFill/>
+        </p:spPr>
+        <p:style>
+          <a:lnRef idx="2">
+            <a:schemeClr val="accent1">
+              <a:shade val="50000"/>
+            </a:schemeClr>
+          </a:lnRef>
+          <a:fillRef idx="1">
+            <a:schemeClr val="accent1"/>
+          </a:fillRef>
+          <a:effectRef idx="0">
+            <a:schemeClr val="accent1"/>
+          </a:effectRef>
+          <a:fontRef idx="minor">
+            <a:schemeClr val="lt1"/>
+          </a:fontRef>
+        </p:style>
+        <p:txBody>
+          <a:bodyPr rtlCol="0" anchor="ctr"/>
+          <a:lstStyle/>
+          <a:p>
+            <a:pPr algn="ctr"/>
+            <a:r>
+              <a:rPr lang="en-US" altLang="zh-CN" dirty="0">
+                <a:solidFill>
+                  <a:schemeClr val="tx1"/>
+                </a:solidFill>
+              </a:rPr>
+              <a:t>Cycle start</a:t>
+            </a:r>
+            <a:endParaRPr lang="zh-CN" altLang="en-US" dirty="0">
+              <a:solidFill>
+                <a:schemeClr val="tx1"/>
+              </a:solidFill>
+            </a:endParaRPr>
+          </a:p>
+        </p:txBody>
+      </p:sp>
+      <p:sp>
+        <p:nvSpPr>
+          <p:cNvPr id="11" name="文本框 10">
+            <a:extLst>
+              <a:ext uri="{FF2B5EF4-FFF2-40B4-BE49-F238E27FC236}">
+                <a16:creationId xmlns:a16="http://schemas.microsoft.com/office/drawing/2014/main" id="{6F99C656-B3C8-468D-9F94-76A78FEBD092}"/>
+              </a:ext>
+            </a:extLst>
+          </p:cNvPr>
+          <p:cNvSpPr txBox="1"/>
+          <p:nvPr/>
+        </p:nvSpPr>
+        <p:spPr>
+          <a:xfrm>
+            <a:off x="1600200" y="1914073"/>
+            <a:ext cx="1123121" cy="369332"/>
+          </a:xfrm>
+          <a:prstGeom prst="rect">
+            <a:avLst/>
+          </a:prstGeom>
+          <a:noFill/>
+        </p:spPr>
+        <p:txBody>
+          <a:bodyPr wrap="square" rtlCol="0">
+            <a:spAutoFit/>
+          </a:bodyPr>
+          <a:lstStyle/>
+          <a:p>
+            <a:pPr algn="ctr"/>
+            <a:r>
+              <a:rPr lang="en-US" altLang="zh-CN" dirty="0"/>
+              <a:t>Fetch</a:t>
+            </a:r>
+            <a:endParaRPr lang="zh-CN" altLang="en-US" dirty="0"/>
+          </a:p>
+        </p:txBody>
+      </p:sp>
+      <p:sp>
+        <p:nvSpPr>
+          <p:cNvPr id="13" name="矩形 12">
+            <a:extLst>
+              <a:ext uri="{FF2B5EF4-FFF2-40B4-BE49-F238E27FC236}">
+                <a16:creationId xmlns:a16="http://schemas.microsoft.com/office/drawing/2014/main" id="{FC037E0B-65EC-4143-9D6D-B5B49C197A8B}"/>
+              </a:ext>
+            </a:extLst>
+          </p:cNvPr>
+          <p:cNvSpPr/>
+          <p:nvPr/>
+        </p:nvSpPr>
+        <p:spPr>
+          <a:xfrm>
+            <a:off x="182217" y="3060468"/>
+            <a:ext cx="1311965" cy="507680"/>
+          </a:xfrm>
+          <a:prstGeom prst="rect">
+            <a:avLst/>
+          </a:prstGeom>
+          <a:noFill/>
+        </p:spPr>
+        <p:style>
+          <a:lnRef idx="2">
+            <a:schemeClr val="accent1">
+              <a:shade val="50000"/>
+            </a:schemeClr>
+          </a:lnRef>
+          <a:fillRef idx="1">
+            <a:schemeClr val="accent1"/>
+          </a:fillRef>
+          <a:effectRef idx="0">
+            <a:schemeClr val="accent1"/>
+          </a:effectRef>
+          <a:fontRef idx="minor">
+            <a:schemeClr val="lt1"/>
+          </a:fontRef>
+        </p:style>
+        <p:txBody>
+          <a:bodyPr rtlCol="0" anchor="ctr"/>
+          <a:lstStyle/>
+          <a:p>
+            <a:pPr algn="ctr"/>
+            <a:r>
+              <a:rPr lang="en-US" altLang="zh-CN" dirty="0">
+                <a:solidFill>
+                  <a:schemeClr val="tx1"/>
+                </a:solidFill>
+              </a:rPr>
+              <a:t>Create Waker</a:t>
+            </a:r>
+            <a:endParaRPr lang="zh-CN" altLang="en-US" dirty="0">
+              <a:solidFill>
+                <a:schemeClr val="tx1"/>
+              </a:solidFill>
+            </a:endParaRPr>
+          </a:p>
+        </p:txBody>
+      </p:sp>
+      <p:cxnSp>
+        <p:nvCxnSpPr>
+          <p:cNvPr id="19" name="直接箭头连接符 18">
+            <a:extLst>
+              <a:ext uri="{FF2B5EF4-FFF2-40B4-BE49-F238E27FC236}">
+                <a16:creationId xmlns:a16="http://schemas.microsoft.com/office/drawing/2014/main" id="{E42C2469-514D-48E0-8294-081490668FAA}"/>
+              </a:ext>
+            </a:extLst>
+          </p:cNvPr>
+          <p:cNvCxnSpPr>
+            <a:stCxn id="13" idx="3"/>
+          </p:cNvCxnSpPr>
+          <p:nvPr/>
+        </p:nvCxnSpPr>
+        <p:spPr>
+          <a:xfrm>
+            <a:off x="1494182" y="3314308"/>
+            <a:ext cx="1328531" cy="15301"/>
+          </a:xfrm>
+          <a:prstGeom prst="straightConnector1">
+            <a:avLst/>
+          </a:prstGeom>
+          <a:ln>
+            <a:tailEnd type="triangle"/>
+          </a:ln>
+        </p:spPr>
+        <p:style>
+          <a:lnRef idx="1">
+            <a:schemeClr val="accent1"/>
+          </a:lnRef>
+          <a:fillRef idx="0">
+            <a:schemeClr val="accent1"/>
+          </a:fillRef>
+          <a:effectRef idx="0">
+            <a:schemeClr val="accent1"/>
+          </a:effectRef>
+          <a:fontRef idx="minor">
+            <a:schemeClr val="tx1"/>
+          </a:fontRef>
+        </p:style>
+      </p:cxnSp>
+      <p:sp>
+        <p:nvSpPr>
+          <p:cNvPr id="21" name="椭圆 20">
+            <a:extLst>
+              <a:ext uri="{FF2B5EF4-FFF2-40B4-BE49-F238E27FC236}">
+                <a16:creationId xmlns:a16="http://schemas.microsoft.com/office/drawing/2014/main" id="{2A5EF907-AC2C-4223-92A3-53833B8AFB18}"/>
+              </a:ext>
+            </a:extLst>
+          </p:cNvPr>
+          <p:cNvSpPr/>
+          <p:nvPr/>
+        </p:nvSpPr>
+        <p:spPr>
+          <a:xfrm>
+            <a:off x="2826025" y="3088981"/>
+            <a:ext cx="1192695" cy="465953"/>
+          </a:xfrm>
+          <a:prstGeom prst="ellipse">
+            <a:avLst/>
+          </a:prstGeom>
+        </p:spPr>
+        <p:style>
+          <a:lnRef idx="2">
+            <a:schemeClr val="dk1">
+              <a:shade val="50000"/>
+            </a:schemeClr>
+          </a:lnRef>
+          <a:fillRef idx="1">
+            <a:schemeClr val="dk1"/>
+          </a:fillRef>
+          <a:effectRef idx="0">
+            <a:schemeClr val="dk1"/>
+          </a:effectRef>
+          <a:fontRef idx="minor">
+            <a:schemeClr val="lt1"/>
+          </a:fontRef>
+        </p:style>
+        <p:txBody>
+          <a:bodyPr rtlCol="0" anchor="ctr"/>
+          <a:lstStyle/>
+          <a:p>
+            <a:pPr algn="ctr"/>
+            <a:r>
+              <a:rPr lang="en-US" altLang="zh-CN" dirty="0"/>
+              <a:t>Waker</a:t>
+            </a:r>
+            <a:endParaRPr lang="zh-CN" altLang="en-US" dirty="0"/>
+          </a:p>
+        </p:txBody>
+      </p:sp>
+      <p:sp>
+        <p:nvSpPr>
+          <p:cNvPr id="25" name="椭圆 24">
+            <a:extLst>
+              <a:ext uri="{FF2B5EF4-FFF2-40B4-BE49-F238E27FC236}">
+                <a16:creationId xmlns:a16="http://schemas.microsoft.com/office/drawing/2014/main" id="{79D07AFF-B763-4B67-BE6D-A588D15BB2EC}"/>
+              </a:ext>
+            </a:extLst>
+          </p:cNvPr>
+          <p:cNvSpPr/>
+          <p:nvPr/>
+        </p:nvSpPr>
+        <p:spPr>
+          <a:xfrm>
+            <a:off x="4611757" y="3088981"/>
+            <a:ext cx="1192695" cy="465953"/>
+          </a:xfrm>
+          <a:prstGeom prst="ellipse">
+            <a:avLst/>
+          </a:prstGeom>
+        </p:spPr>
+        <p:style>
+          <a:lnRef idx="2">
+            <a:schemeClr val="dk1">
+              <a:shade val="50000"/>
+            </a:schemeClr>
+          </a:lnRef>
+          <a:fillRef idx="1">
+            <a:schemeClr val="dk1"/>
+          </a:fillRef>
+          <a:effectRef idx="0">
+            <a:schemeClr val="dk1"/>
+          </a:effectRef>
+          <a:fontRef idx="minor">
+            <a:schemeClr val="lt1"/>
+          </a:fontRef>
+        </p:style>
+        <p:txBody>
+          <a:bodyPr rtlCol="0" anchor="ctr"/>
+          <a:lstStyle/>
+          <a:p>
+            <a:pPr algn="ctr"/>
+            <a:r>
+              <a:rPr lang="en-US" altLang="zh-CN" dirty="0"/>
+              <a:t>Waker</a:t>
+            </a:r>
+            <a:endParaRPr lang="zh-CN" altLang="en-US" dirty="0"/>
+          </a:p>
+        </p:txBody>
+      </p:sp>
+      <p:sp>
+        <p:nvSpPr>
+          <p:cNvPr id="27" name="文本框 26">
+            <a:extLst>
+              <a:ext uri="{FF2B5EF4-FFF2-40B4-BE49-F238E27FC236}">
+                <a16:creationId xmlns:a16="http://schemas.microsoft.com/office/drawing/2014/main" id="{7BDA8552-F337-4F75-865B-E650B463745E}"/>
+              </a:ext>
+            </a:extLst>
+          </p:cNvPr>
+          <p:cNvSpPr txBox="1"/>
+          <p:nvPr/>
+        </p:nvSpPr>
+        <p:spPr>
+          <a:xfrm>
+            <a:off x="5890592" y="3144943"/>
+            <a:ext cx="1384851" cy="369332"/>
+          </a:xfrm>
+          <a:prstGeom prst="rect">
+            <a:avLst/>
+          </a:prstGeom>
+          <a:noFill/>
+        </p:spPr>
+        <p:txBody>
+          <a:bodyPr wrap="square" rtlCol="0">
+            <a:spAutoFit/>
+          </a:bodyPr>
+          <a:lstStyle/>
+          <a:p>
+            <a:r>
+              <a:rPr lang="en-US" altLang="zh-CN" dirty="0"/>
+              <a:t>can wakeup </a:t>
+            </a:r>
+            <a:endParaRPr lang="zh-CN" altLang="en-US" dirty="0"/>
+          </a:p>
+        </p:txBody>
+      </p:sp>
+      <p:sp>
+        <p:nvSpPr>
+          <p:cNvPr id="29" name="矩形 28">
+            <a:extLst>
+              <a:ext uri="{FF2B5EF4-FFF2-40B4-BE49-F238E27FC236}">
+                <a16:creationId xmlns:a16="http://schemas.microsoft.com/office/drawing/2014/main" id="{1B3D3873-77FE-4EBD-81B2-50EC17C6C234}"/>
+              </a:ext>
+            </a:extLst>
+          </p:cNvPr>
+          <p:cNvSpPr/>
+          <p:nvPr/>
+        </p:nvSpPr>
+        <p:spPr>
+          <a:xfrm>
+            <a:off x="7275443" y="3152991"/>
+            <a:ext cx="894522" cy="337931"/>
+          </a:xfrm>
+          <a:prstGeom prst="rect">
+            <a:avLst/>
+          </a:prstGeom>
+          <a:solidFill>
+            <a:srgbClr val="FF0000"/>
+          </a:solidFill>
+        </p:spPr>
+        <p:style>
+          <a:lnRef idx="2">
+            <a:schemeClr val="accent1">
+              <a:shade val="50000"/>
+            </a:schemeClr>
+          </a:lnRef>
+          <a:fillRef idx="1">
+            <a:schemeClr val="accent1"/>
+          </a:fillRef>
+          <a:effectRef idx="0">
+            <a:schemeClr val="accent1"/>
+          </a:effectRef>
+          <a:fontRef idx="minor">
+            <a:schemeClr val="lt1"/>
+          </a:fontRef>
+        </p:style>
+        <p:txBody>
+          <a:bodyPr rtlCol="0" anchor="ctr"/>
+          <a:lstStyle/>
+          <a:p>
+            <a:pPr algn="ctr"/>
+            <a:r>
+              <a:rPr lang="en-US" altLang="zh-CN" dirty="0"/>
+              <a:t>Root</a:t>
+            </a:r>
+            <a:endParaRPr lang="zh-CN" altLang="en-US" dirty="0"/>
+          </a:p>
+        </p:txBody>
+      </p:sp>
+      <p:sp>
+        <p:nvSpPr>
+          <p:cNvPr id="31" name="文本框 30">
+            <a:extLst>
+              <a:ext uri="{FF2B5EF4-FFF2-40B4-BE49-F238E27FC236}">
+                <a16:creationId xmlns:a16="http://schemas.microsoft.com/office/drawing/2014/main" id="{3C3662BC-83E7-42FA-B6B2-BB69CB9471DD}"/>
+              </a:ext>
+            </a:extLst>
+          </p:cNvPr>
+          <p:cNvSpPr txBox="1"/>
+          <p:nvPr/>
+        </p:nvSpPr>
+        <p:spPr>
+          <a:xfrm>
+            <a:off x="8279296" y="3137290"/>
+            <a:ext cx="380998" cy="369332"/>
+          </a:xfrm>
+          <a:prstGeom prst="rect">
+            <a:avLst/>
+          </a:prstGeom>
+          <a:noFill/>
+        </p:spPr>
+        <p:txBody>
+          <a:bodyPr wrap="square" rtlCol="0">
+            <a:spAutoFit/>
+          </a:bodyPr>
+          <a:lstStyle/>
+          <a:p>
+            <a:r>
+              <a:rPr lang="en-US" altLang="zh-CN" dirty="0"/>
+              <a:t>in</a:t>
+            </a:r>
+            <a:endParaRPr lang="zh-CN" altLang="en-US" dirty="0"/>
+          </a:p>
+        </p:txBody>
+      </p:sp>
+      <p:sp>
+        <p:nvSpPr>
+          <p:cNvPr id="35" name="矩形 34">
+            <a:extLst>
+              <a:ext uri="{FF2B5EF4-FFF2-40B4-BE49-F238E27FC236}">
+                <a16:creationId xmlns:a16="http://schemas.microsoft.com/office/drawing/2014/main" id="{39B116CE-1EB3-4EF2-8F86-4EF93AA66A44}"/>
+              </a:ext>
+            </a:extLst>
+          </p:cNvPr>
+          <p:cNvSpPr/>
+          <p:nvPr/>
+        </p:nvSpPr>
+        <p:spPr>
+          <a:xfrm>
+            <a:off x="8726560" y="3129642"/>
+            <a:ext cx="1474303" cy="369332"/>
+          </a:xfrm>
+          <a:prstGeom prst="rect">
+            <a:avLst/>
+          </a:prstGeom>
+          <a:solidFill>
+            <a:srgbClr val="92D050"/>
+          </a:solidFill>
+        </p:spPr>
+        <p:style>
+          <a:lnRef idx="2">
+            <a:schemeClr val="accent1">
+              <a:shade val="50000"/>
+            </a:schemeClr>
+          </a:lnRef>
+          <a:fillRef idx="1">
+            <a:schemeClr val="accent1"/>
+          </a:fillRef>
+          <a:effectRef idx="0">
+            <a:schemeClr val="accent1"/>
+          </a:effectRef>
+          <a:fontRef idx="minor">
+            <a:schemeClr val="lt1"/>
+          </a:fontRef>
+        </p:style>
+        <p:txBody>
+          <a:bodyPr rtlCol="0" anchor="ctr"/>
+          <a:lstStyle/>
+          <a:p>
+            <a:pPr algn="ctr"/>
+            <a:r>
+              <a:rPr lang="en-US" altLang="zh-CN" dirty="0">
+                <a:solidFill>
+                  <a:schemeClr val="tx1"/>
+                </a:solidFill>
+              </a:rPr>
+              <a:t>Executor</a:t>
+            </a:r>
+            <a:endParaRPr lang="zh-CN" altLang="en-US" dirty="0">
+              <a:solidFill>
+                <a:schemeClr val="tx1"/>
+              </a:solidFill>
+            </a:endParaRPr>
+          </a:p>
+        </p:txBody>
+      </p:sp>
+      <p:sp>
+        <p:nvSpPr>
+          <p:cNvPr id="37" name="矩形 36">
+            <a:extLst>
+              <a:ext uri="{FF2B5EF4-FFF2-40B4-BE49-F238E27FC236}">
+                <a16:creationId xmlns:a16="http://schemas.microsoft.com/office/drawing/2014/main" id="{562F6F77-AA5C-4C92-80D6-EE3B78644AA4}"/>
+              </a:ext>
+            </a:extLst>
+          </p:cNvPr>
+          <p:cNvSpPr/>
+          <p:nvPr/>
+        </p:nvSpPr>
+        <p:spPr>
+          <a:xfrm>
+            <a:off x="4393096" y="2961861"/>
+            <a:ext cx="5983356" cy="1570382"/>
+          </a:xfrm>
+          <a:prstGeom prst="rect">
+            <a:avLst/>
+          </a:prstGeom>
+          <a:noFill/>
+          <a:ln>
+            <a:prstDash val="dash"/>
+          </a:ln>
+        </p:spPr>
+        <p:style>
+          <a:lnRef idx="2">
+            <a:schemeClr val="accent1">
+              <a:shade val="50000"/>
+            </a:schemeClr>
+          </a:lnRef>
+          <a:fillRef idx="1">
+            <a:schemeClr val="accent1"/>
+          </a:fillRef>
+          <a:effectRef idx="0">
+            <a:schemeClr val="accent1"/>
+          </a:effectRef>
+          <a:fontRef idx="minor">
+            <a:schemeClr val="lt1"/>
+          </a:fontRef>
+        </p:style>
+        <p:txBody>
+          <a:bodyPr rtlCol="0" anchor="ctr"/>
+          <a:lstStyle/>
+          <a:p>
+            <a:pPr algn="ctr"/>
+            <a:endParaRPr lang="zh-CN" altLang="en-US"/>
+          </a:p>
+        </p:txBody>
+      </p:sp>
+      <p:sp>
+        <p:nvSpPr>
+          <p:cNvPr id="43" name="椭圆 42">
+            <a:extLst>
+              <a:ext uri="{FF2B5EF4-FFF2-40B4-BE49-F238E27FC236}">
+                <a16:creationId xmlns:a16="http://schemas.microsoft.com/office/drawing/2014/main" id="{0F064661-F245-4743-8023-87BBC589EC2B}"/>
+              </a:ext>
+            </a:extLst>
+          </p:cNvPr>
+          <p:cNvSpPr/>
+          <p:nvPr/>
+        </p:nvSpPr>
+        <p:spPr>
+          <a:xfrm>
+            <a:off x="4654827" y="3810612"/>
+            <a:ext cx="1192695" cy="465953"/>
+          </a:xfrm>
+          <a:prstGeom prst="ellipse">
+            <a:avLst/>
+          </a:prstGeom>
+        </p:spPr>
+        <p:style>
+          <a:lnRef idx="2">
+            <a:schemeClr val="dk1">
+              <a:shade val="50000"/>
+            </a:schemeClr>
+          </a:lnRef>
+          <a:fillRef idx="1">
+            <a:schemeClr val="dk1"/>
+          </a:fillRef>
+          <a:effectRef idx="0">
+            <a:schemeClr val="dk1"/>
+          </a:effectRef>
+          <a:fontRef idx="minor">
+            <a:schemeClr val="lt1"/>
+          </a:fontRef>
+        </p:style>
+        <p:txBody>
+          <a:bodyPr rtlCol="0" anchor="ctr"/>
+          <a:lstStyle/>
+          <a:p>
+            <a:pPr algn="ctr"/>
+            <a:r>
+              <a:rPr lang="en-US" altLang="zh-CN" dirty="0"/>
+              <a:t>Waker</a:t>
+            </a:r>
+            <a:endParaRPr lang="zh-CN" altLang="en-US" dirty="0"/>
+          </a:p>
+        </p:txBody>
+      </p:sp>
+      <p:sp>
+        <p:nvSpPr>
+          <p:cNvPr id="45" name="文本框 44">
+            <a:extLst>
+              <a:ext uri="{FF2B5EF4-FFF2-40B4-BE49-F238E27FC236}">
+                <a16:creationId xmlns:a16="http://schemas.microsoft.com/office/drawing/2014/main" id="{50E83BEC-8F34-425C-AF6F-210EBFB74051}"/>
+              </a:ext>
+            </a:extLst>
+          </p:cNvPr>
+          <p:cNvSpPr txBox="1"/>
+          <p:nvPr/>
+        </p:nvSpPr>
+        <p:spPr>
+          <a:xfrm>
+            <a:off x="5953539" y="3858922"/>
+            <a:ext cx="1490870" cy="369332"/>
+          </a:xfrm>
+          <a:prstGeom prst="rect">
+            <a:avLst/>
+          </a:prstGeom>
+          <a:noFill/>
+        </p:spPr>
+        <p:txBody>
+          <a:bodyPr wrap="square" rtlCol="0">
+            <a:spAutoFit/>
+          </a:bodyPr>
+          <a:lstStyle/>
+          <a:p>
+            <a:r>
+              <a:rPr lang="en-US" altLang="zh-CN" dirty="0"/>
+              <a:t>is created </a:t>
+            </a:r>
+            <a:r>
+              <a:rPr lang="en-US" altLang="zh-CN" b="1" dirty="0"/>
+              <a:t>for</a:t>
+            </a:r>
+            <a:endParaRPr lang="zh-CN" altLang="en-US" b="1" dirty="0"/>
+          </a:p>
+        </p:txBody>
+      </p:sp>
+      <p:sp>
+        <p:nvSpPr>
+          <p:cNvPr id="50" name="矩形 49">
+            <a:extLst>
+              <a:ext uri="{FF2B5EF4-FFF2-40B4-BE49-F238E27FC236}">
+                <a16:creationId xmlns:a16="http://schemas.microsoft.com/office/drawing/2014/main" id="{043E5718-A168-4EDB-A9DA-90D33B3AA019}"/>
+              </a:ext>
+            </a:extLst>
+          </p:cNvPr>
+          <p:cNvSpPr/>
+          <p:nvPr/>
+        </p:nvSpPr>
+        <p:spPr>
+          <a:xfrm>
+            <a:off x="7444409" y="3874622"/>
+            <a:ext cx="894522" cy="337931"/>
+          </a:xfrm>
+          <a:prstGeom prst="rect">
+            <a:avLst/>
+          </a:prstGeom>
+          <a:solidFill>
+            <a:srgbClr val="FF0000"/>
+          </a:solidFill>
+        </p:spPr>
+        <p:style>
+          <a:lnRef idx="2">
+            <a:schemeClr val="accent1">
+              <a:shade val="50000"/>
+            </a:schemeClr>
+          </a:lnRef>
+          <a:fillRef idx="1">
+            <a:schemeClr val="accent1"/>
+          </a:fillRef>
+          <a:effectRef idx="0">
+            <a:schemeClr val="accent1"/>
+          </a:effectRef>
+          <a:fontRef idx="minor">
+            <a:schemeClr val="lt1"/>
+          </a:fontRef>
+        </p:style>
+        <p:txBody>
+          <a:bodyPr rtlCol="0" anchor="ctr"/>
+          <a:lstStyle/>
+          <a:p>
+            <a:pPr algn="ctr"/>
+            <a:r>
+              <a:rPr lang="en-US" altLang="zh-CN" dirty="0"/>
+              <a:t>Root</a:t>
+            </a:r>
+            <a:endParaRPr lang="zh-CN" altLang="en-US" dirty="0"/>
+          </a:p>
+        </p:txBody>
+      </p:sp>
+      <p:sp>
+        <p:nvSpPr>
+          <p:cNvPr id="51" name="文本框 50">
+            <a:extLst>
+              <a:ext uri="{FF2B5EF4-FFF2-40B4-BE49-F238E27FC236}">
+                <a16:creationId xmlns:a16="http://schemas.microsoft.com/office/drawing/2014/main" id="{C186644D-B093-4300-A9C6-E126B38833FB}"/>
+              </a:ext>
+            </a:extLst>
+          </p:cNvPr>
+          <p:cNvSpPr txBox="1"/>
+          <p:nvPr/>
+        </p:nvSpPr>
+        <p:spPr>
+          <a:xfrm>
+            <a:off x="8469795" y="3874622"/>
+            <a:ext cx="452233" cy="369332"/>
+          </a:xfrm>
+          <a:prstGeom prst="rect">
+            <a:avLst/>
+          </a:prstGeom>
+          <a:noFill/>
+        </p:spPr>
+        <p:txBody>
+          <a:bodyPr wrap="square" rtlCol="0">
+            <a:spAutoFit/>
+          </a:bodyPr>
+          <a:lstStyle/>
+          <a:p>
+            <a:r>
+              <a:rPr lang="en-US" altLang="zh-CN" b="1" dirty="0"/>
+              <a:t>by</a:t>
+            </a:r>
+            <a:endParaRPr lang="zh-CN" altLang="en-US" b="1" dirty="0"/>
+          </a:p>
+        </p:txBody>
+      </p:sp>
+      <p:sp>
+        <p:nvSpPr>
+          <p:cNvPr id="53" name="矩形 52">
+            <a:extLst>
+              <a:ext uri="{FF2B5EF4-FFF2-40B4-BE49-F238E27FC236}">
+                <a16:creationId xmlns:a16="http://schemas.microsoft.com/office/drawing/2014/main" id="{DE563B2C-49A4-415C-9D9B-3790673662EA}"/>
+              </a:ext>
+            </a:extLst>
+          </p:cNvPr>
+          <p:cNvSpPr/>
+          <p:nvPr/>
+        </p:nvSpPr>
+        <p:spPr>
+          <a:xfrm>
+            <a:off x="8869020" y="3858921"/>
+            <a:ext cx="1474303" cy="369332"/>
+          </a:xfrm>
+          <a:prstGeom prst="rect">
+            <a:avLst/>
+          </a:prstGeom>
+          <a:solidFill>
+            <a:srgbClr val="92D050"/>
+          </a:solidFill>
+        </p:spPr>
+        <p:style>
+          <a:lnRef idx="2">
+            <a:schemeClr val="accent1">
+              <a:shade val="50000"/>
+            </a:schemeClr>
+          </a:lnRef>
+          <a:fillRef idx="1">
+            <a:schemeClr val="accent1"/>
+          </a:fillRef>
+          <a:effectRef idx="0">
+            <a:schemeClr val="accent1"/>
+          </a:effectRef>
+          <a:fontRef idx="minor">
+            <a:schemeClr val="lt1"/>
+          </a:fontRef>
+        </p:style>
+        <p:txBody>
+          <a:bodyPr rtlCol="0" anchor="ctr"/>
+          <a:lstStyle/>
+          <a:p>
+            <a:pPr algn="ctr"/>
+            <a:r>
+              <a:rPr lang="en-US" altLang="zh-CN" dirty="0">
+                <a:solidFill>
+                  <a:schemeClr val="tx1"/>
+                </a:solidFill>
+              </a:rPr>
+              <a:t>Executor</a:t>
+            </a:r>
+            <a:endParaRPr lang="zh-CN" altLang="en-US" dirty="0">
+              <a:solidFill>
+                <a:schemeClr val="tx1"/>
+              </a:solidFill>
+            </a:endParaRPr>
+          </a:p>
+        </p:txBody>
+      </p:sp>
+      <p:sp>
+        <p:nvSpPr>
+          <p:cNvPr id="55" name="矩形 54">
+            <a:extLst>
+              <a:ext uri="{FF2B5EF4-FFF2-40B4-BE49-F238E27FC236}">
+                <a16:creationId xmlns:a16="http://schemas.microsoft.com/office/drawing/2014/main" id="{5BA5DD18-869B-4591-AD2D-F928D5E9120E}"/>
+              </a:ext>
+            </a:extLst>
+          </p:cNvPr>
+          <p:cNvSpPr/>
+          <p:nvPr/>
+        </p:nvSpPr>
+        <p:spPr>
+          <a:xfrm>
+            <a:off x="182216" y="4878864"/>
+            <a:ext cx="1311965" cy="507680"/>
+          </a:xfrm>
+          <a:prstGeom prst="rect">
+            <a:avLst/>
+          </a:prstGeom>
+          <a:noFill/>
+        </p:spPr>
+        <p:style>
+          <a:lnRef idx="2">
+            <a:schemeClr val="accent1">
+              <a:shade val="50000"/>
+            </a:schemeClr>
+          </a:lnRef>
+          <a:fillRef idx="1">
+            <a:schemeClr val="accent1"/>
+          </a:fillRef>
+          <a:effectRef idx="0">
+            <a:schemeClr val="accent1"/>
+          </a:effectRef>
+          <a:fontRef idx="minor">
+            <a:schemeClr val="lt1"/>
+          </a:fontRef>
+        </p:style>
+        <p:txBody>
+          <a:bodyPr rtlCol="0" anchor="ctr"/>
+          <a:lstStyle/>
+          <a:p>
+            <a:pPr algn="ctr"/>
+            <a:r>
+              <a:rPr lang="en-US" altLang="zh-CN" dirty="0">
+                <a:solidFill>
+                  <a:schemeClr val="tx1"/>
+                </a:solidFill>
+              </a:rPr>
+              <a:t>Wrap</a:t>
+            </a:r>
+          </a:p>
+          <a:p>
+            <a:pPr algn="ctr"/>
+            <a:r>
+              <a:rPr lang="en-US" altLang="zh-CN" dirty="0">
+                <a:solidFill>
+                  <a:schemeClr val="tx1"/>
+                </a:solidFill>
+              </a:rPr>
+              <a:t>Waker</a:t>
+            </a:r>
+            <a:endParaRPr lang="zh-CN" altLang="en-US" dirty="0">
+              <a:solidFill>
+                <a:schemeClr val="tx1"/>
+              </a:solidFill>
+            </a:endParaRPr>
+          </a:p>
+        </p:txBody>
+      </p:sp>
+      <p:sp>
+        <p:nvSpPr>
+          <p:cNvPr id="56" name="椭圆 55">
+            <a:extLst>
+              <a:ext uri="{FF2B5EF4-FFF2-40B4-BE49-F238E27FC236}">
+                <a16:creationId xmlns:a16="http://schemas.microsoft.com/office/drawing/2014/main" id="{681BC64B-46B9-4D6C-AF3B-03B845A9E50A}"/>
+              </a:ext>
+            </a:extLst>
+          </p:cNvPr>
+          <p:cNvSpPr/>
+          <p:nvPr/>
+        </p:nvSpPr>
+        <p:spPr>
+          <a:xfrm>
+            <a:off x="2756450" y="4565906"/>
+            <a:ext cx="2534478" cy="1170289"/>
+          </a:xfrm>
+          <a:prstGeom prst="ellipse">
+            <a:avLst/>
+          </a:prstGeom>
+          <a:solidFill>
+            <a:schemeClr val="accent2">
+              <a:lumMod val="75000"/>
+            </a:schemeClr>
+          </a:solidFill>
+        </p:spPr>
+        <p:style>
+          <a:lnRef idx="2">
+            <a:schemeClr val="accent1">
+              <a:shade val="50000"/>
+            </a:schemeClr>
+          </a:lnRef>
+          <a:fillRef idx="1">
+            <a:schemeClr val="accent1"/>
+          </a:fillRef>
+          <a:effectRef idx="0">
+            <a:schemeClr val="accent1"/>
+          </a:effectRef>
+          <a:fontRef idx="minor">
+            <a:schemeClr val="lt1"/>
+          </a:fontRef>
+        </p:style>
+        <p:txBody>
+          <a:bodyPr rtlCol="0" anchor="ctr"/>
+          <a:lstStyle/>
+          <a:p>
+            <a:pPr algn="ctr"/>
+            <a:endParaRPr lang="zh-CN" altLang="en-US" dirty="0"/>
+          </a:p>
+        </p:txBody>
+      </p:sp>
+      <p:sp>
+        <p:nvSpPr>
+          <p:cNvPr id="58" name="椭圆 57">
+            <a:extLst>
+              <a:ext uri="{FF2B5EF4-FFF2-40B4-BE49-F238E27FC236}">
+                <a16:creationId xmlns:a16="http://schemas.microsoft.com/office/drawing/2014/main" id="{2F00B38D-4D23-4214-B440-B45BC5D208DC}"/>
+              </a:ext>
+            </a:extLst>
+          </p:cNvPr>
+          <p:cNvSpPr/>
+          <p:nvPr/>
+        </p:nvSpPr>
+        <p:spPr>
+          <a:xfrm>
+            <a:off x="3452193" y="5252281"/>
+            <a:ext cx="1192695" cy="465953"/>
+          </a:xfrm>
+          <a:prstGeom prst="ellipse">
+            <a:avLst/>
+          </a:prstGeom>
+        </p:spPr>
+        <p:style>
+          <a:lnRef idx="2">
+            <a:schemeClr val="dk1">
+              <a:shade val="50000"/>
+            </a:schemeClr>
+          </a:lnRef>
+          <a:fillRef idx="1">
+            <a:schemeClr val="dk1"/>
+          </a:fillRef>
+          <a:effectRef idx="0">
+            <a:schemeClr val="dk1"/>
+          </a:effectRef>
+          <a:fontRef idx="minor">
+            <a:schemeClr val="lt1"/>
+          </a:fontRef>
+        </p:style>
+        <p:txBody>
+          <a:bodyPr rtlCol="0" anchor="ctr"/>
+          <a:lstStyle/>
+          <a:p>
+            <a:pPr algn="ctr"/>
+            <a:r>
+              <a:rPr lang="en-US" altLang="zh-CN" dirty="0"/>
+              <a:t>Waker</a:t>
+            </a:r>
+            <a:endParaRPr lang="zh-CN" altLang="en-US" dirty="0"/>
+          </a:p>
+        </p:txBody>
+      </p:sp>
+      <p:sp>
+        <p:nvSpPr>
+          <p:cNvPr id="59" name="文本框 58">
+            <a:extLst>
+              <a:ext uri="{FF2B5EF4-FFF2-40B4-BE49-F238E27FC236}">
+                <a16:creationId xmlns:a16="http://schemas.microsoft.com/office/drawing/2014/main" id="{1220853B-9330-43A3-8B07-7A9F42F7A8B9}"/>
+              </a:ext>
+            </a:extLst>
+          </p:cNvPr>
+          <p:cNvSpPr txBox="1"/>
+          <p:nvPr/>
+        </p:nvSpPr>
+        <p:spPr>
+          <a:xfrm>
+            <a:off x="3349487" y="4763372"/>
+            <a:ext cx="1381539" cy="369332"/>
+          </a:xfrm>
+          <a:prstGeom prst="rect">
+            <a:avLst/>
+          </a:prstGeom>
+          <a:noFill/>
+        </p:spPr>
+        <p:txBody>
+          <a:bodyPr wrap="square" rtlCol="0">
+            <a:spAutoFit/>
+          </a:bodyPr>
+          <a:lstStyle/>
+          <a:p>
+            <a:pPr algn="ctr"/>
+            <a:r>
+              <a:rPr lang="en-US" altLang="zh-CN" dirty="0"/>
+              <a:t>Context</a:t>
+            </a:r>
+            <a:endParaRPr lang="zh-CN" altLang="en-US" dirty="0"/>
+          </a:p>
+        </p:txBody>
+      </p:sp>
+      <p:cxnSp>
+        <p:nvCxnSpPr>
+          <p:cNvPr id="61" name="直接箭头连接符 60">
+            <a:extLst>
+              <a:ext uri="{FF2B5EF4-FFF2-40B4-BE49-F238E27FC236}">
+                <a16:creationId xmlns:a16="http://schemas.microsoft.com/office/drawing/2014/main" id="{67ADED0E-D84C-4365-88E0-F1FF7DF311D0}"/>
+              </a:ext>
+            </a:extLst>
+          </p:cNvPr>
+          <p:cNvCxnSpPr>
+            <a:stCxn id="55" idx="3"/>
+            <a:endCxn id="56" idx="2"/>
+          </p:cNvCxnSpPr>
+          <p:nvPr/>
+        </p:nvCxnSpPr>
+        <p:spPr>
+          <a:xfrm>
+            <a:off x="1494181" y="5132704"/>
+            <a:ext cx="1262269" cy="18347"/>
+          </a:xfrm>
+          <a:prstGeom prst="straightConnector1">
+            <a:avLst/>
+          </a:prstGeom>
+          <a:ln>
+            <a:tailEnd type="triangle"/>
+          </a:ln>
+        </p:spPr>
+        <p:style>
+          <a:lnRef idx="1">
+            <a:schemeClr val="accent1"/>
+          </a:lnRef>
+          <a:fillRef idx="0">
+            <a:schemeClr val="accent1"/>
+          </a:fillRef>
+          <a:effectRef idx="0">
+            <a:schemeClr val="accent1"/>
+          </a:effectRef>
+          <a:fontRef idx="minor">
+            <a:schemeClr val="tx1"/>
+          </a:fontRef>
+        </p:style>
+      </p:cxnSp>
+      <p:cxnSp>
+        <p:nvCxnSpPr>
+          <p:cNvPr id="65" name="直接连接符 64">
+            <a:extLst>
+              <a:ext uri="{FF2B5EF4-FFF2-40B4-BE49-F238E27FC236}">
+                <a16:creationId xmlns:a16="http://schemas.microsoft.com/office/drawing/2014/main" id="{4D324F17-B9C7-4EC3-8813-25327DF2E248}"/>
+              </a:ext>
+            </a:extLst>
+          </p:cNvPr>
+          <p:cNvCxnSpPr>
+            <a:cxnSpLocks/>
+            <a:endCxn id="9" idx="0"/>
+          </p:cNvCxnSpPr>
+          <p:nvPr/>
+        </p:nvCxnSpPr>
+        <p:spPr>
+          <a:xfrm>
+            <a:off x="838199" y="661565"/>
+            <a:ext cx="2" cy="1405771"/>
+          </a:xfrm>
+          <a:prstGeom prst="line">
+            <a:avLst/>
+          </a:prstGeom>
+          <a:ln>
+            <a:prstDash val="lgDash"/>
+          </a:ln>
+        </p:spPr>
+        <p:style>
+          <a:lnRef idx="1">
+            <a:schemeClr val="accent1"/>
+          </a:lnRef>
+          <a:fillRef idx="0">
+            <a:schemeClr val="accent1"/>
+          </a:fillRef>
+          <a:effectRef idx="0">
+            <a:schemeClr val="accent1"/>
+          </a:effectRef>
+          <a:fontRef idx="minor">
+            <a:schemeClr val="tx1"/>
+          </a:fontRef>
+        </p:style>
+      </p:cxnSp>
+      <p:cxnSp>
+        <p:nvCxnSpPr>
+          <p:cNvPr id="67" name="直接连接符 66">
+            <a:extLst>
+              <a:ext uri="{FF2B5EF4-FFF2-40B4-BE49-F238E27FC236}">
+                <a16:creationId xmlns:a16="http://schemas.microsoft.com/office/drawing/2014/main" id="{EEBB79D2-454F-4B31-B86E-21F5A1DFAF07}"/>
+              </a:ext>
+            </a:extLst>
+          </p:cNvPr>
+          <p:cNvCxnSpPr>
+            <a:stCxn id="9" idx="2"/>
+            <a:endCxn id="13" idx="0"/>
+          </p:cNvCxnSpPr>
+          <p:nvPr/>
+        </p:nvCxnSpPr>
+        <p:spPr>
+          <a:xfrm flipH="1">
+            <a:off x="838200" y="2405256"/>
+            <a:ext cx="1" cy="655212"/>
+          </a:xfrm>
+          <a:prstGeom prst="line">
+            <a:avLst/>
+          </a:prstGeom>
+          <a:ln>
+            <a:prstDash val="lgDash"/>
+          </a:ln>
+        </p:spPr>
+        <p:style>
+          <a:lnRef idx="1">
+            <a:schemeClr val="accent1"/>
+          </a:lnRef>
+          <a:fillRef idx="0">
+            <a:schemeClr val="accent1"/>
+          </a:fillRef>
+          <a:effectRef idx="0">
+            <a:schemeClr val="accent1"/>
+          </a:effectRef>
+          <a:fontRef idx="minor">
+            <a:schemeClr val="tx1"/>
+          </a:fontRef>
+        </p:style>
+      </p:cxnSp>
+      <p:cxnSp>
+        <p:nvCxnSpPr>
+          <p:cNvPr id="69" name="直接连接符 68">
+            <a:extLst>
+              <a:ext uri="{FF2B5EF4-FFF2-40B4-BE49-F238E27FC236}">
+                <a16:creationId xmlns:a16="http://schemas.microsoft.com/office/drawing/2014/main" id="{FFF62EFB-2A11-43F3-A20A-1B9359520B4E}"/>
+              </a:ext>
+            </a:extLst>
+          </p:cNvPr>
+          <p:cNvCxnSpPr>
+            <a:cxnSpLocks/>
+            <a:stCxn id="13" idx="2"/>
+            <a:endCxn id="55" idx="0"/>
+          </p:cNvCxnSpPr>
+          <p:nvPr/>
+        </p:nvCxnSpPr>
+        <p:spPr>
+          <a:xfrm flipH="1">
+            <a:off x="838199" y="3568148"/>
+            <a:ext cx="1" cy="1310716"/>
+          </a:xfrm>
+          <a:prstGeom prst="line">
+            <a:avLst/>
+          </a:prstGeom>
+          <a:ln>
+            <a:prstDash val="lgDash"/>
+          </a:ln>
+        </p:spPr>
+        <p:style>
+          <a:lnRef idx="1">
+            <a:schemeClr val="accent1"/>
+          </a:lnRef>
+          <a:fillRef idx="0">
+            <a:schemeClr val="accent1"/>
+          </a:fillRef>
+          <a:effectRef idx="0">
+            <a:schemeClr val="accent1"/>
+          </a:effectRef>
+          <a:fontRef idx="minor">
+            <a:schemeClr val="tx1"/>
+          </a:fontRef>
+        </p:style>
+      </p:cxnSp>
+      <p:cxnSp>
+        <p:nvCxnSpPr>
+          <p:cNvPr id="71" name="直接连接符 70">
+            <a:extLst>
+              <a:ext uri="{FF2B5EF4-FFF2-40B4-BE49-F238E27FC236}">
+                <a16:creationId xmlns:a16="http://schemas.microsoft.com/office/drawing/2014/main" id="{145F96CB-C060-48B9-B93B-2F9D5C24BD2E}"/>
+              </a:ext>
+            </a:extLst>
+          </p:cNvPr>
+          <p:cNvCxnSpPr>
+            <a:stCxn id="55" idx="2"/>
+          </p:cNvCxnSpPr>
+          <p:nvPr/>
+        </p:nvCxnSpPr>
+        <p:spPr>
+          <a:xfrm flipH="1">
+            <a:off x="821632" y="5386544"/>
+            <a:ext cx="16567" cy="1342247"/>
+          </a:xfrm>
+          <a:prstGeom prst="line">
+            <a:avLst/>
+          </a:prstGeom>
+          <a:ln>
+            <a:prstDash val="lgDash"/>
+          </a:ln>
+        </p:spPr>
+        <p:style>
+          <a:lnRef idx="1">
+            <a:schemeClr val="accent1"/>
+          </a:lnRef>
+          <a:fillRef idx="0">
+            <a:schemeClr val="accent1"/>
+          </a:fillRef>
+          <a:effectRef idx="0">
+            <a:schemeClr val="accent1"/>
+          </a:effectRef>
+          <a:fontRef idx="minor">
+            <a:schemeClr val="tx1"/>
+          </a:fontRef>
+        </p:style>
+      </p:cxnSp>
+      <p:sp>
+        <p:nvSpPr>
+          <p:cNvPr id="76" name="文本框 75">
+            <a:extLst>
+              <a:ext uri="{FF2B5EF4-FFF2-40B4-BE49-F238E27FC236}">
+                <a16:creationId xmlns:a16="http://schemas.microsoft.com/office/drawing/2014/main" id="{21DB8D24-BDF2-4E26-B5E7-5AC9B3FAE516}"/>
+              </a:ext>
+            </a:extLst>
+          </p:cNvPr>
+          <p:cNvSpPr txBox="1"/>
+          <p:nvPr/>
+        </p:nvSpPr>
+        <p:spPr>
+          <a:xfrm>
+            <a:off x="182215" y="188843"/>
+            <a:ext cx="1311965" cy="369332"/>
+          </a:xfrm>
+          <a:prstGeom prst="rect">
+            <a:avLst/>
+          </a:prstGeom>
+          <a:noFill/>
+        </p:spPr>
+        <p:txBody>
+          <a:bodyPr wrap="square" rtlCol="0">
+            <a:spAutoFit/>
+          </a:bodyPr>
+          <a:lstStyle/>
+          <a:p>
+            <a:pPr algn="ctr"/>
+            <a:r>
+              <a:rPr lang="en-US" altLang="zh-CN" dirty="0"/>
+              <a:t>Timeline</a:t>
+            </a:r>
+            <a:endParaRPr lang="zh-CN" altLang="en-US" dirty="0"/>
+          </a:p>
+        </p:txBody>
+      </p:sp>
+    </p:spTree>
+    <p:extLst>
+      <p:ext uri="{BB962C8B-B14F-4D97-AF65-F5344CB8AC3E}">
+        <p14:creationId xmlns:p14="http://schemas.microsoft.com/office/powerpoint/2010/main" val="3577714808"/>
+      </p:ext>
+    </p:extLst>
+  </p:cSld>
+  <p:clrMapOvr>
+    <a:masterClrMapping/>
+  </p:clrMapOvr>
+</p:sld>
+</file>
+
+<file path=ppt/slides/slide17.xml><?xml version="1.0" encoding="utf-8"?>
+<p:sld xmlns:a="http://schemas.openxmlformats.org/drawingml/2006/main" xmlns:r="http://schemas.openxmlformats.org/officeDocument/2006/relationships" xmlns:p="http://schemas.openxmlformats.org/presentationml/2006/main">
+  <p:cSld>
+    <p:spTree>
+      <p:nvGrpSpPr>
+        <p:cNvPr id="1" name=""/>
+        <p:cNvGrpSpPr/>
+        <p:nvPr/>
+      </p:nvGrpSpPr>
+      <p:grpSpPr>
+        <a:xfrm>
+          <a:off x="0" y="0"/>
+          <a:ext cx="0" cy="0"/>
+          <a:chOff x="0" y="0"/>
+          <a:chExt cx="0" cy="0"/>
+        </a:xfrm>
+      </p:grpSpPr>
+      <p:sp>
+        <p:nvSpPr>
+          <p:cNvPr id="2" name="矩形 1">
+            <a:extLst>
+              <a:ext uri="{FF2B5EF4-FFF2-40B4-BE49-F238E27FC236}">
+                <a16:creationId xmlns:a16="http://schemas.microsoft.com/office/drawing/2014/main" id="{9A1497A2-EBD3-4B62-A9A2-FBF00B986AB3}"/>
+              </a:ext>
+            </a:extLst>
+          </p:cNvPr>
+          <p:cNvSpPr/>
+          <p:nvPr/>
+        </p:nvSpPr>
+        <p:spPr>
+          <a:xfrm>
+            <a:off x="4939748" y="665922"/>
+            <a:ext cx="2047461" cy="407504"/>
+          </a:xfrm>
+          <a:prstGeom prst="rect">
+            <a:avLst/>
+          </a:prstGeom>
+          <a:solidFill>
+            <a:schemeClr val="accent6"/>
+          </a:solidFill>
+        </p:spPr>
+        <p:style>
+          <a:lnRef idx="2">
+            <a:schemeClr val="accent1">
+              <a:shade val="50000"/>
+            </a:schemeClr>
+          </a:lnRef>
+          <a:fillRef idx="1">
+            <a:schemeClr val="accent1"/>
+          </a:fillRef>
+          <a:effectRef idx="0">
+            <a:schemeClr val="accent1"/>
+          </a:effectRef>
+          <a:fontRef idx="minor">
+            <a:schemeClr val="lt1"/>
+          </a:fontRef>
+        </p:style>
+        <p:txBody>
+          <a:bodyPr rtlCol="0" anchor="ctr"/>
+          <a:lstStyle/>
+          <a:p>
+            <a:pPr algn="ctr"/>
+            <a:r>
+              <a:rPr lang="en-US" altLang="zh-CN" dirty="0"/>
+              <a:t>Executor</a:t>
+            </a:r>
+            <a:endParaRPr lang="zh-CN" altLang="en-US" dirty="0"/>
+          </a:p>
+        </p:txBody>
+      </p:sp>
+      <p:sp>
+        <p:nvSpPr>
+          <p:cNvPr id="4" name="矩形 3">
+            <a:extLst>
+              <a:ext uri="{FF2B5EF4-FFF2-40B4-BE49-F238E27FC236}">
+                <a16:creationId xmlns:a16="http://schemas.microsoft.com/office/drawing/2014/main" id="{E4AB789D-EF50-4DFB-96B2-A69582EF3902}"/>
+              </a:ext>
+            </a:extLst>
+          </p:cNvPr>
+          <p:cNvSpPr/>
+          <p:nvPr/>
+        </p:nvSpPr>
+        <p:spPr>
+          <a:xfrm>
+            <a:off x="5516217" y="1490870"/>
+            <a:ext cx="894522" cy="337931"/>
+          </a:xfrm>
+          <a:prstGeom prst="rect">
+            <a:avLst/>
+          </a:prstGeom>
+          <a:solidFill>
+            <a:srgbClr val="FF0000"/>
+          </a:solidFill>
+        </p:spPr>
+        <p:style>
+          <a:lnRef idx="2">
+            <a:schemeClr val="accent1">
+              <a:shade val="50000"/>
+            </a:schemeClr>
+          </a:lnRef>
+          <a:fillRef idx="1">
+            <a:schemeClr val="accent1"/>
+          </a:fillRef>
+          <a:effectRef idx="0">
+            <a:schemeClr val="accent1"/>
+          </a:effectRef>
+          <a:fontRef idx="minor">
+            <a:schemeClr val="lt1"/>
+          </a:fontRef>
+        </p:style>
+        <p:txBody>
+          <a:bodyPr rtlCol="0" anchor="ctr"/>
+          <a:lstStyle/>
+          <a:p>
+            <a:pPr algn="ctr"/>
+            <a:r>
+              <a:rPr lang="en-US" altLang="zh-CN" dirty="0"/>
+              <a:t>Root</a:t>
+            </a:r>
+            <a:endParaRPr lang="zh-CN" altLang="en-US" dirty="0"/>
+          </a:p>
+        </p:txBody>
+      </p:sp>
+      <p:cxnSp>
+        <p:nvCxnSpPr>
+          <p:cNvPr id="6" name="直接箭头连接符 5">
+            <a:extLst>
+              <a:ext uri="{FF2B5EF4-FFF2-40B4-BE49-F238E27FC236}">
+                <a16:creationId xmlns:a16="http://schemas.microsoft.com/office/drawing/2014/main" id="{CFD18B37-CCBB-41BB-A252-796AEA72B9D4}"/>
+              </a:ext>
+            </a:extLst>
+          </p:cNvPr>
+          <p:cNvCxnSpPr>
+            <a:stCxn id="2" idx="2"/>
+            <a:endCxn id="4" idx="0"/>
+          </p:cNvCxnSpPr>
+          <p:nvPr/>
+        </p:nvCxnSpPr>
+        <p:spPr>
+          <a:xfrm flipH="1">
+            <a:off x="5963478" y="1073426"/>
+            <a:ext cx="1" cy="417444"/>
+          </a:xfrm>
+          <a:prstGeom prst="straightConnector1">
+            <a:avLst/>
+          </a:prstGeom>
+          <a:ln>
+            <a:tailEnd type="triangle"/>
+          </a:ln>
+        </p:spPr>
+        <p:style>
+          <a:lnRef idx="1">
+            <a:schemeClr val="accent1"/>
+          </a:lnRef>
+          <a:fillRef idx="0">
+            <a:schemeClr val="accent1"/>
+          </a:fillRef>
+          <a:effectRef idx="0">
+            <a:schemeClr val="accent1"/>
+          </a:effectRef>
+          <a:fontRef idx="minor">
+            <a:schemeClr val="tx1"/>
+          </a:fontRef>
+        </p:style>
+      </p:cxnSp>
+      <p:sp>
+        <p:nvSpPr>
+          <p:cNvPr id="7" name="文本框 6">
+            <a:extLst>
+              <a:ext uri="{FF2B5EF4-FFF2-40B4-BE49-F238E27FC236}">
+                <a16:creationId xmlns:a16="http://schemas.microsoft.com/office/drawing/2014/main" id="{E6C81457-A472-444D-9BFE-CA52E95D3625}"/>
+              </a:ext>
+            </a:extLst>
+          </p:cNvPr>
+          <p:cNvSpPr txBox="1"/>
+          <p:nvPr/>
+        </p:nvSpPr>
+        <p:spPr>
+          <a:xfrm>
+            <a:off x="5387015" y="1117360"/>
+            <a:ext cx="1152926" cy="369332"/>
+          </a:xfrm>
+          <a:prstGeom prst="rect">
+            <a:avLst/>
+          </a:prstGeom>
+          <a:noFill/>
+        </p:spPr>
+        <p:txBody>
+          <a:bodyPr wrap="square" rtlCol="0">
+            <a:spAutoFit/>
+          </a:bodyPr>
+          <a:lstStyle/>
+          <a:p>
+            <a:r>
+              <a:rPr lang="en-US" altLang="zh-CN" dirty="0"/>
+              <a:t>poll(cx)</a:t>
+            </a:r>
+            <a:endParaRPr lang="zh-CN" altLang="en-US" dirty="0"/>
+          </a:p>
+        </p:txBody>
+      </p:sp>
+      <p:sp>
+        <p:nvSpPr>
+          <p:cNvPr id="8" name="文本框 7">
+            <a:extLst>
+              <a:ext uri="{FF2B5EF4-FFF2-40B4-BE49-F238E27FC236}">
+                <a16:creationId xmlns:a16="http://schemas.microsoft.com/office/drawing/2014/main" id="{179D1016-A305-48D3-9FF6-300DCADFDFEB}"/>
+              </a:ext>
+            </a:extLst>
+          </p:cNvPr>
+          <p:cNvSpPr txBox="1"/>
+          <p:nvPr/>
+        </p:nvSpPr>
+        <p:spPr>
+          <a:xfrm>
+            <a:off x="8328991" y="795130"/>
+            <a:ext cx="755374" cy="369332"/>
+          </a:xfrm>
+          <a:prstGeom prst="rect">
+            <a:avLst/>
+          </a:prstGeom>
+          <a:noFill/>
+        </p:spPr>
+        <p:txBody>
+          <a:bodyPr wrap="square" rtlCol="0">
+            <a:spAutoFit/>
+          </a:bodyPr>
+          <a:lstStyle/>
+          <a:p>
+            <a:r>
+              <a:rPr lang="en-US" altLang="zh-CN" dirty="0"/>
+              <a:t>cx =</a:t>
+            </a:r>
+            <a:endParaRPr lang="zh-CN" altLang="en-US" dirty="0"/>
+          </a:p>
+        </p:txBody>
+      </p:sp>
+      <p:sp>
+        <p:nvSpPr>
+          <p:cNvPr id="10" name="椭圆 9">
+            <a:extLst>
+              <a:ext uri="{FF2B5EF4-FFF2-40B4-BE49-F238E27FC236}">
+                <a16:creationId xmlns:a16="http://schemas.microsoft.com/office/drawing/2014/main" id="{EEFD5290-96AA-46F6-83D1-ACF6532DC7A2}"/>
+              </a:ext>
+            </a:extLst>
+          </p:cNvPr>
+          <p:cNvSpPr/>
+          <p:nvPr/>
+        </p:nvSpPr>
+        <p:spPr>
+          <a:xfrm>
+            <a:off x="8988285" y="394651"/>
+            <a:ext cx="2534478" cy="1170289"/>
+          </a:xfrm>
+          <a:prstGeom prst="ellipse">
+            <a:avLst/>
+          </a:prstGeom>
+          <a:solidFill>
+            <a:schemeClr val="accent2">
+              <a:lumMod val="75000"/>
+            </a:schemeClr>
+          </a:solidFill>
+        </p:spPr>
+        <p:style>
+          <a:lnRef idx="2">
+            <a:schemeClr val="accent1">
+              <a:shade val="50000"/>
+            </a:schemeClr>
+          </a:lnRef>
+          <a:fillRef idx="1">
+            <a:schemeClr val="accent1"/>
+          </a:fillRef>
+          <a:effectRef idx="0">
+            <a:schemeClr val="accent1"/>
+          </a:effectRef>
+          <a:fontRef idx="minor">
+            <a:schemeClr val="lt1"/>
+          </a:fontRef>
+        </p:style>
+        <p:txBody>
+          <a:bodyPr rtlCol="0" anchor="ctr"/>
+          <a:lstStyle/>
+          <a:p>
+            <a:pPr algn="ctr"/>
+            <a:endParaRPr lang="zh-CN" altLang="en-US" dirty="0"/>
+          </a:p>
+        </p:txBody>
+      </p:sp>
+      <p:sp>
+        <p:nvSpPr>
+          <p:cNvPr id="12" name="文本框 11">
+            <a:extLst>
+              <a:ext uri="{FF2B5EF4-FFF2-40B4-BE49-F238E27FC236}">
+                <a16:creationId xmlns:a16="http://schemas.microsoft.com/office/drawing/2014/main" id="{3427B79A-BD05-4E01-B84D-ACD118BE7516}"/>
+              </a:ext>
+            </a:extLst>
+          </p:cNvPr>
+          <p:cNvSpPr txBox="1"/>
+          <p:nvPr/>
+        </p:nvSpPr>
+        <p:spPr>
+          <a:xfrm>
+            <a:off x="9564747" y="748028"/>
+            <a:ext cx="1381539" cy="369332"/>
+          </a:xfrm>
+          <a:prstGeom prst="rect">
+            <a:avLst/>
+          </a:prstGeom>
+          <a:noFill/>
+        </p:spPr>
+        <p:txBody>
+          <a:bodyPr wrap="square" rtlCol="0">
+            <a:spAutoFit/>
+          </a:bodyPr>
+          <a:lstStyle/>
+          <a:p>
+            <a:pPr algn="ctr"/>
+            <a:r>
+              <a:rPr lang="en-US" altLang="zh-CN" dirty="0"/>
+              <a:t>Context</a:t>
+            </a:r>
+            <a:endParaRPr lang="zh-CN" altLang="en-US" dirty="0"/>
+          </a:p>
+        </p:txBody>
+      </p:sp>
+      <p:sp>
+        <p:nvSpPr>
+          <p:cNvPr id="14" name="矩形 13">
+            <a:extLst>
+              <a:ext uri="{FF2B5EF4-FFF2-40B4-BE49-F238E27FC236}">
+                <a16:creationId xmlns:a16="http://schemas.microsoft.com/office/drawing/2014/main" id="{1C4D05AC-7A81-4CF8-BDCD-FDBD560CE3BC}"/>
+              </a:ext>
+            </a:extLst>
+          </p:cNvPr>
+          <p:cNvSpPr/>
+          <p:nvPr/>
+        </p:nvSpPr>
+        <p:spPr>
+          <a:xfrm>
+            <a:off x="5123621" y="2237099"/>
+            <a:ext cx="1679713" cy="377687"/>
+          </a:xfrm>
+          <a:prstGeom prst="rect">
+            <a:avLst/>
+          </a:prstGeom>
+        </p:spPr>
+        <p:style>
+          <a:lnRef idx="2">
+            <a:schemeClr val="accent1">
+              <a:shade val="50000"/>
+            </a:schemeClr>
+          </a:lnRef>
+          <a:fillRef idx="1">
+            <a:schemeClr val="accent1"/>
+          </a:fillRef>
+          <a:effectRef idx="0">
+            <a:schemeClr val="accent1"/>
+          </a:effectRef>
+          <a:fontRef idx="minor">
+            <a:schemeClr val="lt1"/>
+          </a:fontRef>
+        </p:style>
+        <p:txBody>
+          <a:bodyPr rtlCol="0" anchor="ctr"/>
+          <a:lstStyle/>
+          <a:p>
+            <a:pPr algn="ctr"/>
+            <a:r>
+              <a:rPr lang="en-US" altLang="zh-CN" dirty="0"/>
+              <a:t>Mid-level</a:t>
+            </a:r>
+            <a:endParaRPr lang="zh-CN" altLang="en-US" dirty="0"/>
+          </a:p>
+        </p:txBody>
+      </p:sp>
+      <p:cxnSp>
+        <p:nvCxnSpPr>
+          <p:cNvPr id="16" name="直接箭头连接符 15">
+            <a:extLst>
+              <a:ext uri="{FF2B5EF4-FFF2-40B4-BE49-F238E27FC236}">
+                <a16:creationId xmlns:a16="http://schemas.microsoft.com/office/drawing/2014/main" id="{F0D246DE-E3B5-4B4C-98DF-35C9B651BA2E}"/>
+              </a:ext>
+            </a:extLst>
+          </p:cNvPr>
+          <p:cNvCxnSpPr>
+            <a:stCxn id="4" idx="2"/>
+            <a:endCxn id="14" idx="0"/>
+          </p:cNvCxnSpPr>
+          <p:nvPr/>
+        </p:nvCxnSpPr>
+        <p:spPr>
+          <a:xfrm>
+            <a:off x="5963478" y="1828801"/>
+            <a:ext cx="0" cy="408298"/>
+          </a:xfrm>
+          <a:prstGeom prst="straightConnector1">
+            <a:avLst/>
+          </a:prstGeom>
+          <a:ln>
+            <a:tailEnd type="triangle"/>
+          </a:ln>
+        </p:spPr>
+        <p:style>
+          <a:lnRef idx="1">
+            <a:schemeClr val="accent1"/>
+          </a:lnRef>
+          <a:fillRef idx="0">
+            <a:schemeClr val="accent1"/>
+          </a:fillRef>
+          <a:effectRef idx="0">
+            <a:schemeClr val="accent1"/>
+          </a:effectRef>
+          <a:fontRef idx="minor">
+            <a:schemeClr val="tx1"/>
+          </a:fontRef>
+        </p:style>
+      </p:cxnSp>
+      <p:sp>
+        <p:nvSpPr>
+          <p:cNvPr id="18" name="文本框 17">
+            <a:extLst>
+              <a:ext uri="{FF2B5EF4-FFF2-40B4-BE49-F238E27FC236}">
+                <a16:creationId xmlns:a16="http://schemas.microsoft.com/office/drawing/2014/main" id="{188DFA77-0406-4D5E-8F49-431BD63CE1AC}"/>
+              </a:ext>
+            </a:extLst>
+          </p:cNvPr>
+          <p:cNvSpPr txBox="1"/>
+          <p:nvPr/>
+        </p:nvSpPr>
+        <p:spPr>
+          <a:xfrm>
+            <a:off x="5387015" y="1797400"/>
+            <a:ext cx="1152926" cy="369332"/>
+          </a:xfrm>
+          <a:prstGeom prst="rect">
+            <a:avLst/>
+          </a:prstGeom>
+          <a:noFill/>
+        </p:spPr>
+        <p:txBody>
+          <a:bodyPr wrap="square" rtlCol="0">
+            <a:spAutoFit/>
+          </a:bodyPr>
+          <a:lstStyle/>
+          <a:p>
+            <a:r>
+              <a:rPr lang="en-US" altLang="zh-CN" dirty="0"/>
+              <a:t>poll(cx)</a:t>
+            </a:r>
+            <a:endParaRPr lang="zh-CN" altLang="en-US" dirty="0"/>
+          </a:p>
+        </p:txBody>
+      </p:sp>
+      <p:sp>
+        <p:nvSpPr>
+          <p:cNvPr id="21" name="矩形 20">
+            <a:extLst>
+              <a:ext uri="{FF2B5EF4-FFF2-40B4-BE49-F238E27FC236}">
+                <a16:creationId xmlns:a16="http://schemas.microsoft.com/office/drawing/2014/main" id="{BCAEF752-6D17-4D6D-BFE2-77857AF060C0}"/>
+              </a:ext>
+            </a:extLst>
+          </p:cNvPr>
+          <p:cNvSpPr/>
+          <p:nvPr/>
+        </p:nvSpPr>
+        <p:spPr>
+          <a:xfrm>
+            <a:off x="5123621" y="3051313"/>
+            <a:ext cx="1679713" cy="377687"/>
+          </a:xfrm>
+          <a:prstGeom prst="rect">
+            <a:avLst/>
+          </a:prstGeom>
+        </p:spPr>
+        <p:style>
+          <a:lnRef idx="2">
+            <a:schemeClr val="accent1">
+              <a:shade val="50000"/>
+            </a:schemeClr>
+          </a:lnRef>
+          <a:fillRef idx="1">
+            <a:schemeClr val="accent1"/>
+          </a:fillRef>
+          <a:effectRef idx="0">
+            <a:schemeClr val="accent1"/>
+          </a:effectRef>
+          <a:fontRef idx="minor">
+            <a:schemeClr val="lt1"/>
+          </a:fontRef>
+        </p:style>
+        <p:txBody>
+          <a:bodyPr rtlCol="0" anchor="ctr"/>
+          <a:lstStyle/>
+          <a:p>
+            <a:pPr algn="ctr"/>
+            <a:r>
+              <a:rPr lang="en-US" altLang="zh-CN" dirty="0"/>
+              <a:t>Mid-level</a:t>
+            </a:r>
+            <a:endParaRPr lang="zh-CN" altLang="en-US" dirty="0"/>
+          </a:p>
+        </p:txBody>
+      </p:sp>
+      <p:cxnSp>
+        <p:nvCxnSpPr>
+          <p:cNvPr id="23" name="直接箭头连接符 22">
+            <a:extLst>
+              <a:ext uri="{FF2B5EF4-FFF2-40B4-BE49-F238E27FC236}">
+                <a16:creationId xmlns:a16="http://schemas.microsoft.com/office/drawing/2014/main" id="{43D21F83-7B78-421E-8803-C1BA9948DE80}"/>
+              </a:ext>
+            </a:extLst>
+          </p:cNvPr>
+          <p:cNvCxnSpPr>
+            <a:stCxn id="14" idx="2"/>
+            <a:endCxn id="21" idx="0"/>
+          </p:cNvCxnSpPr>
+          <p:nvPr/>
+        </p:nvCxnSpPr>
+        <p:spPr>
+          <a:xfrm>
+            <a:off x="5963478" y="2614786"/>
+            <a:ext cx="0" cy="436527"/>
+          </a:xfrm>
+          <a:prstGeom prst="straightConnector1">
+            <a:avLst/>
+          </a:prstGeom>
+          <a:ln>
+            <a:tailEnd type="triangle"/>
+          </a:ln>
+        </p:spPr>
+        <p:style>
+          <a:lnRef idx="1">
+            <a:schemeClr val="accent1"/>
+          </a:lnRef>
+          <a:fillRef idx="0">
+            <a:schemeClr val="accent1"/>
+          </a:fillRef>
+          <a:effectRef idx="0">
+            <a:schemeClr val="accent1"/>
+          </a:effectRef>
+          <a:fontRef idx="minor">
+            <a:schemeClr val="tx1"/>
+          </a:fontRef>
+        </p:style>
+      </p:cxnSp>
+      <p:sp>
+        <p:nvSpPr>
+          <p:cNvPr id="25" name="文本框 24">
+            <a:extLst>
+              <a:ext uri="{FF2B5EF4-FFF2-40B4-BE49-F238E27FC236}">
+                <a16:creationId xmlns:a16="http://schemas.microsoft.com/office/drawing/2014/main" id="{95D476D4-FFAC-4E5F-8F7C-08090D98093A}"/>
+              </a:ext>
+            </a:extLst>
+          </p:cNvPr>
+          <p:cNvSpPr txBox="1"/>
+          <p:nvPr/>
+        </p:nvSpPr>
+        <p:spPr>
+          <a:xfrm>
+            <a:off x="5387015" y="2618174"/>
+            <a:ext cx="1152926" cy="369332"/>
+          </a:xfrm>
+          <a:prstGeom prst="rect">
+            <a:avLst/>
+          </a:prstGeom>
+          <a:noFill/>
+        </p:spPr>
+        <p:txBody>
+          <a:bodyPr wrap="square" rtlCol="0">
+            <a:spAutoFit/>
+          </a:bodyPr>
+          <a:lstStyle/>
+          <a:p>
+            <a:r>
+              <a:rPr lang="en-US" altLang="zh-CN" dirty="0"/>
+              <a:t>…</a:t>
+            </a:r>
+            <a:endParaRPr lang="zh-CN" altLang="en-US" dirty="0"/>
+          </a:p>
+        </p:txBody>
+      </p:sp>
+      <p:sp>
+        <p:nvSpPr>
+          <p:cNvPr id="27" name="矩形 26">
+            <a:extLst>
+              <a:ext uri="{FF2B5EF4-FFF2-40B4-BE49-F238E27FC236}">
+                <a16:creationId xmlns:a16="http://schemas.microsoft.com/office/drawing/2014/main" id="{2F06A515-664D-446E-B622-51ABA160BDF6}"/>
+              </a:ext>
+            </a:extLst>
+          </p:cNvPr>
+          <p:cNvSpPr/>
+          <p:nvPr/>
+        </p:nvSpPr>
+        <p:spPr>
+          <a:xfrm>
+            <a:off x="5123620" y="3839023"/>
+            <a:ext cx="1679713" cy="377687"/>
+          </a:xfrm>
+          <a:prstGeom prst="rect">
+            <a:avLst/>
+          </a:prstGeom>
+        </p:spPr>
+        <p:style>
+          <a:lnRef idx="2">
+            <a:schemeClr val="accent1">
+              <a:shade val="50000"/>
+            </a:schemeClr>
+          </a:lnRef>
+          <a:fillRef idx="1">
+            <a:schemeClr val="accent1"/>
+          </a:fillRef>
+          <a:effectRef idx="0">
+            <a:schemeClr val="accent1"/>
+          </a:effectRef>
+          <a:fontRef idx="minor">
+            <a:schemeClr val="lt1"/>
+          </a:fontRef>
+        </p:style>
+        <p:txBody>
+          <a:bodyPr rtlCol="0" anchor="ctr"/>
+          <a:lstStyle/>
+          <a:p>
+            <a:pPr algn="ctr"/>
+            <a:r>
+              <a:rPr lang="en-US" altLang="zh-CN" dirty="0"/>
+              <a:t>Serial Future</a:t>
+            </a:r>
+            <a:endParaRPr lang="zh-CN" altLang="en-US" dirty="0"/>
+          </a:p>
+        </p:txBody>
+      </p:sp>
+      <p:cxnSp>
+        <p:nvCxnSpPr>
+          <p:cNvPr id="29" name="直接箭头连接符 28">
+            <a:extLst>
+              <a:ext uri="{FF2B5EF4-FFF2-40B4-BE49-F238E27FC236}">
+                <a16:creationId xmlns:a16="http://schemas.microsoft.com/office/drawing/2014/main" id="{21EDC1FB-2A05-4E0B-BF4B-2AF2234152DB}"/>
+              </a:ext>
+            </a:extLst>
+          </p:cNvPr>
+          <p:cNvCxnSpPr>
+            <a:stCxn id="21" idx="2"/>
+            <a:endCxn id="27" idx="0"/>
+          </p:cNvCxnSpPr>
+          <p:nvPr/>
+        </p:nvCxnSpPr>
+        <p:spPr>
+          <a:xfrm flipH="1">
+            <a:off x="5963477" y="3429000"/>
+            <a:ext cx="1" cy="410023"/>
+          </a:xfrm>
+          <a:prstGeom prst="straightConnector1">
+            <a:avLst/>
+          </a:prstGeom>
+          <a:ln>
+            <a:tailEnd type="triangle"/>
+          </a:ln>
+        </p:spPr>
+        <p:style>
+          <a:lnRef idx="1">
+            <a:schemeClr val="accent1"/>
+          </a:lnRef>
+          <a:fillRef idx="0">
+            <a:schemeClr val="accent1"/>
+          </a:fillRef>
+          <a:effectRef idx="0">
+            <a:schemeClr val="accent1"/>
+          </a:effectRef>
+          <a:fontRef idx="minor">
+            <a:schemeClr val="tx1"/>
+          </a:fontRef>
+        </p:style>
+      </p:cxnSp>
+      <p:sp>
+        <p:nvSpPr>
+          <p:cNvPr id="32" name="文本框 31">
+            <a:extLst>
+              <a:ext uri="{FF2B5EF4-FFF2-40B4-BE49-F238E27FC236}">
+                <a16:creationId xmlns:a16="http://schemas.microsoft.com/office/drawing/2014/main" id="{42935A83-7ED3-4B91-8AAD-B9DA067F9C17}"/>
+              </a:ext>
+            </a:extLst>
+          </p:cNvPr>
+          <p:cNvSpPr txBox="1"/>
+          <p:nvPr/>
+        </p:nvSpPr>
+        <p:spPr>
+          <a:xfrm>
+            <a:off x="5387015" y="3432383"/>
+            <a:ext cx="1152926" cy="369332"/>
+          </a:xfrm>
+          <a:prstGeom prst="rect">
+            <a:avLst/>
+          </a:prstGeom>
+          <a:noFill/>
+        </p:spPr>
+        <p:txBody>
+          <a:bodyPr wrap="square" rtlCol="0">
+            <a:spAutoFit/>
+          </a:bodyPr>
+          <a:lstStyle/>
+          <a:p>
+            <a:r>
+              <a:rPr lang="en-US" altLang="zh-CN" dirty="0"/>
+              <a:t>poll(cx)</a:t>
+            </a:r>
+            <a:endParaRPr lang="zh-CN" altLang="en-US" dirty="0"/>
+          </a:p>
+        </p:txBody>
+      </p:sp>
+      <p:sp>
+        <p:nvSpPr>
+          <p:cNvPr id="34" name="矩形 33">
+            <a:extLst>
+              <a:ext uri="{FF2B5EF4-FFF2-40B4-BE49-F238E27FC236}">
+                <a16:creationId xmlns:a16="http://schemas.microsoft.com/office/drawing/2014/main" id="{60E0598C-ABF8-4112-9857-906A7F2EC198}"/>
+              </a:ext>
+            </a:extLst>
+          </p:cNvPr>
+          <p:cNvSpPr/>
+          <p:nvPr/>
+        </p:nvSpPr>
+        <p:spPr>
+          <a:xfrm>
+            <a:off x="470455" y="873857"/>
+            <a:ext cx="1308650" cy="785978"/>
+          </a:xfrm>
+          <a:prstGeom prst="rect">
+            <a:avLst/>
+          </a:prstGeom>
+          <a:noFill/>
+        </p:spPr>
+        <p:style>
+          <a:lnRef idx="2">
+            <a:schemeClr val="accent1">
+              <a:shade val="50000"/>
+            </a:schemeClr>
+          </a:lnRef>
+          <a:fillRef idx="1">
+            <a:schemeClr val="accent1"/>
+          </a:fillRef>
+          <a:effectRef idx="0">
+            <a:schemeClr val="accent1"/>
+          </a:effectRef>
+          <a:fontRef idx="minor">
+            <a:schemeClr val="lt1"/>
+          </a:fontRef>
+        </p:style>
+        <p:txBody>
+          <a:bodyPr rtlCol="0" anchor="ctr"/>
+          <a:lstStyle/>
+          <a:p>
+            <a:pPr algn="ctr"/>
+            <a:r>
+              <a:rPr lang="en-US" altLang="zh-CN" dirty="0">
+                <a:solidFill>
+                  <a:schemeClr val="tx1"/>
+                </a:solidFill>
+              </a:rPr>
+              <a:t>Into Executor</a:t>
+            </a:r>
+          </a:p>
+          <a:p>
+            <a:pPr algn="ctr"/>
+            <a:r>
+              <a:rPr lang="en-US" altLang="zh-CN" dirty="0">
+                <a:solidFill>
+                  <a:schemeClr val="tx1"/>
+                </a:solidFill>
+              </a:rPr>
+              <a:t>poll</a:t>
+            </a:r>
+            <a:endParaRPr lang="zh-CN" altLang="en-US" dirty="0">
+              <a:solidFill>
+                <a:schemeClr val="tx1"/>
+              </a:solidFill>
+            </a:endParaRPr>
+          </a:p>
+        </p:txBody>
+      </p:sp>
+      <p:sp>
+        <p:nvSpPr>
+          <p:cNvPr id="36" name="矩形 35">
+            <a:extLst>
+              <a:ext uri="{FF2B5EF4-FFF2-40B4-BE49-F238E27FC236}">
+                <a16:creationId xmlns:a16="http://schemas.microsoft.com/office/drawing/2014/main" id="{4DB7BC31-89C9-4A62-8EE4-C6B847AA4843}"/>
+              </a:ext>
+            </a:extLst>
+          </p:cNvPr>
+          <p:cNvSpPr/>
+          <p:nvPr/>
+        </p:nvSpPr>
+        <p:spPr>
+          <a:xfrm>
+            <a:off x="470455" y="3617049"/>
+            <a:ext cx="1308650" cy="785978"/>
+          </a:xfrm>
+          <a:prstGeom prst="rect">
+            <a:avLst/>
+          </a:prstGeom>
+          <a:noFill/>
+        </p:spPr>
+        <p:style>
+          <a:lnRef idx="2">
+            <a:schemeClr val="accent1">
+              <a:shade val="50000"/>
+            </a:schemeClr>
+          </a:lnRef>
+          <a:fillRef idx="1">
+            <a:schemeClr val="accent1"/>
+          </a:fillRef>
+          <a:effectRef idx="0">
+            <a:schemeClr val="accent1"/>
+          </a:effectRef>
+          <a:fontRef idx="minor">
+            <a:schemeClr val="lt1"/>
+          </a:fontRef>
+        </p:style>
+        <p:txBody>
+          <a:bodyPr rtlCol="0" anchor="ctr"/>
+          <a:lstStyle/>
+          <a:p>
+            <a:pPr algn="ctr"/>
+            <a:r>
+              <a:rPr lang="en-US" altLang="zh-CN" dirty="0">
+                <a:solidFill>
+                  <a:schemeClr val="tx1"/>
+                </a:solidFill>
+              </a:rPr>
+              <a:t>Serial</a:t>
+            </a:r>
+          </a:p>
+          <a:p>
+            <a:pPr algn="ctr"/>
+            <a:r>
+              <a:rPr lang="en-US" altLang="zh-CN" dirty="0">
+                <a:solidFill>
+                  <a:schemeClr val="tx1"/>
+                </a:solidFill>
+              </a:rPr>
+              <a:t>Blocked</a:t>
+            </a:r>
+          </a:p>
+        </p:txBody>
+      </p:sp>
+      <p:cxnSp>
+        <p:nvCxnSpPr>
+          <p:cNvPr id="38" name="直接连接符 37">
+            <a:extLst>
+              <a:ext uri="{FF2B5EF4-FFF2-40B4-BE49-F238E27FC236}">
+                <a16:creationId xmlns:a16="http://schemas.microsoft.com/office/drawing/2014/main" id="{4D99F3F3-8EBF-4643-8B5F-EC8CCEEEE16C}"/>
+              </a:ext>
+            </a:extLst>
+          </p:cNvPr>
+          <p:cNvCxnSpPr>
+            <a:cxnSpLocks/>
+            <a:stCxn id="34" idx="3"/>
+            <a:endCxn id="7" idx="1"/>
+          </p:cNvCxnSpPr>
+          <p:nvPr/>
+        </p:nvCxnSpPr>
+        <p:spPr>
+          <a:xfrm>
+            <a:off x="1779105" y="1266846"/>
+            <a:ext cx="3607910" cy="35180"/>
+          </a:xfrm>
+          <a:prstGeom prst="line">
+            <a:avLst/>
+          </a:prstGeom>
+          <a:ln>
+            <a:prstDash val="lgDash"/>
+          </a:ln>
+        </p:spPr>
+        <p:style>
+          <a:lnRef idx="1">
+            <a:schemeClr val="accent1"/>
+          </a:lnRef>
+          <a:fillRef idx="0">
+            <a:schemeClr val="accent1"/>
+          </a:fillRef>
+          <a:effectRef idx="0">
+            <a:schemeClr val="accent1"/>
+          </a:effectRef>
+          <a:fontRef idx="minor">
+            <a:schemeClr val="tx1"/>
+          </a:fontRef>
+        </p:style>
+      </p:cxnSp>
+      <p:cxnSp>
+        <p:nvCxnSpPr>
+          <p:cNvPr id="42" name="直接连接符 41">
+            <a:extLst>
+              <a:ext uri="{FF2B5EF4-FFF2-40B4-BE49-F238E27FC236}">
+                <a16:creationId xmlns:a16="http://schemas.microsoft.com/office/drawing/2014/main" id="{ADD38F38-1380-454C-8228-0656D9B1B4DC}"/>
+              </a:ext>
+            </a:extLst>
+          </p:cNvPr>
+          <p:cNvCxnSpPr>
+            <a:stCxn id="36" idx="3"/>
+            <a:endCxn id="27" idx="1"/>
+          </p:cNvCxnSpPr>
+          <p:nvPr/>
+        </p:nvCxnSpPr>
+        <p:spPr>
+          <a:xfrm>
+            <a:off x="1779105" y="4010038"/>
+            <a:ext cx="3344515" cy="17829"/>
+          </a:xfrm>
+          <a:prstGeom prst="line">
+            <a:avLst/>
+          </a:prstGeom>
+          <a:ln>
+            <a:prstDash val="lgDash"/>
+          </a:ln>
+        </p:spPr>
+        <p:style>
+          <a:lnRef idx="1">
+            <a:schemeClr val="accent1"/>
+          </a:lnRef>
+          <a:fillRef idx="0">
+            <a:schemeClr val="accent1"/>
+          </a:fillRef>
+          <a:effectRef idx="0">
+            <a:schemeClr val="accent1"/>
+          </a:effectRef>
+          <a:fontRef idx="minor">
+            <a:schemeClr val="tx1"/>
+          </a:fontRef>
+        </p:style>
+      </p:cxnSp>
+      <p:cxnSp>
+        <p:nvCxnSpPr>
+          <p:cNvPr id="45" name="直接连接符 44">
+            <a:extLst>
+              <a:ext uri="{FF2B5EF4-FFF2-40B4-BE49-F238E27FC236}">
+                <a16:creationId xmlns:a16="http://schemas.microsoft.com/office/drawing/2014/main" id="{F2CB74E2-9CA9-4293-A607-718BAB3939E8}"/>
+              </a:ext>
+            </a:extLst>
+          </p:cNvPr>
+          <p:cNvCxnSpPr>
+            <a:endCxn id="34" idx="0"/>
+          </p:cNvCxnSpPr>
+          <p:nvPr/>
+        </p:nvCxnSpPr>
+        <p:spPr>
+          <a:xfrm>
+            <a:off x="1123122" y="119270"/>
+            <a:ext cx="1658" cy="754587"/>
+          </a:xfrm>
+          <a:prstGeom prst="line">
+            <a:avLst/>
+          </a:prstGeom>
+          <a:ln>
+            <a:prstDash val="lgDash"/>
+          </a:ln>
+        </p:spPr>
+        <p:style>
+          <a:lnRef idx="1">
+            <a:schemeClr val="accent1"/>
+          </a:lnRef>
+          <a:fillRef idx="0">
+            <a:schemeClr val="accent1"/>
+          </a:fillRef>
+          <a:effectRef idx="0">
+            <a:schemeClr val="accent1"/>
+          </a:effectRef>
+          <a:fontRef idx="minor">
+            <a:schemeClr val="tx1"/>
+          </a:fontRef>
+        </p:style>
+      </p:cxnSp>
+      <p:cxnSp>
+        <p:nvCxnSpPr>
+          <p:cNvPr id="47" name="直接连接符 46">
+            <a:extLst>
+              <a:ext uri="{FF2B5EF4-FFF2-40B4-BE49-F238E27FC236}">
+                <a16:creationId xmlns:a16="http://schemas.microsoft.com/office/drawing/2014/main" id="{902A3B85-8C98-4EC1-B9B7-7BB4DFECC59D}"/>
+              </a:ext>
+            </a:extLst>
+          </p:cNvPr>
+          <p:cNvCxnSpPr>
+            <a:stCxn id="34" idx="2"/>
+            <a:endCxn id="36" idx="0"/>
+          </p:cNvCxnSpPr>
+          <p:nvPr/>
+        </p:nvCxnSpPr>
+        <p:spPr>
+          <a:xfrm>
+            <a:off x="1124780" y="1659835"/>
+            <a:ext cx="0" cy="1957214"/>
+          </a:xfrm>
+          <a:prstGeom prst="line">
+            <a:avLst/>
+          </a:prstGeom>
+          <a:ln>
+            <a:prstDash val="lgDash"/>
+          </a:ln>
+        </p:spPr>
+        <p:style>
+          <a:lnRef idx="1">
+            <a:schemeClr val="accent1"/>
+          </a:lnRef>
+          <a:fillRef idx="0">
+            <a:schemeClr val="accent1"/>
+          </a:fillRef>
+          <a:effectRef idx="0">
+            <a:schemeClr val="accent1"/>
+          </a:effectRef>
+          <a:fontRef idx="minor">
+            <a:schemeClr val="tx1"/>
+          </a:fontRef>
+        </p:style>
+      </p:cxnSp>
+      <p:sp>
+        <p:nvSpPr>
+          <p:cNvPr id="49" name="矩形 48">
+            <a:extLst>
+              <a:ext uri="{FF2B5EF4-FFF2-40B4-BE49-F238E27FC236}">
+                <a16:creationId xmlns:a16="http://schemas.microsoft.com/office/drawing/2014/main" id="{DEE507CA-8B11-40FA-AFFF-528D25BB5BBB}"/>
+              </a:ext>
+            </a:extLst>
+          </p:cNvPr>
+          <p:cNvSpPr/>
+          <p:nvPr/>
+        </p:nvSpPr>
+        <p:spPr>
+          <a:xfrm>
+            <a:off x="470455" y="5123620"/>
+            <a:ext cx="1308650" cy="785978"/>
+          </a:xfrm>
+          <a:prstGeom prst="rect">
+            <a:avLst/>
+          </a:prstGeom>
+          <a:noFill/>
+        </p:spPr>
+        <p:style>
+          <a:lnRef idx="2">
+            <a:schemeClr val="accent1">
+              <a:shade val="50000"/>
+            </a:schemeClr>
+          </a:lnRef>
+          <a:fillRef idx="1">
+            <a:schemeClr val="accent1"/>
+          </a:fillRef>
+          <a:effectRef idx="0">
+            <a:schemeClr val="accent1"/>
+          </a:effectRef>
+          <a:fontRef idx="minor">
+            <a:schemeClr val="lt1"/>
+          </a:fontRef>
+        </p:style>
+        <p:txBody>
+          <a:bodyPr rtlCol="0" anchor="ctr"/>
+          <a:lstStyle/>
+          <a:p>
+            <a:pPr algn="ctr"/>
+            <a:r>
+              <a:rPr lang="en-US" altLang="zh-CN" dirty="0">
+                <a:solidFill>
+                  <a:schemeClr val="tx1"/>
+                </a:solidFill>
+              </a:rPr>
+              <a:t>Register</a:t>
+            </a:r>
+          </a:p>
+          <a:p>
+            <a:pPr algn="ctr"/>
+            <a:r>
+              <a:rPr lang="en-US" altLang="zh-CN" dirty="0">
+                <a:solidFill>
+                  <a:schemeClr val="tx1"/>
+                </a:solidFill>
+              </a:rPr>
+              <a:t>Reactor</a:t>
+            </a:r>
+          </a:p>
+        </p:txBody>
+      </p:sp>
+      <p:sp>
+        <p:nvSpPr>
+          <p:cNvPr id="51" name="矩形 50">
+            <a:extLst>
+              <a:ext uri="{FF2B5EF4-FFF2-40B4-BE49-F238E27FC236}">
+                <a16:creationId xmlns:a16="http://schemas.microsoft.com/office/drawing/2014/main" id="{D7C59088-CB82-4DAF-A272-426189109D3A}"/>
+              </a:ext>
+            </a:extLst>
+          </p:cNvPr>
+          <p:cNvSpPr/>
+          <p:nvPr/>
+        </p:nvSpPr>
+        <p:spPr>
+          <a:xfrm>
+            <a:off x="4242352" y="4194704"/>
+            <a:ext cx="3707296" cy="2643810"/>
+          </a:xfrm>
+          <a:prstGeom prst="rect">
+            <a:avLst/>
+          </a:prstGeom>
+          <a:solidFill>
+            <a:schemeClr val="accent4"/>
+          </a:solidFill>
+        </p:spPr>
+        <p:style>
+          <a:lnRef idx="2">
+            <a:schemeClr val="accent1">
+              <a:shade val="50000"/>
+            </a:schemeClr>
+          </a:lnRef>
+          <a:fillRef idx="1">
+            <a:schemeClr val="accent1"/>
+          </a:fillRef>
+          <a:effectRef idx="0">
+            <a:schemeClr val="accent1"/>
+          </a:effectRef>
+          <a:fontRef idx="minor">
+            <a:schemeClr val="lt1"/>
+          </a:fontRef>
+        </p:style>
+        <p:txBody>
+          <a:bodyPr rtlCol="0" anchor="ctr"/>
+          <a:lstStyle/>
+          <a:p>
+            <a:pPr algn="ctr"/>
+            <a:endParaRPr lang="zh-CN" altLang="en-US" dirty="0"/>
+          </a:p>
+        </p:txBody>
+      </p:sp>
+      <p:sp>
+        <p:nvSpPr>
+          <p:cNvPr id="53" name="矩形 52">
+            <a:extLst>
+              <a:ext uri="{FF2B5EF4-FFF2-40B4-BE49-F238E27FC236}">
+                <a16:creationId xmlns:a16="http://schemas.microsoft.com/office/drawing/2014/main" id="{B651BCBB-B6CF-426B-AE01-CF61D29597BD}"/>
+              </a:ext>
+            </a:extLst>
+          </p:cNvPr>
+          <p:cNvSpPr/>
+          <p:nvPr/>
+        </p:nvSpPr>
+        <p:spPr>
+          <a:xfrm>
+            <a:off x="4729371" y="5049470"/>
+            <a:ext cx="1560444" cy="377687"/>
+          </a:xfrm>
+          <a:prstGeom prst="rect">
+            <a:avLst/>
+          </a:prstGeom>
+          <a:solidFill>
+            <a:srgbClr val="7030A0"/>
+          </a:solidFill>
+        </p:spPr>
+        <p:style>
+          <a:lnRef idx="2">
+            <a:schemeClr val="accent1">
+              <a:shade val="50000"/>
+            </a:schemeClr>
+          </a:lnRef>
+          <a:fillRef idx="1">
+            <a:schemeClr val="accent1"/>
+          </a:fillRef>
+          <a:effectRef idx="0">
+            <a:schemeClr val="accent1"/>
+          </a:effectRef>
+          <a:fontRef idx="minor">
+            <a:schemeClr val="lt1"/>
+          </a:fontRef>
+        </p:style>
+        <p:txBody>
+          <a:bodyPr rtlCol="0" anchor="ctr"/>
+          <a:lstStyle/>
+          <a:p>
+            <a:pPr algn="ctr"/>
+            <a:r>
+              <a:rPr lang="en-US" altLang="zh-CN" dirty="0"/>
+              <a:t>IOType1</a:t>
+            </a:r>
+            <a:endParaRPr lang="zh-CN" altLang="en-US" dirty="0"/>
+          </a:p>
+        </p:txBody>
+      </p:sp>
+      <p:sp>
+        <p:nvSpPr>
+          <p:cNvPr id="55" name="矩形 54">
+            <a:extLst>
+              <a:ext uri="{FF2B5EF4-FFF2-40B4-BE49-F238E27FC236}">
+                <a16:creationId xmlns:a16="http://schemas.microsoft.com/office/drawing/2014/main" id="{8CFABB43-6EF0-4385-96A4-619DB38B9D69}"/>
+              </a:ext>
+            </a:extLst>
+          </p:cNvPr>
+          <p:cNvSpPr/>
+          <p:nvPr/>
+        </p:nvSpPr>
+        <p:spPr>
+          <a:xfrm>
+            <a:off x="6289814" y="5049470"/>
+            <a:ext cx="1172817" cy="377687"/>
+          </a:xfrm>
+          <a:prstGeom prst="rect">
+            <a:avLst/>
+          </a:prstGeom>
+          <a:solidFill>
+            <a:schemeClr val="accent2">
+              <a:lumMod val="75000"/>
+            </a:schemeClr>
+          </a:solidFill>
+        </p:spPr>
+        <p:style>
+          <a:lnRef idx="2">
+            <a:schemeClr val="accent1">
+              <a:shade val="50000"/>
+            </a:schemeClr>
+          </a:lnRef>
+          <a:fillRef idx="1">
+            <a:schemeClr val="accent1"/>
+          </a:fillRef>
+          <a:effectRef idx="0">
+            <a:schemeClr val="accent1"/>
+          </a:effectRef>
+          <a:fontRef idx="minor">
+            <a:schemeClr val="lt1"/>
+          </a:fontRef>
+        </p:style>
+        <p:txBody>
+          <a:bodyPr rtlCol="0" anchor="ctr"/>
+          <a:lstStyle/>
+          <a:p>
+            <a:pPr algn="ctr"/>
+            <a:r>
+              <a:rPr lang="en-US" altLang="zh-CN" dirty="0"/>
+              <a:t>Context1</a:t>
+            </a:r>
+            <a:endParaRPr lang="zh-CN" altLang="en-US" dirty="0"/>
+          </a:p>
+        </p:txBody>
+      </p:sp>
+      <p:sp>
+        <p:nvSpPr>
+          <p:cNvPr id="57" name="矩形 56">
+            <a:extLst>
+              <a:ext uri="{FF2B5EF4-FFF2-40B4-BE49-F238E27FC236}">
+                <a16:creationId xmlns:a16="http://schemas.microsoft.com/office/drawing/2014/main" id="{7307AF6A-7A4A-4975-9550-BAB975F6C0E2}"/>
+              </a:ext>
+            </a:extLst>
+          </p:cNvPr>
+          <p:cNvSpPr/>
+          <p:nvPr/>
+        </p:nvSpPr>
+        <p:spPr>
+          <a:xfrm>
+            <a:off x="4729370" y="5427157"/>
+            <a:ext cx="1560444" cy="377687"/>
+          </a:xfrm>
+          <a:prstGeom prst="rect">
+            <a:avLst/>
+          </a:prstGeom>
+          <a:solidFill>
+            <a:srgbClr val="7030A0"/>
+          </a:solidFill>
+        </p:spPr>
+        <p:style>
+          <a:lnRef idx="2">
+            <a:schemeClr val="accent1">
+              <a:shade val="50000"/>
+            </a:schemeClr>
+          </a:lnRef>
+          <a:fillRef idx="1">
+            <a:schemeClr val="accent1"/>
+          </a:fillRef>
+          <a:effectRef idx="0">
+            <a:schemeClr val="accent1"/>
+          </a:effectRef>
+          <a:fontRef idx="minor">
+            <a:schemeClr val="lt1"/>
+          </a:fontRef>
+        </p:style>
+        <p:txBody>
+          <a:bodyPr rtlCol="0" anchor="ctr"/>
+          <a:lstStyle/>
+          <a:p>
+            <a:pPr algn="ctr"/>
+            <a:r>
+              <a:rPr lang="en-US" altLang="zh-CN" dirty="0"/>
+              <a:t>IOType2</a:t>
+            </a:r>
+            <a:endParaRPr lang="zh-CN" altLang="en-US" dirty="0"/>
+          </a:p>
+        </p:txBody>
+      </p:sp>
+      <p:sp>
+        <p:nvSpPr>
+          <p:cNvPr id="59" name="矩形 58">
+            <a:extLst>
+              <a:ext uri="{FF2B5EF4-FFF2-40B4-BE49-F238E27FC236}">
+                <a16:creationId xmlns:a16="http://schemas.microsoft.com/office/drawing/2014/main" id="{F2543FB0-312B-44A8-A537-471478FF7572}"/>
+              </a:ext>
+            </a:extLst>
+          </p:cNvPr>
+          <p:cNvSpPr/>
+          <p:nvPr/>
+        </p:nvSpPr>
+        <p:spPr>
+          <a:xfrm>
+            <a:off x="6289813" y="5427157"/>
+            <a:ext cx="1172817" cy="377687"/>
+          </a:xfrm>
+          <a:prstGeom prst="rect">
+            <a:avLst/>
+          </a:prstGeom>
+          <a:solidFill>
+            <a:schemeClr val="accent2">
+              <a:lumMod val="75000"/>
+            </a:schemeClr>
+          </a:solidFill>
+        </p:spPr>
+        <p:style>
+          <a:lnRef idx="2">
+            <a:schemeClr val="accent1">
+              <a:shade val="50000"/>
+            </a:schemeClr>
+          </a:lnRef>
+          <a:fillRef idx="1">
+            <a:schemeClr val="accent1"/>
+          </a:fillRef>
+          <a:effectRef idx="0">
+            <a:schemeClr val="accent1"/>
+          </a:effectRef>
+          <a:fontRef idx="minor">
+            <a:schemeClr val="lt1"/>
+          </a:fontRef>
+        </p:style>
+        <p:txBody>
+          <a:bodyPr rtlCol="0" anchor="ctr"/>
+          <a:lstStyle/>
+          <a:p>
+            <a:pPr algn="ctr"/>
+            <a:r>
+              <a:rPr lang="en-US" altLang="zh-CN" dirty="0"/>
+              <a:t>Context2</a:t>
+            </a:r>
+            <a:endParaRPr lang="zh-CN" altLang="en-US" dirty="0"/>
+          </a:p>
+        </p:txBody>
+      </p:sp>
+      <p:sp>
+        <p:nvSpPr>
+          <p:cNvPr id="61" name="矩形 60">
+            <a:extLst>
+              <a:ext uri="{FF2B5EF4-FFF2-40B4-BE49-F238E27FC236}">
+                <a16:creationId xmlns:a16="http://schemas.microsoft.com/office/drawing/2014/main" id="{3B164CC8-00DC-4076-8FB1-BC5E3AF8EAB5}"/>
+              </a:ext>
+            </a:extLst>
+          </p:cNvPr>
+          <p:cNvSpPr/>
+          <p:nvPr/>
+        </p:nvSpPr>
+        <p:spPr>
+          <a:xfrm>
+            <a:off x="4729370" y="5804844"/>
+            <a:ext cx="1560444" cy="377687"/>
+          </a:xfrm>
+          <a:prstGeom prst="rect">
+            <a:avLst/>
+          </a:prstGeom>
+          <a:solidFill>
+            <a:srgbClr val="7030A0"/>
+          </a:solidFill>
+        </p:spPr>
+        <p:style>
+          <a:lnRef idx="2">
+            <a:schemeClr val="accent1">
+              <a:shade val="50000"/>
+            </a:schemeClr>
+          </a:lnRef>
+          <a:fillRef idx="1">
+            <a:schemeClr val="accent1"/>
+          </a:fillRef>
+          <a:effectRef idx="0">
+            <a:schemeClr val="accent1"/>
+          </a:effectRef>
+          <a:fontRef idx="minor">
+            <a:schemeClr val="lt1"/>
+          </a:fontRef>
+        </p:style>
+        <p:txBody>
+          <a:bodyPr rtlCol="0" anchor="ctr"/>
+          <a:lstStyle/>
+          <a:p>
+            <a:pPr algn="ctr"/>
+            <a:r>
+              <a:rPr lang="en-US" altLang="zh-CN" dirty="0"/>
+              <a:t>IOType3</a:t>
+            </a:r>
+            <a:endParaRPr lang="zh-CN" altLang="en-US" dirty="0"/>
+          </a:p>
+        </p:txBody>
+      </p:sp>
+      <p:sp>
+        <p:nvSpPr>
+          <p:cNvPr id="63" name="矩形 62">
+            <a:extLst>
+              <a:ext uri="{FF2B5EF4-FFF2-40B4-BE49-F238E27FC236}">
+                <a16:creationId xmlns:a16="http://schemas.microsoft.com/office/drawing/2014/main" id="{2A3A129D-670D-4C57-90C7-FF9CF59A43DD}"/>
+              </a:ext>
+            </a:extLst>
+          </p:cNvPr>
+          <p:cNvSpPr/>
+          <p:nvPr/>
+        </p:nvSpPr>
+        <p:spPr>
+          <a:xfrm>
+            <a:off x="6289813" y="5804844"/>
+            <a:ext cx="1172817" cy="377687"/>
+          </a:xfrm>
+          <a:prstGeom prst="rect">
+            <a:avLst/>
+          </a:prstGeom>
+          <a:solidFill>
+            <a:schemeClr val="accent2">
+              <a:lumMod val="75000"/>
+            </a:schemeClr>
+          </a:solidFill>
+        </p:spPr>
+        <p:style>
+          <a:lnRef idx="2">
+            <a:schemeClr val="accent1">
+              <a:shade val="50000"/>
+            </a:schemeClr>
+          </a:lnRef>
+          <a:fillRef idx="1">
+            <a:schemeClr val="accent1"/>
+          </a:fillRef>
+          <a:effectRef idx="0">
+            <a:schemeClr val="accent1"/>
+          </a:effectRef>
+          <a:fontRef idx="minor">
+            <a:schemeClr val="lt1"/>
+          </a:fontRef>
+        </p:style>
+        <p:txBody>
+          <a:bodyPr rtlCol="0" anchor="ctr"/>
+          <a:lstStyle/>
+          <a:p>
+            <a:pPr algn="ctr"/>
+            <a:r>
+              <a:rPr lang="en-US" altLang="zh-CN" dirty="0"/>
+              <a:t>Context2</a:t>
+            </a:r>
+            <a:endParaRPr lang="zh-CN" altLang="en-US" dirty="0"/>
+          </a:p>
+        </p:txBody>
+      </p:sp>
+      <p:sp>
+        <p:nvSpPr>
+          <p:cNvPr id="65" name="文本框 64">
+            <a:extLst>
+              <a:ext uri="{FF2B5EF4-FFF2-40B4-BE49-F238E27FC236}">
+                <a16:creationId xmlns:a16="http://schemas.microsoft.com/office/drawing/2014/main" id="{E96C06F1-ED9C-44EB-969A-00DA242B60A2}"/>
+              </a:ext>
+            </a:extLst>
+          </p:cNvPr>
+          <p:cNvSpPr txBox="1"/>
+          <p:nvPr/>
+        </p:nvSpPr>
+        <p:spPr>
+          <a:xfrm>
+            <a:off x="5315777" y="4537605"/>
+            <a:ext cx="1560444" cy="377687"/>
+          </a:xfrm>
+          <a:prstGeom prst="rect">
+            <a:avLst/>
+          </a:prstGeom>
+          <a:noFill/>
+        </p:spPr>
+        <p:txBody>
+          <a:bodyPr wrap="square" rtlCol="0">
+            <a:spAutoFit/>
+          </a:bodyPr>
+          <a:lstStyle/>
+          <a:p>
+            <a:pPr algn="ctr"/>
+            <a:r>
+              <a:rPr lang="en-US" altLang="zh-CN" dirty="0"/>
+              <a:t>Reactor</a:t>
+            </a:r>
+            <a:endParaRPr lang="zh-CN" altLang="en-US" dirty="0"/>
+          </a:p>
+        </p:txBody>
+      </p:sp>
+      <p:sp>
+        <p:nvSpPr>
+          <p:cNvPr id="83" name="矩形 82">
+            <a:extLst>
+              <a:ext uri="{FF2B5EF4-FFF2-40B4-BE49-F238E27FC236}">
+                <a16:creationId xmlns:a16="http://schemas.microsoft.com/office/drawing/2014/main" id="{9FB59DF3-5C92-4A97-B686-86F3467F5789}"/>
+              </a:ext>
+            </a:extLst>
+          </p:cNvPr>
+          <p:cNvSpPr/>
+          <p:nvPr/>
+        </p:nvSpPr>
+        <p:spPr>
+          <a:xfrm>
+            <a:off x="4735995" y="6178668"/>
+            <a:ext cx="1560444" cy="377687"/>
+          </a:xfrm>
+          <a:prstGeom prst="rect">
+            <a:avLst/>
+          </a:prstGeom>
+          <a:solidFill>
+            <a:srgbClr val="7030A0"/>
+          </a:solidFill>
+        </p:spPr>
+        <p:style>
+          <a:lnRef idx="2">
+            <a:schemeClr val="accent1">
+              <a:shade val="50000"/>
+            </a:schemeClr>
+          </a:lnRef>
+          <a:fillRef idx="1">
+            <a:schemeClr val="accent1"/>
+          </a:fillRef>
+          <a:effectRef idx="0">
+            <a:schemeClr val="accent1"/>
+          </a:effectRef>
+          <a:fontRef idx="minor">
+            <a:schemeClr val="lt1"/>
+          </a:fontRef>
+        </p:style>
+        <p:txBody>
+          <a:bodyPr rtlCol="0" anchor="ctr"/>
+          <a:lstStyle/>
+          <a:p>
+            <a:pPr algn="ctr"/>
+            <a:r>
+              <a:rPr lang="en-US" altLang="zh-CN" dirty="0"/>
+              <a:t>Serial</a:t>
+            </a:r>
+            <a:endParaRPr lang="zh-CN" altLang="en-US" dirty="0"/>
+          </a:p>
+        </p:txBody>
+      </p:sp>
+      <p:sp>
+        <p:nvSpPr>
+          <p:cNvPr id="85" name="矩形 84">
+            <a:extLst>
+              <a:ext uri="{FF2B5EF4-FFF2-40B4-BE49-F238E27FC236}">
+                <a16:creationId xmlns:a16="http://schemas.microsoft.com/office/drawing/2014/main" id="{980A9AC4-B056-45D9-84E3-56FF7329DE99}"/>
+              </a:ext>
+            </a:extLst>
+          </p:cNvPr>
+          <p:cNvSpPr/>
+          <p:nvPr/>
+        </p:nvSpPr>
+        <p:spPr>
+          <a:xfrm>
+            <a:off x="6293126" y="6182922"/>
+            <a:ext cx="1172817" cy="377687"/>
+          </a:xfrm>
+          <a:prstGeom prst="rect">
+            <a:avLst/>
+          </a:prstGeom>
+          <a:solidFill>
+            <a:schemeClr val="accent2">
+              <a:lumMod val="75000"/>
+            </a:schemeClr>
+          </a:solidFill>
+        </p:spPr>
+        <p:style>
+          <a:lnRef idx="2">
+            <a:schemeClr val="accent1">
+              <a:shade val="50000"/>
+            </a:schemeClr>
+          </a:lnRef>
+          <a:fillRef idx="1">
+            <a:schemeClr val="accent1"/>
+          </a:fillRef>
+          <a:effectRef idx="0">
+            <a:schemeClr val="accent1"/>
+          </a:effectRef>
+          <a:fontRef idx="minor">
+            <a:schemeClr val="lt1"/>
+          </a:fontRef>
+        </p:style>
+        <p:txBody>
+          <a:bodyPr rtlCol="0" anchor="ctr"/>
+          <a:lstStyle/>
+          <a:p>
+            <a:pPr algn="ctr"/>
+            <a:r>
+              <a:rPr lang="en-US" altLang="zh-CN" dirty="0"/>
+              <a:t>cx</a:t>
+            </a:r>
+            <a:endParaRPr lang="zh-CN" altLang="en-US" dirty="0"/>
+          </a:p>
+        </p:txBody>
+      </p:sp>
+      <p:sp>
+        <p:nvSpPr>
+          <p:cNvPr id="86" name="矩形 85">
+            <a:extLst>
+              <a:ext uri="{FF2B5EF4-FFF2-40B4-BE49-F238E27FC236}">
+                <a16:creationId xmlns:a16="http://schemas.microsoft.com/office/drawing/2014/main" id="{C0614B67-9373-4E7E-A29E-34BEB5730CE0}"/>
+              </a:ext>
+            </a:extLst>
+          </p:cNvPr>
+          <p:cNvSpPr/>
+          <p:nvPr/>
+        </p:nvSpPr>
+        <p:spPr>
+          <a:xfrm>
+            <a:off x="4482548" y="6082748"/>
+            <a:ext cx="3200400" cy="653131"/>
+          </a:xfrm>
+          <a:prstGeom prst="rect">
+            <a:avLst/>
+          </a:prstGeom>
+          <a:noFill/>
+          <a:ln w="28575">
+            <a:solidFill>
+              <a:srgbClr val="FF0000"/>
+            </a:solidFill>
+            <a:prstDash val="lgDash"/>
+          </a:ln>
+        </p:spPr>
+        <p:style>
+          <a:lnRef idx="2">
+            <a:schemeClr val="accent1">
+              <a:shade val="50000"/>
+            </a:schemeClr>
+          </a:lnRef>
+          <a:fillRef idx="1">
+            <a:schemeClr val="accent1"/>
+          </a:fillRef>
+          <a:effectRef idx="0">
+            <a:schemeClr val="accent1"/>
+          </a:effectRef>
+          <a:fontRef idx="minor">
+            <a:schemeClr val="lt1"/>
+          </a:fontRef>
+        </p:style>
+        <p:txBody>
+          <a:bodyPr rtlCol="0" anchor="ctr"/>
+          <a:lstStyle/>
+          <a:p>
+            <a:pPr algn="ctr"/>
+            <a:endParaRPr lang="zh-CN" altLang="en-US"/>
+          </a:p>
+        </p:txBody>
+      </p:sp>
+      <p:cxnSp>
+        <p:nvCxnSpPr>
+          <p:cNvPr id="88" name="直接箭头连接符 87">
+            <a:extLst>
+              <a:ext uri="{FF2B5EF4-FFF2-40B4-BE49-F238E27FC236}">
+                <a16:creationId xmlns:a16="http://schemas.microsoft.com/office/drawing/2014/main" id="{FE65C681-83F8-4346-BE40-67A7DD495860}"/>
+              </a:ext>
+            </a:extLst>
+          </p:cNvPr>
+          <p:cNvCxnSpPr>
+            <a:stCxn id="49" idx="3"/>
+            <a:endCxn id="51" idx="1"/>
+          </p:cNvCxnSpPr>
+          <p:nvPr/>
+        </p:nvCxnSpPr>
+        <p:spPr>
+          <a:xfrm>
+            <a:off x="1779105" y="5516609"/>
+            <a:ext cx="2463247" cy="0"/>
+          </a:xfrm>
+          <a:prstGeom prst="straightConnector1">
+            <a:avLst/>
+          </a:prstGeom>
+          <a:ln>
+            <a:prstDash val="lgDash"/>
+            <a:tailEnd type="triangle"/>
+          </a:ln>
+        </p:spPr>
+        <p:style>
+          <a:lnRef idx="1">
+            <a:schemeClr val="accent1"/>
+          </a:lnRef>
+          <a:fillRef idx="0">
+            <a:schemeClr val="accent1"/>
+          </a:fillRef>
+          <a:effectRef idx="0">
+            <a:schemeClr val="accent1"/>
+          </a:effectRef>
+          <a:fontRef idx="minor">
+            <a:schemeClr val="tx1"/>
+          </a:fontRef>
+        </p:style>
+      </p:cxnSp>
+      <p:cxnSp>
+        <p:nvCxnSpPr>
+          <p:cNvPr id="90" name="直接连接符 89">
+            <a:extLst>
+              <a:ext uri="{FF2B5EF4-FFF2-40B4-BE49-F238E27FC236}">
+                <a16:creationId xmlns:a16="http://schemas.microsoft.com/office/drawing/2014/main" id="{AC84ECF0-3598-48F7-A6DC-DCBCB8A6030A}"/>
+              </a:ext>
+            </a:extLst>
+          </p:cNvPr>
+          <p:cNvCxnSpPr>
+            <a:stCxn id="36" idx="2"/>
+            <a:endCxn id="49" idx="0"/>
+          </p:cNvCxnSpPr>
+          <p:nvPr/>
+        </p:nvCxnSpPr>
+        <p:spPr>
+          <a:xfrm>
+            <a:off x="1124780" y="4403027"/>
+            <a:ext cx="0" cy="720593"/>
+          </a:xfrm>
+          <a:prstGeom prst="line">
+            <a:avLst/>
+          </a:prstGeom>
+          <a:ln>
+            <a:prstDash val="lgDash"/>
+          </a:ln>
+        </p:spPr>
+        <p:style>
+          <a:lnRef idx="1">
+            <a:schemeClr val="accent1"/>
+          </a:lnRef>
+          <a:fillRef idx="0">
+            <a:schemeClr val="accent1"/>
+          </a:fillRef>
+          <a:effectRef idx="0">
+            <a:schemeClr val="accent1"/>
+          </a:effectRef>
+          <a:fontRef idx="minor">
+            <a:schemeClr val="tx1"/>
+          </a:fontRef>
+        </p:style>
+      </p:cxnSp>
+      <p:cxnSp>
+        <p:nvCxnSpPr>
+          <p:cNvPr id="92" name="直接连接符 91">
+            <a:extLst>
+              <a:ext uri="{FF2B5EF4-FFF2-40B4-BE49-F238E27FC236}">
+                <a16:creationId xmlns:a16="http://schemas.microsoft.com/office/drawing/2014/main" id="{CFDC7127-4E59-4E78-8460-EB1455C80801}"/>
+              </a:ext>
+            </a:extLst>
+          </p:cNvPr>
+          <p:cNvCxnSpPr>
+            <a:stCxn id="49" idx="2"/>
+          </p:cNvCxnSpPr>
+          <p:nvPr/>
+        </p:nvCxnSpPr>
+        <p:spPr>
+          <a:xfrm flipH="1">
+            <a:off x="1123122" y="5909598"/>
+            <a:ext cx="1658" cy="928916"/>
+          </a:xfrm>
+          <a:prstGeom prst="line">
+            <a:avLst/>
+          </a:prstGeom>
+          <a:ln>
+            <a:prstDash val="lgDash"/>
+          </a:ln>
+        </p:spPr>
+        <p:style>
+          <a:lnRef idx="1">
+            <a:schemeClr val="accent1"/>
+          </a:lnRef>
+          <a:fillRef idx="0">
+            <a:schemeClr val="accent1"/>
+          </a:fillRef>
+          <a:effectRef idx="0">
+            <a:schemeClr val="accent1"/>
+          </a:effectRef>
+          <a:fontRef idx="minor">
+            <a:schemeClr val="tx1"/>
+          </a:fontRef>
+        </p:style>
+      </p:cxnSp>
+    </p:spTree>
+    <p:extLst>
+      <p:ext uri="{BB962C8B-B14F-4D97-AF65-F5344CB8AC3E}">
+        <p14:creationId xmlns:p14="http://schemas.microsoft.com/office/powerpoint/2010/main" val="3610644259"/>
+      </p:ext>
+    </p:extLst>
+  </p:cSld>
+  <p:clrMapOvr>
+    <a:masterClrMapping/>
+  </p:clrMapOvr>
+</p:sld>
+</file>
+
+<file path=ppt/slides/slide18.xml><?xml version="1.0" encoding="utf-8"?>
+<p:sld xmlns:a="http://schemas.openxmlformats.org/drawingml/2006/main" xmlns:r="http://schemas.openxmlformats.org/officeDocument/2006/relationships" xmlns:p="http://schemas.openxmlformats.org/presentationml/2006/main">
+  <p:cSld>
+    <p:spTree>
+      <p:nvGrpSpPr>
+        <p:cNvPr id="1" name=""/>
+        <p:cNvGrpSpPr/>
+        <p:nvPr/>
+      </p:nvGrpSpPr>
+      <p:grpSpPr>
+        <a:xfrm>
+          <a:off x="0" y="0"/>
+          <a:ext cx="0" cy="0"/>
+          <a:chOff x="0" y="0"/>
+          <a:chExt cx="0" cy="0"/>
+        </a:xfrm>
+      </p:grpSpPr>
+      <p:sp>
+        <p:nvSpPr>
+          <p:cNvPr id="3" name="矩形 2">
+            <a:extLst>
+              <a:ext uri="{FF2B5EF4-FFF2-40B4-BE49-F238E27FC236}">
+                <a16:creationId xmlns:a16="http://schemas.microsoft.com/office/drawing/2014/main" id="{C044E6E0-CF78-435E-9468-0ACF546D4696}"/>
+              </a:ext>
+            </a:extLst>
+          </p:cNvPr>
+          <p:cNvSpPr/>
+          <p:nvPr/>
+        </p:nvSpPr>
+        <p:spPr>
+          <a:xfrm>
+            <a:off x="5256143" y="191362"/>
+            <a:ext cx="1679713" cy="377687"/>
+          </a:xfrm>
+          <a:prstGeom prst="rect">
+            <a:avLst/>
+          </a:prstGeom>
+        </p:spPr>
+        <p:style>
+          <a:lnRef idx="2">
+            <a:schemeClr val="accent1">
+              <a:shade val="50000"/>
+            </a:schemeClr>
+          </a:lnRef>
+          <a:fillRef idx="1">
+            <a:schemeClr val="accent1"/>
+          </a:fillRef>
+          <a:effectRef idx="0">
+            <a:schemeClr val="accent1"/>
+          </a:effectRef>
+          <a:fontRef idx="minor">
+            <a:schemeClr val="lt1"/>
+          </a:fontRef>
+        </p:style>
+        <p:txBody>
+          <a:bodyPr rtlCol="0" anchor="ctr"/>
+          <a:lstStyle/>
+          <a:p>
+            <a:pPr algn="ctr"/>
+            <a:r>
+              <a:rPr lang="en-US" altLang="zh-CN" dirty="0"/>
+              <a:t>Serial Future</a:t>
+            </a:r>
+            <a:endParaRPr lang="zh-CN" altLang="en-US" dirty="0"/>
+          </a:p>
+        </p:txBody>
+      </p:sp>
+      <p:sp>
+        <p:nvSpPr>
+          <p:cNvPr id="5" name="文本框 4">
+            <a:extLst>
+              <a:ext uri="{FF2B5EF4-FFF2-40B4-BE49-F238E27FC236}">
+                <a16:creationId xmlns:a16="http://schemas.microsoft.com/office/drawing/2014/main" id="{ED211B49-374A-42E1-A115-903EF20EAD6B}"/>
+              </a:ext>
+            </a:extLst>
+          </p:cNvPr>
+          <p:cNvSpPr txBox="1"/>
+          <p:nvPr/>
+        </p:nvSpPr>
+        <p:spPr>
+          <a:xfrm>
+            <a:off x="278296" y="569049"/>
+            <a:ext cx="1679713" cy="377687"/>
+          </a:xfrm>
+          <a:prstGeom prst="rect">
+            <a:avLst/>
+          </a:prstGeom>
+          <a:noFill/>
+          <a:ln>
+            <a:solidFill>
+              <a:schemeClr val="accent1"/>
+            </a:solidFill>
+          </a:ln>
+        </p:spPr>
+        <p:txBody>
+          <a:bodyPr wrap="square" rtlCol="0">
+            <a:spAutoFit/>
+          </a:bodyPr>
+          <a:lstStyle/>
+          <a:p>
+            <a:r>
+              <a:rPr lang="en-US" altLang="zh-CN" dirty="0"/>
+              <a:t>Serial Returned</a:t>
+            </a:r>
+            <a:endParaRPr lang="zh-CN" altLang="en-US" dirty="0"/>
+          </a:p>
+        </p:txBody>
+      </p:sp>
+      <p:sp>
+        <p:nvSpPr>
+          <p:cNvPr id="7" name="矩形 6">
+            <a:extLst>
+              <a:ext uri="{FF2B5EF4-FFF2-40B4-BE49-F238E27FC236}">
+                <a16:creationId xmlns:a16="http://schemas.microsoft.com/office/drawing/2014/main" id="{5D918144-F9C9-45ED-9E42-A2E73C284E84}"/>
+              </a:ext>
+            </a:extLst>
+          </p:cNvPr>
+          <p:cNvSpPr/>
+          <p:nvPr/>
+        </p:nvSpPr>
+        <p:spPr>
+          <a:xfrm>
+            <a:off x="5256142" y="946736"/>
+            <a:ext cx="1679713" cy="377687"/>
+          </a:xfrm>
+          <a:prstGeom prst="rect">
+            <a:avLst/>
+          </a:prstGeom>
+        </p:spPr>
+        <p:style>
+          <a:lnRef idx="2">
+            <a:schemeClr val="accent1">
+              <a:shade val="50000"/>
+            </a:schemeClr>
+          </a:lnRef>
+          <a:fillRef idx="1">
+            <a:schemeClr val="accent1"/>
+          </a:fillRef>
+          <a:effectRef idx="0">
+            <a:schemeClr val="accent1"/>
+          </a:effectRef>
+          <a:fontRef idx="minor">
+            <a:schemeClr val="lt1"/>
+          </a:fontRef>
+        </p:style>
+        <p:txBody>
+          <a:bodyPr rtlCol="0" anchor="ctr"/>
+          <a:lstStyle/>
+          <a:p>
+            <a:pPr algn="ctr"/>
+            <a:r>
+              <a:rPr lang="en-US" altLang="zh-CN" dirty="0"/>
+              <a:t>Mid-level</a:t>
+            </a:r>
+            <a:endParaRPr lang="zh-CN" altLang="en-US" dirty="0"/>
+          </a:p>
+        </p:txBody>
+      </p:sp>
+      <p:cxnSp>
+        <p:nvCxnSpPr>
+          <p:cNvPr id="17" name="连接符: 肘形 16">
+            <a:extLst>
+              <a:ext uri="{FF2B5EF4-FFF2-40B4-BE49-F238E27FC236}">
+                <a16:creationId xmlns:a16="http://schemas.microsoft.com/office/drawing/2014/main" id="{D22B6E9C-F55C-4023-BFDB-503BC038599B}"/>
+              </a:ext>
+            </a:extLst>
+          </p:cNvPr>
+          <p:cNvCxnSpPr>
+            <a:stCxn id="3" idx="3"/>
+            <a:endCxn id="7" idx="3"/>
+          </p:cNvCxnSpPr>
+          <p:nvPr/>
+        </p:nvCxnSpPr>
+        <p:spPr>
+          <a:xfrm flipH="1">
+            <a:off x="6935855" y="380206"/>
+            <a:ext cx="1" cy="755374"/>
+          </a:xfrm>
+          <a:prstGeom prst="bentConnector3">
+            <a:avLst>
+              <a:gd name="adj1" fmla="val -22860000000"/>
+            </a:avLst>
+          </a:prstGeom>
+          <a:ln>
+            <a:tailEnd type="triangle"/>
+          </a:ln>
+        </p:spPr>
+        <p:style>
+          <a:lnRef idx="1">
+            <a:schemeClr val="accent1"/>
+          </a:lnRef>
+          <a:fillRef idx="0">
+            <a:schemeClr val="accent1"/>
+          </a:fillRef>
+          <a:effectRef idx="0">
+            <a:schemeClr val="accent1"/>
+          </a:effectRef>
+          <a:fontRef idx="minor">
+            <a:schemeClr val="tx1"/>
+          </a:fontRef>
+        </p:style>
+      </p:cxnSp>
+      <p:sp>
+        <p:nvSpPr>
+          <p:cNvPr id="18" name="文本框 17">
+            <a:extLst>
+              <a:ext uri="{FF2B5EF4-FFF2-40B4-BE49-F238E27FC236}">
+                <a16:creationId xmlns:a16="http://schemas.microsoft.com/office/drawing/2014/main" id="{15011707-BC44-4E31-ADA5-72D68B08BC99}"/>
+              </a:ext>
+            </a:extLst>
+          </p:cNvPr>
+          <p:cNvSpPr txBox="1"/>
+          <p:nvPr/>
+        </p:nvSpPr>
+        <p:spPr>
+          <a:xfrm>
+            <a:off x="6935854" y="569049"/>
+            <a:ext cx="1890093" cy="369332"/>
+          </a:xfrm>
+          <a:prstGeom prst="rect">
+            <a:avLst/>
+          </a:prstGeom>
+          <a:noFill/>
+        </p:spPr>
+        <p:txBody>
+          <a:bodyPr wrap="square" rtlCol="0">
+            <a:spAutoFit/>
+          </a:bodyPr>
+          <a:lstStyle/>
+          <a:p>
+            <a:r>
+              <a:rPr lang="en-US" altLang="zh-CN" dirty="0"/>
+              <a:t>Return Pending</a:t>
+            </a:r>
+            <a:endParaRPr lang="zh-CN" altLang="en-US" dirty="0"/>
+          </a:p>
+        </p:txBody>
+      </p:sp>
+      <p:cxnSp>
+        <p:nvCxnSpPr>
+          <p:cNvPr id="20" name="直接连接符 19">
+            <a:extLst>
+              <a:ext uri="{FF2B5EF4-FFF2-40B4-BE49-F238E27FC236}">
+                <a16:creationId xmlns:a16="http://schemas.microsoft.com/office/drawing/2014/main" id="{60390DD7-A42E-45B7-9DF0-13D1BE1CD49F}"/>
+              </a:ext>
+            </a:extLst>
+          </p:cNvPr>
+          <p:cNvCxnSpPr>
+            <a:stCxn id="5" idx="3"/>
+            <a:endCxn id="18" idx="1"/>
+          </p:cNvCxnSpPr>
+          <p:nvPr/>
+        </p:nvCxnSpPr>
+        <p:spPr>
+          <a:xfrm flipV="1">
+            <a:off x="1958009" y="753715"/>
+            <a:ext cx="4977845" cy="4178"/>
+          </a:xfrm>
+          <a:prstGeom prst="line">
+            <a:avLst/>
+          </a:prstGeom>
+          <a:ln>
+            <a:prstDash val="lgDash"/>
+          </a:ln>
+        </p:spPr>
+        <p:style>
+          <a:lnRef idx="1">
+            <a:schemeClr val="accent1"/>
+          </a:lnRef>
+          <a:fillRef idx="0">
+            <a:schemeClr val="accent1"/>
+          </a:fillRef>
+          <a:effectRef idx="0">
+            <a:schemeClr val="accent1"/>
+          </a:effectRef>
+          <a:fontRef idx="minor">
+            <a:schemeClr val="tx1"/>
+          </a:fontRef>
+        </p:style>
+      </p:cxnSp>
+      <p:sp>
+        <p:nvSpPr>
+          <p:cNvPr id="22" name="矩形 21">
+            <a:extLst>
+              <a:ext uri="{FF2B5EF4-FFF2-40B4-BE49-F238E27FC236}">
+                <a16:creationId xmlns:a16="http://schemas.microsoft.com/office/drawing/2014/main" id="{F737FAA3-385E-4916-94B7-657C3A9EACAA}"/>
+              </a:ext>
+            </a:extLst>
+          </p:cNvPr>
+          <p:cNvSpPr/>
+          <p:nvPr/>
+        </p:nvSpPr>
+        <p:spPr>
+          <a:xfrm>
+            <a:off x="5256142" y="1635849"/>
+            <a:ext cx="1679713" cy="377687"/>
+          </a:xfrm>
+          <a:prstGeom prst="rect">
+            <a:avLst/>
+          </a:prstGeom>
+        </p:spPr>
+        <p:style>
+          <a:lnRef idx="2">
+            <a:schemeClr val="accent1">
+              <a:shade val="50000"/>
+            </a:schemeClr>
+          </a:lnRef>
+          <a:fillRef idx="1">
+            <a:schemeClr val="accent1"/>
+          </a:fillRef>
+          <a:effectRef idx="0">
+            <a:schemeClr val="accent1"/>
+          </a:effectRef>
+          <a:fontRef idx="minor">
+            <a:schemeClr val="lt1"/>
+          </a:fontRef>
+        </p:style>
+        <p:txBody>
+          <a:bodyPr rtlCol="0" anchor="ctr"/>
+          <a:lstStyle/>
+          <a:p>
+            <a:pPr algn="ctr"/>
+            <a:r>
+              <a:rPr lang="en-US" altLang="zh-CN" dirty="0"/>
+              <a:t>Mid-level</a:t>
+            </a:r>
+            <a:endParaRPr lang="zh-CN" altLang="en-US" dirty="0"/>
+          </a:p>
+        </p:txBody>
+      </p:sp>
+      <p:cxnSp>
+        <p:nvCxnSpPr>
+          <p:cNvPr id="24" name="连接符: 肘形 23">
+            <a:extLst>
+              <a:ext uri="{FF2B5EF4-FFF2-40B4-BE49-F238E27FC236}">
+                <a16:creationId xmlns:a16="http://schemas.microsoft.com/office/drawing/2014/main" id="{ADCC0103-3854-4025-8358-2E86E25733D4}"/>
+              </a:ext>
+            </a:extLst>
+          </p:cNvPr>
+          <p:cNvCxnSpPr>
+            <a:stCxn id="7" idx="3"/>
+            <a:endCxn id="22" idx="3"/>
+          </p:cNvCxnSpPr>
+          <p:nvPr/>
+        </p:nvCxnSpPr>
+        <p:spPr>
+          <a:xfrm>
+            <a:off x="6935855" y="1135580"/>
+            <a:ext cx="12700" cy="689113"/>
+          </a:xfrm>
+          <a:prstGeom prst="bentConnector3">
+            <a:avLst>
+              <a:gd name="adj1" fmla="val 1800000"/>
+            </a:avLst>
+          </a:prstGeom>
+          <a:ln>
+            <a:tailEnd type="triangle"/>
+          </a:ln>
+        </p:spPr>
+        <p:style>
+          <a:lnRef idx="1">
+            <a:schemeClr val="accent1"/>
+          </a:lnRef>
+          <a:fillRef idx="0">
+            <a:schemeClr val="accent1"/>
+          </a:fillRef>
+          <a:effectRef idx="0">
+            <a:schemeClr val="accent1"/>
+          </a:effectRef>
+          <a:fontRef idx="minor">
+            <a:schemeClr val="tx1"/>
+          </a:fontRef>
+        </p:style>
+      </p:cxnSp>
+      <p:sp>
+        <p:nvSpPr>
+          <p:cNvPr id="25" name="文本框 24">
+            <a:extLst>
+              <a:ext uri="{FF2B5EF4-FFF2-40B4-BE49-F238E27FC236}">
+                <a16:creationId xmlns:a16="http://schemas.microsoft.com/office/drawing/2014/main" id="{FF932641-CC69-423C-970A-F91C667836AB}"/>
+              </a:ext>
+            </a:extLst>
+          </p:cNvPr>
+          <p:cNvSpPr txBox="1"/>
+          <p:nvPr/>
+        </p:nvSpPr>
+        <p:spPr>
+          <a:xfrm>
+            <a:off x="6948555" y="1324423"/>
+            <a:ext cx="1628913" cy="369332"/>
+          </a:xfrm>
+          <a:prstGeom prst="rect">
+            <a:avLst/>
+          </a:prstGeom>
+          <a:noFill/>
+        </p:spPr>
+        <p:txBody>
+          <a:bodyPr wrap="square" rtlCol="0">
+            <a:spAutoFit/>
+          </a:bodyPr>
+          <a:lstStyle/>
+          <a:p>
+            <a:r>
+              <a:rPr lang="en-US" altLang="zh-CN" dirty="0"/>
+              <a:t>…</a:t>
+            </a:r>
+            <a:endParaRPr lang="zh-CN" altLang="en-US" dirty="0"/>
+          </a:p>
+        </p:txBody>
+      </p:sp>
+      <p:sp>
+        <p:nvSpPr>
+          <p:cNvPr id="31" name="矩形 30">
+            <a:extLst>
+              <a:ext uri="{FF2B5EF4-FFF2-40B4-BE49-F238E27FC236}">
+                <a16:creationId xmlns:a16="http://schemas.microsoft.com/office/drawing/2014/main" id="{78FA53FE-DC59-47A1-8C6F-6904B390A8EC}"/>
+              </a:ext>
+            </a:extLst>
+          </p:cNvPr>
+          <p:cNvSpPr/>
+          <p:nvPr/>
+        </p:nvSpPr>
+        <p:spPr>
+          <a:xfrm>
+            <a:off x="5648737" y="2324962"/>
+            <a:ext cx="894522" cy="337931"/>
+          </a:xfrm>
+          <a:prstGeom prst="rect">
+            <a:avLst/>
+          </a:prstGeom>
+          <a:solidFill>
+            <a:srgbClr val="FF0000"/>
+          </a:solidFill>
+        </p:spPr>
+        <p:style>
+          <a:lnRef idx="2">
+            <a:schemeClr val="accent1">
+              <a:shade val="50000"/>
+            </a:schemeClr>
+          </a:lnRef>
+          <a:fillRef idx="1">
+            <a:schemeClr val="accent1"/>
+          </a:fillRef>
+          <a:effectRef idx="0">
+            <a:schemeClr val="accent1"/>
+          </a:effectRef>
+          <a:fontRef idx="minor">
+            <a:schemeClr val="lt1"/>
+          </a:fontRef>
+        </p:style>
+        <p:txBody>
+          <a:bodyPr rtlCol="0" anchor="ctr"/>
+          <a:lstStyle/>
+          <a:p>
+            <a:pPr algn="ctr"/>
+            <a:r>
+              <a:rPr lang="en-US" altLang="zh-CN" dirty="0"/>
+              <a:t>Root</a:t>
+            </a:r>
+            <a:endParaRPr lang="zh-CN" altLang="en-US" dirty="0"/>
+          </a:p>
+        </p:txBody>
+      </p:sp>
+      <p:cxnSp>
+        <p:nvCxnSpPr>
+          <p:cNvPr id="33" name="连接符: 肘形 32">
+            <a:extLst>
+              <a:ext uri="{FF2B5EF4-FFF2-40B4-BE49-F238E27FC236}">
+                <a16:creationId xmlns:a16="http://schemas.microsoft.com/office/drawing/2014/main" id="{439D481D-A5AE-4270-8A99-3A7DD48BE302}"/>
+              </a:ext>
+            </a:extLst>
+          </p:cNvPr>
+          <p:cNvCxnSpPr>
+            <a:stCxn id="22" idx="3"/>
+            <a:endCxn id="31" idx="3"/>
+          </p:cNvCxnSpPr>
+          <p:nvPr/>
+        </p:nvCxnSpPr>
+        <p:spPr>
+          <a:xfrm flipH="1">
+            <a:off x="6543259" y="1824693"/>
+            <a:ext cx="392596" cy="669235"/>
+          </a:xfrm>
+          <a:prstGeom prst="bentConnector3">
+            <a:avLst>
+              <a:gd name="adj1" fmla="val -58228"/>
+            </a:avLst>
+          </a:prstGeom>
+          <a:ln>
+            <a:tailEnd type="triangle"/>
+          </a:ln>
+        </p:spPr>
+        <p:style>
+          <a:lnRef idx="1">
+            <a:schemeClr val="accent1"/>
+          </a:lnRef>
+          <a:fillRef idx="0">
+            <a:schemeClr val="accent1"/>
+          </a:fillRef>
+          <a:effectRef idx="0">
+            <a:schemeClr val="accent1"/>
+          </a:effectRef>
+          <a:fontRef idx="minor">
+            <a:schemeClr val="tx1"/>
+          </a:fontRef>
+        </p:style>
+      </p:cxnSp>
+      <p:sp>
+        <p:nvSpPr>
+          <p:cNvPr id="35" name="文本框 34">
+            <a:extLst>
+              <a:ext uri="{FF2B5EF4-FFF2-40B4-BE49-F238E27FC236}">
+                <a16:creationId xmlns:a16="http://schemas.microsoft.com/office/drawing/2014/main" id="{4015577B-C01B-43DC-9BF9-E7C93E5B6734}"/>
+              </a:ext>
+            </a:extLst>
+          </p:cNvPr>
+          <p:cNvSpPr txBox="1"/>
+          <p:nvPr/>
+        </p:nvSpPr>
+        <p:spPr>
+          <a:xfrm>
+            <a:off x="6935853" y="2013536"/>
+            <a:ext cx="1890093" cy="369332"/>
+          </a:xfrm>
+          <a:prstGeom prst="rect">
+            <a:avLst/>
+          </a:prstGeom>
+          <a:noFill/>
+        </p:spPr>
+        <p:txBody>
+          <a:bodyPr wrap="square" rtlCol="0">
+            <a:spAutoFit/>
+          </a:bodyPr>
+          <a:lstStyle/>
+          <a:p>
+            <a:r>
+              <a:rPr lang="en-US" altLang="zh-CN" dirty="0"/>
+              <a:t>Return Pending</a:t>
+            </a:r>
+            <a:endParaRPr lang="zh-CN" altLang="en-US" dirty="0"/>
+          </a:p>
+        </p:txBody>
+      </p:sp>
+      <p:sp>
+        <p:nvSpPr>
+          <p:cNvPr id="37" name="矩形 36">
+            <a:extLst>
+              <a:ext uri="{FF2B5EF4-FFF2-40B4-BE49-F238E27FC236}">
+                <a16:creationId xmlns:a16="http://schemas.microsoft.com/office/drawing/2014/main" id="{730C9DE4-4C5F-45BA-808C-57446ADFAF60}"/>
+              </a:ext>
+            </a:extLst>
+          </p:cNvPr>
+          <p:cNvSpPr/>
+          <p:nvPr/>
+        </p:nvSpPr>
+        <p:spPr>
+          <a:xfrm>
+            <a:off x="5072267" y="2899848"/>
+            <a:ext cx="2047461" cy="407504"/>
+          </a:xfrm>
+          <a:prstGeom prst="rect">
+            <a:avLst/>
+          </a:prstGeom>
+          <a:solidFill>
+            <a:schemeClr val="accent6"/>
+          </a:solidFill>
+        </p:spPr>
+        <p:style>
+          <a:lnRef idx="2">
+            <a:schemeClr val="accent1">
+              <a:shade val="50000"/>
+            </a:schemeClr>
+          </a:lnRef>
+          <a:fillRef idx="1">
+            <a:schemeClr val="accent1"/>
+          </a:fillRef>
+          <a:effectRef idx="0">
+            <a:schemeClr val="accent1"/>
+          </a:effectRef>
+          <a:fontRef idx="minor">
+            <a:schemeClr val="lt1"/>
+          </a:fontRef>
+        </p:style>
+        <p:txBody>
+          <a:bodyPr rtlCol="0" anchor="ctr"/>
+          <a:lstStyle/>
+          <a:p>
+            <a:pPr algn="ctr"/>
+            <a:r>
+              <a:rPr lang="en-US" altLang="zh-CN" dirty="0"/>
+              <a:t>Executor</a:t>
+            </a:r>
+            <a:endParaRPr lang="zh-CN" altLang="en-US" dirty="0"/>
+          </a:p>
+        </p:txBody>
+      </p:sp>
+      <p:cxnSp>
+        <p:nvCxnSpPr>
+          <p:cNvPr id="39" name="连接符: 肘形 38">
+            <a:extLst>
+              <a:ext uri="{FF2B5EF4-FFF2-40B4-BE49-F238E27FC236}">
+                <a16:creationId xmlns:a16="http://schemas.microsoft.com/office/drawing/2014/main" id="{255605F2-1113-4BCF-A5C5-97395CC2A73F}"/>
+              </a:ext>
+            </a:extLst>
+          </p:cNvPr>
+          <p:cNvCxnSpPr>
+            <a:stCxn id="31" idx="3"/>
+            <a:endCxn id="37" idx="3"/>
+          </p:cNvCxnSpPr>
+          <p:nvPr/>
+        </p:nvCxnSpPr>
+        <p:spPr>
+          <a:xfrm>
+            <a:off x="6543259" y="2493928"/>
+            <a:ext cx="576469" cy="609672"/>
+          </a:xfrm>
+          <a:prstGeom prst="bentConnector3">
+            <a:avLst>
+              <a:gd name="adj1" fmla="val 139655"/>
+            </a:avLst>
+          </a:prstGeom>
+          <a:ln>
+            <a:tailEnd type="triangle"/>
+          </a:ln>
+        </p:spPr>
+        <p:style>
+          <a:lnRef idx="1">
+            <a:schemeClr val="accent1"/>
+          </a:lnRef>
+          <a:fillRef idx="0">
+            <a:schemeClr val="accent1"/>
+          </a:fillRef>
+          <a:effectRef idx="0">
+            <a:schemeClr val="accent1"/>
+          </a:effectRef>
+          <a:fontRef idx="minor">
+            <a:schemeClr val="tx1"/>
+          </a:fontRef>
+        </p:style>
+      </p:cxnSp>
+      <p:sp>
+        <p:nvSpPr>
+          <p:cNvPr id="41" name="文本框 40">
+            <a:extLst>
+              <a:ext uri="{FF2B5EF4-FFF2-40B4-BE49-F238E27FC236}">
+                <a16:creationId xmlns:a16="http://schemas.microsoft.com/office/drawing/2014/main" id="{FF732187-1503-46A7-876B-8D69F5A5A8E4}"/>
+              </a:ext>
+            </a:extLst>
+          </p:cNvPr>
+          <p:cNvSpPr txBox="1"/>
+          <p:nvPr/>
+        </p:nvSpPr>
+        <p:spPr>
+          <a:xfrm>
+            <a:off x="6935852" y="2565374"/>
+            <a:ext cx="1890093" cy="369332"/>
+          </a:xfrm>
+          <a:prstGeom prst="rect">
+            <a:avLst/>
+          </a:prstGeom>
+          <a:noFill/>
+        </p:spPr>
+        <p:txBody>
+          <a:bodyPr wrap="square" rtlCol="0">
+            <a:spAutoFit/>
+          </a:bodyPr>
+          <a:lstStyle/>
+          <a:p>
+            <a:r>
+              <a:rPr lang="en-US" altLang="zh-CN" dirty="0"/>
+              <a:t>Return Pending</a:t>
+            </a:r>
+            <a:endParaRPr lang="zh-CN" altLang="en-US" dirty="0"/>
+          </a:p>
+        </p:txBody>
+      </p:sp>
+      <p:sp>
+        <p:nvSpPr>
+          <p:cNvPr id="43" name="文本框 42">
+            <a:extLst>
+              <a:ext uri="{FF2B5EF4-FFF2-40B4-BE49-F238E27FC236}">
+                <a16:creationId xmlns:a16="http://schemas.microsoft.com/office/drawing/2014/main" id="{10A6629B-FBBF-453E-B09B-01102BFCA4A3}"/>
+              </a:ext>
+            </a:extLst>
+          </p:cNvPr>
+          <p:cNvSpPr txBox="1"/>
+          <p:nvPr/>
+        </p:nvSpPr>
+        <p:spPr>
+          <a:xfrm>
+            <a:off x="278296" y="2609920"/>
+            <a:ext cx="1679713" cy="646331"/>
+          </a:xfrm>
+          <a:prstGeom prst="rect">
+            <a:avLst/>
+          </a:prstGeom>
+          <a:noFill/>
+          <a:ln>
+            <a:solidFill>
+              <a:schemeClr val="accent1"/>
+            </a:solidFill>
+          </a:ln>
+        </p:spPr>
+        <p:txBody>
+          <a:bodyPr wrap="square" rtlCol="0">
+            <a:spAutoFit/>
+          </a:bodyPr>
+          <a:lstStyle/>
+          <a:p>
+            <a:pPr algn="ctr"/>
+            <a:r>
+              <a:rPr lang="en-US" altLang="zh-CN" dirty="0"/>
+              <a:t>Root Returned Pending</a:t>
+            </a:r>
+            <a:endParaRPr lang="zh-CN" altLang="en-US" dirty="0"/>
+          </a:p>
+        </p:txBody>
+      </p:sp>
+      <p:cxnSp>
+        <p:nvCxnSpPr>
+          <p:cNvPr id="45" name="直接连接符 44">
+            <a:extLst>
+              <a:ext uri="{FF2B5EF4-FFF2-40B4-BE49-F238E27FC236}">
+                <a16:creationId xmlns:a16="http://schemas.microsoft.com/office/drawing/2014/main" id="{B693B3C0-BCA8-46BE-A165-00A358441321}"/>
+              </a:ext>
+            </a:extLst>
+          </p:cNvPr>
+          <p:cNvCxnSpPr>
+            <a:stCxn id="43" idx="3"/>
+          </p:cNvCxnSpPr>
+          <p:nvPr/>
+        </p:nvCxnSpPr>
+        <p:spPr>
+          <a:xfrm flipV="1">
+            <a:off x="1958009" y="2899848"/>
+            <a:ext cx="4990546" cy="33238"/>
+          </a:xfrm>
+          <a:prstGeom prst="line">
+            <a:avLst/>
+          </a:prstGeom>
+          <a:ln>
+            <a:prstDash val="lgDash"/>
+          </a:ln>
+        </p:spPr>
+        <p:style>
+          <a:lnRef idx="1">
+            <a:schemeClr val="accent1"/>
+          </a:lnRef>
+          <a:fillRef idx="0">
+            <a:schemeClr val="accent1"/>
+          </a:fillRef>
+          <a:effectRef idx="0">
+            <a:schemeClr val="accent1"/>
+          </a:effectRef>
+          <a:fontRef idx="minor">
+            <a:schemeClr val="tx1"/>
+          </a:fontRef>
+        </p:style>
+      </p:cxnSp>
+      <p:cxnSp>
+        <p:nvCxnSpPr>
+          <p:cNvPr id="47" name="直接连接符 46">
+            <a:extLst>
+              <a:ext uri="{FF2B5EF4-FFF2-40B4-BE49-F238E27FC236}">
+                <a16:creationId xmlns:a16="http://schemas.microsoft.com/office/drawing/2014/main" id="{EEC658F7-99CB-419B-B20B-55443FEEB8D4}"/>
+              </a:ext>
+            </a:extLst>
+          </p:cNvPr>
+          <p:cNvCxnSpPr>
+            <a:endCxn id="5" idx="0"/>
+          </p:cNvCxnSpPr>
+          <p:nvPr/>
+        </p:nvCxnSpPr>
+        <p:spPr>
+          <a:xfrm>
+            <a:off x="1118152" y="79513"/>
+            <a:ext cx="1" cy="489536"/>
+          </a:xfrm>
+          <a:prstGeom prst="line">
+            <a:avLst/>
+          </a:prstGeom>
+          <a:ln>
+            <a:prstDash val="lgDash"/>
+          </a:ln>
+        </p:spPr>
+        <p:style>
+          <a:lnRef idx="1">
+            <a:schemeClr val="accent1"/>
+          </a:lnRef>
+          <a:fillRef idx="0">
+            <a:schemeClr val="accent1"/>
+          </a:fillRef>
+          <a:effectRef idx="0">
+            <a:schemeClr val="accent1"/>
+          </a:effectRef>
+          <a:fontRef idx="minor">
+            <a:schemeClr val="tx1"/>
+          </a:fontRef>
+        </p:style>
+      </p:cxnSp>
+      <p:cxnSp>
+        <p:nvCxnSpPr>
+          <p:cNvPr id="49" name="直接连接符 48">
+            <a:extLst>
+              <a:ext uri="{FF2B5EF4-FFF2-40B4-BE49-F238E27FC236}">
+                <a16:creationId xmlns:a16="http://schemas.microsoft.com/office/drawing/2014/main" id="{C3FB3BEA-8C4A-4887-87CC-97389FF7CD8E}"/>
+              </a:ext>
+            </a:extLst>
+          </p:cNvPr>
+          <p:cNvCxnSpPr>
+            <a:stCxn id="5" idx="2"/>
+            <a:endCxn id="43" idx="0"/>
+          </p:cNvCxnSpPr>
+          <p:nvPr/>
+        </p:nvCxnSpPr>
+        <p:spPr>
+          <a:xfrm>
+            <a:off x="1118153" y="946736"/>
+            <a:ext cx="0" cy="1663184"/>
+          </a:xfrm>
+          <a:prstGeom prst="line">
+            <a:avLst/>
+          </a:prstGeom>
+          <a:ln>
+            <a:prstDash val="lgDash"/>
+          </a:ln>
+        </p:spPr>
+        <p:style>
+          <a:lnRef idx="1">
+            <a:schemeClr val="accent1"/>
+          </a:lnRef>
+          <a:fillRef idx="0">
+            <a:schemeClr val="accent1"/>
+          </a:fillRef>
+          <a:effectRef idx="0">
+            <a:schemeClr val="accent1"/>
+          </a:effectRef>
+          <a:fontRef idx="minor">
+            <a:schemeClr val="tx1"/>
+          </a:fontRef>
+        </p:style>
+      </p:cxnSp>
+      <p:sp>
+        <p:nvSpPr>
+          <p:cNvPr id="51" name="矩形 50">
+            <a:extLst>
+              <a:ext uri="{FF2B5EF4-FFF2-40B4-BE49-F238E27FC236}">
+                <a16:creationId xmlns:a16="http://schemas.microsoft.com/office/drawing/2014/main" id="{DBF49D23-EFBC-4CA3-94E1-09CE8047DC5A}"/>
+              </a:ext>
+            </a:extLst>
+          </p:cNvPr>
+          <p:cNvSpPr/>
+          <p:nvPr/>
+        </p:nvSpPr>
+        <p:spPr>
+          <a:xfrm>
+            <a:off x="2474843" y="4047816"/>
+            <a:ext cx="7971183" cy="2136913"/>
+          </a:xfrm>
+          <a:prstGeom prst="rect">
+            <a:avLst/>
+          </a:prstGeom>
+          <a:solidFill>
+            <a:srgbClr val="92D050"/>
+          </a:solidFill>
+        </p:spPr>
+        <p:style>
+          <a:lnRef idx="2">
+            <a:schemeClr val="accent1">
+              <a:shade val="50000"/>
+            </a:schemeClr>
+          </a:lnRef>
+          <a:fillRef idx="1">
+            <a:schemeClr val="accent1"/>
+          </a:fillRef>
+          <a:effectRef idx="0">
+            <a:schemeClr val="accent1"/>
+          </a:effectRef>
+          <a:fontRef idx="minor">
+            <a:schemeClr val="lt1"/>
+          </a:fontRef>
+        </p:style>
+        <p:txBody>
+          <a:bodyPr rtlCol="0" anchor="ctr"/>
+          <a:lstStyle/>
+          <a:p>
+            <a:pPr algn="ctr"/>
+            <a:endParaRPr lang="zh-CN" altLang="en-US"/>
+          </a:p>
+        </p:txBody>
+      </p:sp>
+      <p:sp>
+        <p:nvSpPr>
+          <p:cNvPr id="53" name="矩形 52">
+            <a:extLst>
+              <a:ext uri="{FF2B5EF4-FFF2-40B4-BE49-F238E27FC236}">
+                <a16:creationId xmlns:a16="http://schemas.microsoft.com/office/drawing/2014/main" id="{772E4F28-7A69-4FFB-9008-446C58BD7A93}"/>
+              </a:ext>
+            </a:extLst>
+          </p:cNvPr>
+          <p:cNvSpPr/>
+          <p:nvPr/>
+        </p:nvSpPr>
+        <p:spPr>
+          <a:xfrm>
+            <a:off x="3071190" y="5638871"/>
+            <a:ext cx="894522" cy="337931"/>
+          </a:xfrm>
+          <a:prstGeom prst="rect">
+            <a:avLst/>
+          </a:prstGeom>
+          <a:noFill/>
+          <a:ln w="28575">
+            <a:solidFill>
+              <a:srgbClr val="FF0000"/>
+            </a:solidFill>
+            <a:prstDash val="lgDash"/>
+          </a:ln>
+        </p:spPr>
+        <p:style>
+          <a:lnRef idx="2">
+            <a:schemeClr val="accent1">
+              <a:shade val="50000"/>
+            </a:schemeClr>
+          </a:lnRef>
+          <a:fillRef idx="1">
+            <a:schemeClr val="accent1"/>
+          </a:fillRef>
+          <a:effectRef idx="0">
+            <a:schemeClr val="accent1"/>
+          </a:effectRef>
+          <a:fontRef idx="minor">
+            <a:schemeClr val="lt1"/>
+          </a:fontRef>
+        </p:style>
+        <p:txBody>
+          <a:bodyPr rtlCol="0" anchor="ctr"/>
+          <a:lstStyle/>
+          <a:p>
+            <a:pPr algn="ctr"/>
+            <a:endParaRPr lang="zh-CN" altLang="en-US" dirty="0"/>
+          </a:p>
+        </p:txBody>
+      </p:sp>
+      <p:sp>
+        <p:nvSpPr>
+          <p:cNvPr id="55" name="矩形 54">
+            <a:extLst>
+              <a:ext uri="{FF2B5EF4-FFF2-40B4-BE49-F238E27FC236}">
+                <a16:creationId xmlns:a16="http://schemas.microsoft.com/office/drawing/2014/main" id="{DBAB0333-A156-4A1B-A500-856D325C1160}"/>
+              </a:ext>
+            </a:extLst>
+          </p:cNvPr>
+          <p:cNvSpPr/>
+          <p:nvPr/>
+        </p:nvSpPr>
+        <p:spPr>
+          <a:xfrm>
+            <a:off x="3965712" y="5638870"/>
+            <a:ext cx="894522" cy="337931"/>
+          </a:xfrm>
+          <a:prstGeom prst="rect">
+            <a:avLst/>
+          </a:prstGeom>
+        </p:spPr>
+        <p:style>
+          <a:lnRef idx="2">
+            <a:schemeClr val="accent1">
+              <a:shade val="50000"/>
+            </a:schemeClr>
+          </a:lnRef>
+          <a:fillRef idx="1">
+            <a:schemeClr val="accent1"/>
+          </a:fillRef>
+          <a:effectRef idx="0">
+            <a:schemeClr val="accent1"/>
+          </a:effectRef>
+          <a:fontRef idx="minor">
+            <a:schemeClr val="lt1"/>
+          </a:fontRef>
+        </p:style>
+        <p:txBody>
+          <a:bodyPr rtlCol="0" anchor="ctr"/>
+          <a:lstStyle/>
+          <a:p>
+            <a:pPr algn="ctr"/>
+            <a:endParaRPr lang="zh-CN" altLang="en-US"/>
+          </a:p>
+        </p:txBody>
+      </p:sp>
+      <p:sp>
+        <p:nvSpPr>
+          <p:cNvPr id="57" name="矩形 56">
+            <a:extLst>
+              <a:ext uri="{FF2B5EF4-FFF2-40B4-BE49-F238E27FC236}">
+                <a16:creationId xmlns:a16="http://schemas.microsoft.com/office/drawing/2014/main" id="{4AA9DB68-1935-4748-87B4-F814BB2D90A5}"/>
+              </a:ext>
+            </a:extLst>
+          </p:cNvPr>
+          <p:cNvSpPr/>
+          <p:nvPr/>
+        </p:nvSpPr>
+        <p:spPr>
+          <a:xfrm>
+            <a:off x="4860234" y="5638870"/>
+            <a:ext cx="894522" cy="337931"/>
+          </a:xfrm>
+          <a:prstGeom prst="rect">
+            <a:avLst/>
+          </a:prstGeom>
+        </p:spPr>
+        <p:style>
+          <a:lnRef idx="2">
+            <a:schemeClr val="accent1">
+              <a:shade val="50000"/>
+            </a:schemeClr>
+          </a:lnRef>
+          <a:fillRef idx="1">
+            <a:schemeClr val="accent1"/>
+          </a:fillRef>
+          <a:effectRef idx="0">
+            <a:schemeClr val="accent1"/>
+          </a:effectRef>
+          <a:fontRef idx="minor">
+            <a:schemeClr val="lt1"/>
+          </a:fontRef>
+        </p:style>
+        <p:txBody>
+          <a:bodyPr rtlCol="0" anchor="ctr"/>
+          <a:lstStyle/>
+          <a:p>
+            <a:pPr algn="ctr"/>
+            <a:endParaRPr lang="zh-CN" altLang="en-US"/>
+          </a:p>
+        </p:txBody>
+      </p:sp>
+      <p:sp>
+        <p:nvSpPr>
+          <p:cNvPr id="59" name="文本框 58">
+            <a:extLst>
+              <a:ext uri="{FF2B5EF4-FFF2-40B4-BE49-F238E27FC236}">
+                <a16:creationId xmlns:a16="http://schemas.microsoft.com/office/drawing/2014/main" id="{672A77FB-7575-4DBF-BA69-5EEA24333174}"/>
+              </a:ext>
+            </a:extLst>
+          </p:cNvPr>
+          <p:cNvSpPr txBox="1"/>
+          <p:nvPr/>
+        </p:nvSpPr>
+        <p:spPr>
+          <a:xfrm>
+            <a:off x="3299790" y="5116273"/>
+            <a:ext cx="2226365" cy="369332"/>
+          </a:xfrm>
+          <a:prstGeom prst="rect">
+            <a:avLst/>
+          </a:prstGeom>
+          <a:noFill/>
+        </p:spPr>
+        <p:txBody>
+          <a:bodyPr wrap="square" rtlCol="0">
+            <a:spAutoFit/>
+          </a:bodyPr>
+          <a:lstStyle/>
+          <a:p>
+            <a:pPr algn="ctr"/>
+            <a:r>
+              <a:rPr lang="en-US" altLang="zh-CN" dirty="0"/>
+              <a:t>Ready Queue</a:t>
+            </a:r>
+            <a:endParaRPr lang="zh-CN" altLang="en-US" dirty="0"/>
+          </a:p>
+        </p:txBody>
+      </p:sp>
+      <p:sp>
+        <p:nvSpPr>
+          <p:cNvPr id="61" name="矩形 60">
+            <a:extLst>
+              <a:ext uri="{FF2B5EF4-FFF2-40B4-BE49-F238E27FC236}">
+                <a16:creationId xmlns:a16="http://schemas.microsoft.com/office/drawing/2014/main" id="{CBDA976B-07A9-4DA1-B928-62F576482BEA}"/>
+              </a:ext>
+            </a:extLst>
+          </p:cNvPr>
+          <p:cNvSpPr/>
+          <p:nvPr/>
+        </p:nvSpPr>
+        <p:spPr>
+          <a:xfrm>
+            <a:off x="6486939" y="5638870"/>
+            <a:ext cx="894522" cy="337931"/>
+          </a:xfrm>
+          <a:prstGeom prst="rect">
+            <a:avLst/>
+          </a:prstGeom>
+        </p:spPr>
+        <p:style>
+          <a:lnRef idx="2">
+            <a:schemeClr val="accent1">
+              <a:shade val="50000"/>
+            </a:schemeClr>
+          </a:lnRef>
+          <a:fillRef idx="1">
+            <a:schemeClr val="accent1"/>
+          </a:fillRef>
+          <a:effectRef idx="0">
+            <a:schemeClr val="accent1"/>
+          </a:effectRef>
+          <a:fontRef idx="minor">
+            <a:schemeClr val="lt1"/>
+          </a:fontRef>
+        </p:style>
+        <p:txBody>
+          <a:bodyPr rtlCol="0" anchor="ctr"/>
+          <a:lstStyle/>
+          <a:p>
+            <a:pPr algn="ctr"/>
+            <a:endParaRPr lang="zh-CN" altLang="en-US"/>
+          </a:p>
+        </p:txBody>
+      </p:sp>
+      <p:sp>
+        <p:nvSpPr>
+          <p:cNvPr id="63" name="矩形 62">
+            <a:extLst>
+              <a:ext uri="{FF2B5EF4-FFF2-40B4-BE49-F238E27FC236}">
+                <a16:creationId xmlns:a16="http://schemas.microsoft.com/office/drawing/2014/main" id="{46CAD045-8950-4E2A-ADD7-4A6A4F357E51}"/>
+              </a:ext>
+            </a:extLst>
+          </p:cNvPr>
+          <p:cNvSpPr/>
+          <p:nvPr/>
+        </p:nvSpPr>
+        <p:spPr>
+          <a:xfrm>
+            <a:off x="7381461" y="5638869"/>
+            <a:ext cx="894522" cy="337931"/>
+          </a:xfrm>
+          <a:prstGeom prst="rect">
+            <a:avLst/>
+          </a:prstGeom>
+        </p:spPr>
+        <p:style>
+          <a:lnRef idx="2">
+            <a:schemeClr val="accent1">
+              <a:shade val="50000"/>
+            </a:schemeClr>
+          </a:lnRef>
+          <a:fillRef idx="1">
+            <a:schemeClr val="accent1"/>
+          </a:fillRef>
+          <a:effectRef idx="0">
+            <a:schemeClr val="accent1"/>
+          </a:effectRef>
+          <a:fontRef idx="minor">
+            <a:schemeClr val="lt1"/>
+          </a:fontRef>
+        </p:style>
+        <p:txBody>
+          <a:bodyPr rtlCol="0" anchor="ctr"/>
+          <a:lstStyle/>
+          <a:p>
+            <a:pPr algn="ctr"/>
+            <a:endParaRPr lang="zh-CN" altLang="en-US"/>
+          </a:p>
+        </p:txBody>
+      </p:sp>
+      <p:sp>
+        <p:nvSpPr>
+          <p:cNvPr id="65" name="矩形 64">
+            <a:extLst>
+              <a:ext uri="{FF2B5EF4-FFF2-40B4-BE49-F238E27FC236}">
+                <a16:creationId xmlns:a16="http://schemas.microsoft.com/office/drawing/2014/main" id="{3531597B-7F2E-476C-B377-C5945BB447C5}"/>
+              </a:ext>
+            </a:extLst>
+          </p:cNvPr>
+          <p:cNvSpPr/>
+          <p:nvPr/>
+        </p:nvSpPr>
+        <p:spPr>
+          <a:xfrm>
+            <a:off x="8275983" y="5638868"/>
+            <a:ext cx="894522" cy="337931"/>
+          </a:xfrm>
+          <a:prstGeom prst="rect">
+            <a:avLst/>
+          </a:prstGeom>
+        </p:spPr>
+        <p:style>
+          <a:lnRef idx="2">
+            <a:schemeClr val="accent1">
+              <a:shade val="50000"/>
+            </a:schemeClr>
+          </a:lnRef>
+          <a:fillRef idx="1">
+            <a:schemeClr val="accent1"/>
+          </a:fillRef>
+          <a:effectRef idx="0">
+            <a:schemeClr val="accent1"/>
+          </a:effectRef>
+          <a:fontRef idx="minor">
+            <a:schemeClr val="lt1"/>
+          </a:fontRef>
+        </p:style>
+        <p:txBody>
+          <a:bodyPr rtlCol="0" anchor="ctr"/>
+          <a:lstStyle/>
+          <a:p>
+            <a:pPr algn="ctr"/>
+            <a:endParaRPr lang="zh-CN" altLang="en-US"/>
+          </a:p>
+        </p:txBody>
+      </p:sp>
+      <p:sp>
+        <p:nvSpPr>
+          <p:cNvPr id="67" name="文本框 66">
+            <a:extLst>
+              <a:ext uri="{FF2B5EF4-FFF2-40B4-BE49-F238E27FC236}">
+                <a16:creationId xmlns:a16="http://schemas.microsoft.com/office/drawing/2014/main" id="{123C3856-44BD-4F87-85D1-94915FFAB23B}"/>
+              </a:ext>
+            </a:extLst>
+          </p:cNvPr>
+          <p:cNvSpPr txBox="1"/>
+          <p:nvPr/>
+        </p:nvSpPr>
+        <p:spPr>
+          <a:xfrm>
+            <a:off x="6715539" y="5116273"/>
+            <a:ext cx="2226365" cy="369332"/>
+          </a:xfrm>
+          <a:prstGeom prst="rect">
+            <a:avLst/>
+          </a:prstGeom>
+          <a:noFill/>
+        </p:spPr>
+        <p:txBody>
+          <a:bodyPr wrap="square" rtlCol="0">
+            <a:spAutoFit/>
+          </a:bodyPr>
+          <a:lstStyle/>
+          <a:p>
+            <a:pPr algn="ctr"/>
+            <a:r>
+              <a:rPr lang="en-US" altLang="zh-CN" dirty="0"/>
+              <a:t>Blocked Queue</a:t>
+            </a:r>
+            <a:endParaRPr lang="zh-CN" altLang="en-US" dirty="0"/>
+          </a:p>
+        </p:txBody>
+      </p:sp>
+      <p:sp>
+        <p:nvSpPr>
+          <p:cNvPr id="69" name="文本框 68">
+            <a:extLst>
+              <a:ext uri="{FF2B5EF4-FFF2-40B4-BE49-F238E27FC236}">
+                <a16:creationId xmlns:a16="http://schemas.microsoft.com/office/drawing/2014/main" id="{1D4959AC-66C3-4097-9660-F08550B994F1}"/>
+              </a:ext>
+            </a:extLst>
+          </p:cNvPr>
+          <p:cNvSpPr txBox="1"/>
+          <p:nvPr/>
+        </p:nvSpPr>
+        <p:spPr>
+          <a:xfrm>
+            <a:off x="5088834" y="4376602"/>
+            <a:ext cx="2226365" cy="369332"/>
+          </a:xfrm>
+          <a:prstGeom prst="rect">
+            <a:avLst/>
+          </a:prstGeom>
+          <a:noFill/>
+        </p:spPr>
+        <p:txBody>
+          <a:bodyPr wrap="square" rtlCol="0">
+            <a:spAutoFit/>
+          </a:bodyPr>
+          <a:lstStyle/>
+          <a:p>
+            <a:pPr algn="ctr"/>
+            <a:r>
+              <a:rPr lang="en-US" altLang="zh-CN" dirty="0"/>
+              <a:t>Executor</a:t>
+            </a:r>
+            <a:endParaRPr lang="zh-CN" altLang="en-US" dirty="0"/>
+          </a:p>
+        </p:txBody>
+      </p:sp>
+      <p:sp>
+        <p:nvSpPr>
+          <p:cNvPr id="71" name="矩形 70">
+            <a:extLst>
+              <a:ext uri="{FF2B5EF4-FFF2-40B4-BE49-F238E27FC236}">
+                <a16:creationId xmlns:a16="http://schemas.microsoft.com/office/drawing/2014/main" id="{1B4451E2-44FA-43E3-AA3F-6F338C102308}"/>
+              </a:ext>
+            </a:extLst>
+          </p:cNvPr>
+          <p:cNvSpPr/>
+          <p:nvPr/>
+        </p:nvSpPr>
+        <p:spPr>
+          <a:xfrm>
+            <a:off x="9170505" y="5638868"/>
+            <a:ext cx="894522" cy="337931"/>
+          </a:xfrm>
+          <a:prstGeom prst="rect">
+            <a:avLst/>
+          </a:prstGeom>
+          <a:solidFill>
+            <a:srgbClr val="FF0000"/>
+          </a:solidFill>
+        </p:spPr>
+        <p:style>
+          <a:lnRef idx="2">
+            <a:schemeClr val="accent1">
+              <a:shade val="50000"/>
+            </a:schemeClr>
+          </a:lnRef>
+          <a:fillRef idx="1">
+            <a:schemeClr val="accent1"/>
+          </a:fillRef>
+          <a:effectRef idx="0">
+            <a:schemeClr val="accent1"/>
+          </a:effectRef>
+          <a:fontRef idx="minor">
+            <a:schemeClr val="lt1"/>
+          </a:fontRef>
+        </p:style>
+        <p:txBody>
+          <a:bodyPr rtlCol="0" anchor="ctr"/>
+          <a:lstStyle/>
+          <a:p>
+            <a:pPr algn="ctr"/>
+            <a:r>
+              <a:rPr lang="en-US" altLang="zh-CN" dirty="0"/>
+              <a:t>Root</a:t>
+            </a:r>
+            <a:endParaRPr lang="zh-CN" altLang="en-US" dirty="0"/>
+          </a:p>
+        </p:txBody>
+      </p:sp>
+      <p:sp>
+        <p:nvSpPr>
+          <p:cNvPr id="77" name="文本框 76">
+            <a:extLst>
+              <a:ext uri="{FF2B5EF4-FFF2-40B4-BE49-F238E27FC236}">
+                <a16:creationId xmlns:a16="http://schemas.microsoft.com/office/drawing/2014/main" id="{0296917D-0CDF-4C95-BBA0-E38802793EED}"/>
+              </a:ext>
+            </a:extLst>
+          </p:cNvPr>
+          <p:cNvSpPr txBox="1"/>
+          <p:nvPr/>
+        </p:nvSpPr>
+        <p:spPr>
+          <a:xfrm>
+            <a:off x="278296" y="4793106"/>
+            <a:ext cx="1679713" cy="646331"/>
+          </a:xfrm>
+          <a:prstGeom prst="rect">
+            <a:avLst/>
+          </a:prstGeom>
+          <a:noFill/>
+          <a:ln>
+            <a:solidFill>
+              <a:schemeClr val="accent1"/>
+            </a:solidFill>
+          </a:ln>
+        </p:spPr>
+        <p:txBody>
+          <a:bodyPr wrap="square" rtlCol="0">
+            <a:spAutoFit/>
+          </a:bodyPr>
+          <a:lstStyle/>
+          <a:p>
+            <a:pPr algn="ctr"/>
+            <a:r>
+              <a:rPr lang="en-US" altLang="zh-CN" dirty="0"/>
+              <a:t>Sleep Root</a:t>
+            </a:r>
+          </a:p>
+          <a:p>
+            <a:pPr algn="ctr"/>
+            <a:r>
+              <a:rPr lang="en-US" altLang="zh-CN" dirty="0"/>
+              <a:t>In Executor</a:t>
+            </a:r>
+            <a:endParaRPr lang="zh-CN" altLang="en-US" dirty="0"/>
+          </a:p>
+        </p:txBody>
+      </p:sp>
+      <p:cxnSp>
+        <p:nvCxnSpPr>
+          <p:cNvPr id="79" name="直接连接符 78">
+            <a:extLst>
+              <a:ext uri="{FF2B5EF4-FFF2-40B4-BE49-F238E27FC236}">
+                <a16:creationId xmlns:a16="http://schemas.microsoft.com/office/drawing/2014/main" id="{B6EA90E7-16C9-42F4-9F6C-FBF88E68EB3B}"/>
+              </a:ext>
+            </a:extLst>
+          </p:cNvPr>
+          <p:cNvCxnSpPr>
+            <a:stCxn id="77" idx="3"/>
+            <a:endCxn id="51" idx="1"/>
+          </p:cNvCxnSpPr>
+          <p:nvPr/>
+        </p:nvCxnSpPr>
+        <p:spPr>
+          <a:xfrm>
+            <a:off x="1958009" y="5116272"/>
+            <a:ext cx="516834" cy="1"/>
+          </a:xfrm>
+          <a:prstGeom prst="line">
+            <a:avLst/>
+          </a:prstGeom>
+          <a:ln>
+            <a:prstDash val="lgDash"/>
+          </a:ln>
+        </p:spPr>
+        <p:style>
+          <a:lnRef idx="1">
+            <a:schemeClr val="accent1"/>
+          </a:lnRef>
+          <a:fillRef idx="0">
+            <a:schemeClr val="accent1"/>
+          </a:fillRef>
+          <a:effectRef idx="0">
+            <a:schemeClr val="accent1"/>
+          </a:effectRef>
+          <a:fontRef idx="minor">
+            <a:schemeClr val="tx1"/>
+          </a:fontRef>
+        </p:style>
+      </p:cxnSp>
+      <p:cxnSp>
+        <p:nvCxnSpPr>
+          <p:cNvPr id="81" name="直接连接符 80">
+            <a:extLst>
+              <a:ext uri="{FF2B5EF4-FFF2-40B4-BE49-F238E27FC236}">
+                <a16:creationId xmlns:a16="http://schemas.microsoft.com/office/drawing/2014/main" id="{0B65112F-95C4-4AD4-8D64-35494F414C5B}"/>
+              </a:ext>
+            </a:extLst>
+          </p:cNvPr>
+          <p:cNvCxnSpPr>
+            <a:stCxn id="43" idx="2"/>
+            <a:endCxn id="77" idx="0"/>
+          </p:cNvCxnSpPr>
+          <p:nvPr/>
+        </p:nvCxnSpPr>
+        <p:spPr>
+          <a:xfrm>
+            <a:off x="1118153" y="3256251"/>
+            <a:ext cx="0" cy="1536855"/>
+          </a:xfrm>
+          <a:prstGeom prst="line">
+            <a:avLst/>
+          </a:prstGeom>
+          <a:ln>
+            <a:prstDash val="lgDash"/>
+          </a:ln>
+        </p:spPr>
+        <p:style>
+          <a:lnRef idx="1">
+            <a:schemeClr val="accent1"/>
+          </a:lnRef>
+          <a:fillRef idx="0">
+            <a:schemeClr val="accent1"/>
+          </a:fillRef>
+          <a:effectRef idx="0">
+            <a:schemeClr val="accent1"/>
+          </a:effectRef>
+          <a:fontRef idx="minor">
+            <a:schemeClr val="tx1"/>
+          </a:fontRef>
+        </p:style>
+      </p:cxnSp>
+      <p:sp>
+        <p:nvSpPr>
+          <p:cNvPr id="83" name="文本框 82">
+            <a:extLst>
+              <a:ext uri="{FF2B5EF4-FFF2-40B4-BE49-F238E27FC236}">
+                <a16:creationId xmlns:a16="http://schemas.microsoft.com/office/drawing/2014/main" id="{D518DA47-45CA-480D-9A85-1512F574471D}"/>
+              </a:ext>
+            </a:extLst>
+          </p:cNvPr>
+          <p:cNvSpPr txBox="1"/>
+          <p:nvPr/>
+        </p:nvSpPr>
+        <p:spPr>
+          <a:xfrm>
+            <a:off x="278296" y="6104285"/>
+            <a:ext cx="1679713" cy="369332"/>
+          </a:xfrm>
+          <a:prstGeom prst="rect">
+            <a:avLst/>
+          </a:prstGeom>
+          <a:noFill/>
+          <a:ln>
+            <a:solidFill>
+              <a:schemeClr val="accent1"/>
+            </a:solidFill>
+          </a:ln>
+        </p:spPr>
+        <p:txBody>
+          <a:bodyPr wrap="square" rtlCol="0">
+            <a:spAutoFit/>
+          </a:bodyPr>
+          <a:lstStyle/>
+          <a:p>
+            <a:pPr algn="ctr"/>
+            <a:r>
+              <a:rPr lang="en-US" altLang="zh-CN" dirty="0"/>
+              <a:t>Cycle End</a:t>
+            </a:r>
+          </a:p>
+        </p:txBody>
+      </p:sp>
+      <p:cxnSp>
+        <p:nvCxnSpPr>
+          <p:cNvPr id="85" name="直接连接符 84">
+            <a:extLst>
+              <a:ext uri="{FF2B5EF4-FFF2-40B4-BE49-F238E27FC236}">
+                <a16:creationId xmlns:a16="http://schemas.microsoft.com/office/drawing/2014/main" id="{4DD77625-C6D1-454E-8469-AAF7AD5364F0}"/>
+              </a:ext>
+            </a:extLst>
+          </p:cNvPr>
+          <p:cNvCxnSpPr>
+            <a:stCxn id="77" idx="2"/>
+            <a:endCxn id="83" idx="0"/>
+          </p:cNvCxnSpPr>
+          <p:nvPr/>
+        </p:nvCxnSpPr>
+        <p:spPr>
+          <a:xfrm>
+            <a:off x="1118153" y="5439437"/>
+            <a:ext cx="0" cy="664848"/>
+          </a:xfrm>
+          <a:prstGeom prst="line">
+            <a:avLst/>
+          </a:prstGeom>
+          <a:ln>
+            <a:prstDash val="lgDash"/>
+          </a:ln>
+        </p:spPr>
+        <p:style>
+          <a:lnRef idx="1">
+            <a:schemeClr val="accent1"/>
+          </a:lnRef>
+          <a:fillRef idx="0">
+            <a:schemeClr val="accent1"/>
+          </a:fillRef>
+          <a:effectRef idx="0">
+            <a:schemeClr val="accent1"/>
+          </a:effectRef>
+          <a:fontRef idx="minor">
+            <a:schemeClr val="tx1"/>
+          </a:fontRef>
+        </p:style>
+      </p:cxnSp>
+    </p:spTree>
+    <p:extLst>
+      <p:ext uri="{BB962C8B-B14F-4D97-AF65-F5344CB8AC3E}">
+        <p14:creationId xmlns:p14="http://schemas.microsoft.com/office/powerpoint/2010/main" val="1626692715"/>
+      </p:ext>
+    </p:extLst>
+  </p:cSld>
+  <p:clrMapOvr>
+    <a:masterClrMapping/>
+  </p:clrMapOvr>
+</p:sld>
+</file>
+
+<file path=ppt/slides/slide19.xml><?xml version="1.0" encoding="utf-8"?>
+<p:sld xmlns:a="http://schemas.openxmlformats.org/drawingml/2006/main" xmlns:r="http://schemas.openxmlformats.org/officeDocument/2006/relationships" xmlns:p="http://schemas.openxmlformats.org/presentationml/2006/main">
+  <p:cSld>
+    <p:spTree>
+      <p:nvGrpSpPr>
+        <p:cNvPr id="1" name=""/>
+        <p:cNvGrpSpPr/>
+        <p:nvPr/>
+      </p:nvGrpSpPr>
+      <p:grpSpPr>
+        <a:xfrm>
+          <a:off x="0" y="0"/>
+          <a:ext cx="0" cy="0"/>
+          <a:chOff x="0" y="0"/>
+          <a:chExt cx="0" cy="0"/>
+        </a:xfrm>
+      </p:grpSpPr>
+      <p:sp>
+        <p:nvSpPr>
+          <p:cNvPr id="2" name="文本框 1">
+            <a:extLst>
+              <a:ext uri="{FF2B5EF4-FFF2-40B4-BE49-F238E27FC236}">
+                <a16:creationId xmlns:a16="http://schemas.microsoft.com/office/drawing/2014/main" id="{20E31BA4-FA19-4D19-85B1-A47774BF6DC7}"/>
+              </a:ext>
+            </a:extLst>
+          </p:cNvPr>
+          <p:cNvSpPr txBox="1"/>
+          <p:nvPr/>
+        </p:nvSpPr>
+        <p:spPr>
+          <a:xfrm>
+            <a:off x="506895" y="989191"/>
+            <a:ext cx="1669774" cy="646331"/>
+          </a:xfrm>
+          <a:prstGeom prst="rect">
+            <a:avLst/>
+          </a:prstGeom>
+          <a:noFill/>
+          <a:ln>
+            <a:solidFill>
+              <a:schemeClr val="accent1"/>
+            </a:solidFill>
+          </a:ln>
+        </p:spPr>
+        <p:txBody>
+          <a:bodyPr wrap="square" rtlCol="0">
+            <a:spAutoFit/>
+          </a:bodyPr>
+          <a:lstStyle/>
+          <a:p>
+            <a:r>
+              <a:rPr lang="en-US" altLang="zh-CN" dirty="0"/>
+              <a:t>Serial Ready</a:t>
+            </a:r>
+          </a:p>
+          <a:p>
+            <a:r>
+              <a:rPr lang="en-US" altLang="zh-CN" dirty="0"/>
+              <a:t>Get Context</a:t>
+            </a:r>
+            <a:endParaRPr lang="zh-CN" altLang="en-US" dirty="0"/>
+          </a:p>
+        </p:txBody>
+      </p:sp>
+      <p:sp>
+        <p:nvSpPr>
+          <p:cNvPr id="22" name="矩形 21">
+            <a:extLst>
+              <a:ext uri="{FF2B5EF4-FFF2-40B4-BE49-F238E27FC236}">
+                <a16:creationId xmlns:a16="http://schemas.microsoft.com/office/drawing/2014/main" id="{CBF13B29-B019-4BA1-B886-53508E0A437A}"/>
+              </a:ext>
+            </a:extLst>
+          </p:cNvPr>
+          <p:cNvSpPr/>
+          <p:nvPr/>
+        </p:nvSpPr>
+        <p:spPr>
+          <a:xfrm>
+            <a:off x="4331804" y="79904"/>
+            <a:ext cx="3707296" cy="2643810"/>
+          </a:xfrm>
+          <a:prstGeom prst="rect">
+            <a:avLst/>
+          </a:prstGeom>
+          <a:solidFill>
+            <a:schemeClr val="accent4"/>
+          </a:solidFill>
+        </p:spPr>
+        <p:style>
+          <a:lnRef idx="2">
+            <a:schemeClr val="accent1">
+              <a:shade val="50000"/>
+            </a:schemeClr>
+          </a:lnRef>
+          <a:fillRef idx="1">
+            <a:schemeClr val="accent1"/>
+          </a:fillRef>
+          <a:effectRef idx="0">
+            <a:schemeClr val="accent1"/>
+          </a:effectRef>
+          <a:fontRef idx="minor">
+            <a:schemeClr val="lt1"/>
+          </a:fontRef>
+        </p:style>
+        <p:txBody>
+          <a:bodyPr rtlCol="0" anchor="ctr"/>
+          <a:lstStyle/>
+          <a:p>
+            <a:pPr algn="ctr"/>
+            <a:endParaRPr lang="zh-CN" altLang="en-US" dirty="0"/>
+          </a:p>
+        </p:txBody>
+      </p:sp>
+      <p:sp>
+        <p:nvSpPr>
+          <p:cNvPr id="24" name="矩形 23">
+            <a:extLst>
+              <a:ext uri="{FF2B5EF4-FFF2-40B4-BE49-F238E27FC236}">
+                <a16:creationId xmlns:a16="http://schemas.microsoft.com/office/drawing/2014/main" id="{FD61EAA8-E8D8-4939-A3C2-3D3D729E4401}"/>
+              </a:ext>
+            </a:extLst>
+          </p:cNvPr>
+          <p:cNvSpPr/>
+          <p:nvPr/>
+        </p:nvSpPr>
+        <p:spPr>
+          <a:xfrm>
+            <a:off x="4818823" y="934670"/>
+            <a:ext cx="1560444" cy="377687"/>
+          </a:xfrm>
+          <a:prstGeom prst="rect">
+            <a:avLst/>
+          </a:prstGeom>
+          <a:solidFill>
+            <a:srgbClr val="7030A0"/>
+          </a:solidFill>
+        </p:spPr>
+        <p:style>
+          <a:lnRef idx="2">
+            <a:schemeClr val="accent1">
+              <a:shade val="50000"/>
+            </a:schemeClr>
+          </a:lnRef>
+          <a:fillRef idx="1">
+            <a:schemeClr val="accent1"/>
+          </a:fillRef>
+          <a:effectRef idx="0">
+            <a:schemeClr val="accent1"/>
+          </a:effectRef>
+          <a:fontRef idx="minor">
+            <a:schemeClr val="lt1"/>
+          </a:fontRef>
+        </p:style>
+        <p:txBody>
+          <a:bodyPr rtlCol="0" anchor="ctr"/>
+          <a:lstStyle/>
+          <a:p>
+            <a:pPr algn="ctr"/>
+            <a:r>
+              <a:rPr lang="en-US" altLang="zh-CN" dirty="0"/>
+              <a:t>IOType1</a:t>
+            </a:r>
+            <a:endParaRPr lang="zh-CN" altLang="en-US" dirty="0"/>
+          </a:p>
+        </p:txBody>
+      </p:sp>
+      <p:sp>
+        <p:nvSpPr>
+          <p:cNvPr id="26" name="矩形 25">
+            <a:extLst>
+              <a:ext uri="{FF2B5EF4-FFF2-40B4-BE49-F238E27FC236}">
+                <a16:creationId xmlns:a16="http://schemas.microsoft.com/office/drawing/2014/main" id="{B5A5DC08-B86B-42B9-84D2-2EF2191437FB}"/>
+              </a:ext>
+            </a:extLst>
+          </p:cNvPr>
+          <p:cNvSpPr/>
+          <p:nvPr/>
+        </p:nvSpPr>
+        <p:spPr>
+          <a:xfrm>
+            <a:off x="6379266" y="934670"/>
+            <a:ext cx="1172817" cy="377687"/>
+          </a:xfrm>
+          <a:prstGeom prst="rect">
+            <a:avLst/>
+          </a:prstGeom>
+          <a:solidFill>
+            <a:schemeClr val="accent2">
+              <a:lumMod val="75000"/>
+            </a:schemeClr>
+          </a:solidFill>
+        </p:spPr>
+        <p:style>
+          <a:lnRef idx="2">
+            <a:schemeClr val="accent1">
+              <a:shade val="50000"/>
+            </a:schemeClr>
+          </a:lnRef>
+          <a:fillRef idx="1">
+            <a:schemeClr val="accent1"/>
+          </a:fillRef>
+          <a:effectRef idx="0">
+            <a:schemeClr val="accent1"/>
+          </a:effectRef>
+          <a:fontRef idx="minor">
+            <a:schemeClr val="lt1"/>
+          </a:fontRef>
+        </p:style>
+        <p:txBody>
+          <a:bodyPr rtlCol="0" anchor="ctr"/>
+          <a:lstStyle/>
+          <a:p>
+            <a:pPr algn="ctr"/>
+            <a:r>
+              <a:rPr lang="en-US" altLang="zh-CN" dirty="0"/>
+              <a:t>Context1</a:t>
+            </a:r>
+            <a:endParaRPr lang="zh-CN" altLang="en-US" dirty="0"/>
+          </a:p>
+        </p:txBody>
+      </p:sp>
+      <p:sp>
+        <p:nvSpPr>
+          <p:cNvPr id="28" name="矩形 27">
+            <a:extLst>
+              <a:ext uri="{FF2B5EF4-FFF2-40B4-BE49-F238E27FC236}">
+                <a16:creationId xmlns:a16="http://schemas.microsoft.com/office/drawing/2014/main" id="{9AF2746D-BC20-492E-8DD0-D113C29D4114}"/>
+              </a:ext>
+            </a:extLst>
+          </p:cNvPr>
+          <p:cNvSpPr/>
+          <p:nvPr/>
+        </p:nvSpPr>
+        <p:spPr>
+          <a:xfrm>
+            <a:off x="4818822" y="1312357"/>
+            <a:ext cx="1560444" cy="377687"/>
+          </a:xfrm>
+          <a:prstGeom prst="rect">
+            <a:avLst/>
+          </a:prstGeom>
+          <a:solidFill>
+            <a:srgbClr val="7030A0"/>
+          </a:solidFill>
+        </p:spPr>
+        <p:style>
+          <a:lnRef idx="2">
+            <a:schemeClr val="accent1">
+              <a:shade val="50000"/>
+            </a:schemeClr>
+          </a:lnRef>
+          <a:fillRef idx="1">
+            <a:schemeClr val="accent1"/>
+          </a:fillRef>
+          <a:effectRef idx="0">
+            <a:schemeClr val="accent1"/>
+          </a:effectRef>
+          <a:fontRef idx="minor">
+            <a:schemeClr val="lt1"/>
+          </a:fontRef>
+        </p:style>
+        <p:txBody>
+          <a:bodyPr rtlCol="0" anchor="ctr"/>
+          <a:lstStyle/>
+          <a:p>
+            <a:pPr algn="ctr"/>
+            <a:r>
+              <a:rPr lang="en-US" altLang="zh-CN" dirty="0"/>
+              <a:t>IOType2</a:t>
+            </a:r>
+            <a:endParaRPr lang="zh-CN" altLang="en-US" dirty="0"/>
+          </a:p>
+        </p:txBody>
+      </p:sp>
+      <p:sp>
+        <p:nvSpPr>
+          <p:cNvPr id="30" name="矩形 29">
+            <a:extLst>
+              <a:ext uri="{FF2B5EF4-FFF2-40B4-BE49-F238E27FC236}">
+                <a16:creationId xmlns:a16="http://schemas.microsoft.com/office/drawing/2014/main" id="{8131B504-08D4-4EAD-9389-47A07BAA3831}"/>
+              </a:ext>
+            </a:extLst>
+          </p:cNvPr>
+          <p:cNvSpPr/>
+          <p:nvPr/>
+        </p:nvSpPr>
+        <p:spPr>
+          <a:xfrm>
+            <a:off x="6379265" y="1312357"/>
+            <a:ext cx="1172817" cy="377687"/>
+          </a:xfrm>
+          <a:prstGeom prst="rect">
+            <a:avLst/>
+          </a:prstGeom>
+          <a:solidFill>
+            <a:schemeClr val="accent2">
+              <a:lumMod val="75000"/>
+            </a:schemeClr>
+          </a:solidFill>
+        </p:spPr>
+        <p:style>
+          <a:lnRef idx="2">
+            <a:schemeClr val="accent1">
+              <a:shade val="50000"/>
+            </a:schemeClr>
+          </a:lnRef>
+          <a:fillRef idx="1">
+            <a:schemeClr val="accent1"/>
+          </a:fillRef>
+          <a:effectRef idx="0">
+            <a:schemeClr val="accent1"/>
+          </a:effectRef>
+          <a:fontRef idx="minor">
+            <a:schemeClr val="lt1"/>
+          </a:fontRef>
+        </p:style>
+        <p:txBody>
+          <a:bodyPr rtlCol="0" anchor="ctr"/>
+          <a:lstStyle/>
+          <a:p>
+            <a:pPr algn="ctr"/>
+            <a:r>
+              <a:rPr lang="en-US" altLang="zh-CN" dirty="0"/>
+              <a:t>Context2</a:t>
+            </a:r>
+            <a:endParaRPr lang="zh-CN" altLang="en-US" dirty="0"/>
+          </a:p>
+        </p:txBody>
+      </p:sp>
+      <p:sp>
+        <p:nvSpPr>
+          <p:cNvPr id="32" name="矩形 31">
+            <a:extLst>
+              <a:ext uri="{FF2B5EF4-FFF2-40B4-BE49-F238E27FC236}">
+                <a16:creationId xmlns:a16="http://schemas.microsoft.com/office/drawing/2014/main" id="{6D2CFEE4-E286-4037-8EA9-56C1E331749A}"/>
+              </a:ext>
+            </a:extLst>
+          </p:cNvPr>
+          <p:cNvSpPr/>
+          <p:nvPr/>
+        </p:nvSpPr>
+        <p:spPr>
+          <a:xfrm>
+            <a:off x="4818822" y="1690044"/>
+            <a:ext cx="1560444" cy="377687"/>
+          </a:xfrm>
+          <a:prstGeom prst="rect">
+            <a:avLst/>
+          </a:prstGeom>
+          <a:solidFill>
+            <a:srgbClr val="7030A0"/>
+          </a:solidFill>
+        </p:spPr>
+        <p:style>
+          <a:lnRef idx="2">
+            <a:schemeClr val="accent1">
+              <a:shade val="50000"/>
+            </a:schemeClr>
+          </a:lnRef>
+          <a:fillRef idx="1">
+            <a:schemeClr val="accent1"/>
+          </a:fillRef>
+          <a:effectRef idx="0">
+            <a:schemeClr val="accent1"/>
+          </a:effectRef>
+          <a:fontRef idx="minor">
+            <a:schemeClr val="lt1"/>
+          </a:fontRef>
+        </p:style>
+        <p:txBody>
+          <a:bodyPr rtlCol="0" anchor="ctr"/>
+          <a:lstStyle/>
+          <a:p>
+            <a:pPr algn="ctr"/>
+            <a:r>
+              <a:rPr lang="en-US" altLang="zh-CN" dirty="0"/>
+              <a:t>IOType3</a:t>
+            </a:r>
+            <a:endParaRPr lang="zh-CN" altLang="en-US" dirty="0"/>
+          </a:p>
+        </p:txBody>
+      </p:sp>
+      <p:sp>
+        <p:nvSpPr>
+          <p:cNvPr id="34" name="矩形 33">
+            <a:extLst>
+              <a:ext uri="{FF2B5EF4-FFF2-40B4-BE49-F238E27FC236}">
+                <a16:creationId xmlns:a16="http://schemas.microsoft.com/office/drawing/2014/main" id="{AE2B5249-91BA-47E5-9D1A-9593CEF56EB6}"/>
+              </a:ext>
+            </a:extLst>
+          </p:cNvPr>
+          <p:cNvSpPr/>
+          <p:nvPr/>
+        </p:nvSpPr>
+        <p:spPr>
+          <a:xfrm>
+            <a:off x="6379265" y="1690044"/>
+            <a:ext cx="1172817" cy="377687"/>
+          </a:xfrm>
+          <a:prstGeom prst="rect">
+            <a:avLst/>
+          </a:prstGeom>
+          <a:solidFill>
+            <a:schemeClr val="accent2">
+              <a:lumMod val="75000"/>
+            </a:schemeClr>
+          </a:solidFill>
+        </p:spPr>
+        <p:style>
+          <a:lnRef idx="2">
+            <a:schemeClr val="accent1">
+              <a:shade val="50000"/>
+            </a:schemeClr>
+          </a:lnRef>
+          <a:fillRef idx="1">
+            <a:schemeClr val="accent1"/>
+          </a:fillRef>
+          <a:effectRef idx="0">
+            <a:schemeClr val="accent1"/>
+          </a:effectRef>
+          <a:fontRef idx="minor">
+            <a:schemeClr val="lt1"/>
+          </a:fontRef>
+        </p:style>
+        <p:txBody>
+          <a:bodyPr rtlCol="0" anchor="ctr"/>
+          <a:lstStyle/>
+          <a:p>
+            <a:pPr algn="ctr"/>
+            <a:r>
+              <a:rPr lang="en-US" altLang="zh-CN" dirty="0"/>
+              <a:t>Context2</a:t>
+            </a:r>
+            <a:endParaRPr lang="zh-CN" altLang="en-US" dirty="0"/>
+          </a:p>
+        </p:txBody>
+      </p:sp>
+      <p:sp>
+        <p:nvSpPr>
+          <p:cNvPr id="36" name="文本框 35">
+            <a:extLst>
+              <a:ext uri="{FF2B5EF4-FFF2-40B4-BE49-F238E27FC236}">
+                <a16:creationId xmlns:a16="http://schemas.microsoft.com/office/drawing/2014/main" id="{A8C93D3A-14E0-457B-A597-54182A62DD9D}"/>
+              </a:ext>
+            </a:extLst>
+          </p:cNvPr>
+          <p:cNvSpPr txBox="1"/>
+          <p:nvPr/>
+        </p:nvSpPr>
+        <p:spPr>
+          <a:xfrm>
+            <a:off x="5405229" y="422805"/>
+            <a:ext cx="1560444" cy="377687"/>
+          </a:xfrm>
+          <a:prstGeom prst="rect">
+            <a:avLst/>
+          </a:prstGeom>
+          <a:noFill/>
+        </p:spPr>
+        <p:txBody>
+          <a:bodyPr wrap="square" rtlCol="0">
+            <a:spAutoFit/>
+          </a:bodyPr>
+          <a:lstStyle/>
+          <a:p>
+            <a:pPr algn="ctr"/>
+            <a:r>
+              <a:rPr lang="en-US" altLang="zh-CN" dirty="0"/>
+              <a:t>Reactor</a:t>
+            </a:r>
+            <a:endParaRPr lang="zh-CN" altLang="en-US" dirty="0"/>
+          </a:p>
+        </p:txBody>
+      </p:sp>
+      <p:sp>
+        <p:nvSpPr>
+          <p:cNvPr id="38" name="矩形 37">
+            <a:extLst>
+              <a:ext uri="{FF2B5EF4-FFF2-40B4-BE49-F238E27FC236}">
+                <a16:creationId xmlns:a16="http://schemas.microsoft.com/office/drawing/2014/main" id="{7F71EE1F-176A-4D96-9A9A-33456458FE21}"/>
+              </a:ext>
+            </a:extLst>
+          </p:cNvPr>
+          <p:cNvSpPr/>
+          <p:nvPr/>
+        </p:nvSpPr>
+        <p:spPr>
+          <a:xfrm>
+            <a:off x="4825447" y="2063868"/>
+            <a:ext cx="1560444" cy="377687"/>
+          </a:xfrm>
+          <a:prstGeom prst="rect">
+            <a:avLst/>
+          </a:prstGeom>
+          <a:solidFill>
+            <a:srgbClr val="7030A0"/>
+          </a:solidFill>
+        </p:spPr>
+        <p:style>
+          <a:lnRef idx="2">
+            <a:schemeClr val="accent1">
+              <a:shade val="50000"/>
+            </a:schemeClr>
+          </a:lnRef>
+          <a:fillRef idx="1">
+            <a:schemeClr val="accent1"/>
+          </a:fillRef>
+          <a:effectRef idx="0">
+            <a:schemeClr val="accent1"/>
+          </a:effectRef>
+          <a:fontRef idx="minor">
+            <a:schemeClr val="lt1"/>
+          </a:fontRef>
+        </p:style>
+        <p:txBody>
+          <a:bodyPr rtlCol="0" anchor="ctr"/>
+          <a:lstStyle/>
+          <a:p>
+            <a:pPr algn="ctr"/>
+            <a:r>
+              <a:rPr lang="en-US" altLang="zh-CN" dirty="0"/>
+              <a:t>Serial</a:t>
+            </a:r>
+            <a:endParaRPr lang="zh-CN" altLang="en-US" dirty="0"/>
+          </a:p>
+        </p:txBody>
+      </p:sp>
+      <p:sp>
+        <p:nvSpPr>
+          <p:cNvPr id="40" name="矩形 39">
+            <a:extLst>
+              <a:ext uri="{FF2B5EF4-FFF2-40B4-BE49-F238E27FC236}">
+                <a16:creationId xmlns:a16="http://schemas.microsoft.com/office/drawing/2014/main" id="{4DCDBE48-F63A-4F00-95E0-6EE36792D538}"/>
+              </a:ext>
+            </a:extLst>
+          </p:cNvPr>
+          <p:cNvSpPr/>
+          <p:nvPr/>
+        </p:nvSpPr>
+        <p:spPr>
+          <a:xfrm>
+            <a:off x="6382578" y="2068122"/>
+            <a:ext cx="1172817" cy="377687"/>
+          </a:xfrm>
+          <a:prstGeom prst="rect">
+            <a:avLst/>
+          </a:prstGeom>
+          <a:solidFill>
+            <a:schemeClr val="accent2">
+              <a:lumMod val="75000"/>
+            </a:schemeClr>
+          </a:solidFill>
+        </p:spPr>
+        <p:style>
+          <a:lnRef idx="2">
+            <a:schemeClr val="accent1">
+              <a:shade val="50000"/>
+            </a:schemeClr>
+          </a:lnRef>
+          <a:fillRef idx="1">
+            <a:schemeClr val="accent1"/>
+          </a:fillRef>
+          <a:effectRef idx="0">
+            <a:schemeClr val="accent1"/>
+          </a:effectRef>
+          <a:fontRef idx="minor">
+            <a:schemeClr val="lt1"/>
+          </a:fontRef>
+        </p:style>
+        <p:txBody>
+          <a:bodyPr rtlCol="0" anchor="ctr"/>
+          <a:lstStyle/>
+          <a:p>
+            <a:pPr algn="ctr"/>
+            <a:r>
+              <a:rPr lang="en-US" altLang="zh-CN" dirty="0"/>
+              <a:t>cx</a:t>
+            </a:r>
+            <a:endParaRPr lang="zh-CN" altLang="en-US" dirty="0"/>
+          </a:p>
+        </p:txBody>
+      </p:sp>
+      <p:sp>
+        <p:nvSpPr>
+          <p:cNvPr id="42" name="矩形 41">
+            <a:extLst>
+              <a:ext uri="{FF2B5EF4-FFF2-40B4-BE49-F238E27FC236}">
+                <a16:creationId xmlns:a16="http://schemas.microsoft.com/office/drawing/2014/main" id="{FBD47277-CB42-4578-91BA-FC2C7857FE7D}"/>
+              </a:ext>
+            </a:extLst>
+          </p:cNvPr>
+          <p:cNvSpPr/>
+          <p:nvPr/>
+        </p:nvSpPr>
+        <p:spPr>
+          <a:xfrm>
+            <a:off x="6211956" y="1967948"/>
+            <a:ext cx="1560444" cy="653131"/>
+          </a:xfrm>
+          <a:prstGeom prst="rect">
+            <a:avLst/>
+          </a:prstGeom>
+          <a:noFill/>
+          <a:ln w="28575">
+            <a:solidFill>
+              <a:srgbClr val="FF0000"/>
+            </a:solidFill>
+            <a:prstDash val="lgDash"/>
+          </a:ln>
+        </p:spPr>
+        <p:style>
+          <a:lnRef idx="2">
+            <a:schemeClr val="accent1">
+              <a:shade val="50000"/>
+            </a:schemeClr>
+          </a:lnRef>
+          <a:fillRef idx="1">
+            <a:schemeClr val="accent1"/>
+          </a:fillRef>
+          <a:effectRef idx="0">
+            <a:schemeClr val="accent1"/>
+          </a:effectRef>
+          <a:fontRef idx="minor">
+            <a:schemeClr val="lt1"/>
+          </a:fontRef>
+        </p:style>
+        <p:txBody>
+          <a:bodyPr rtlCol="0" anchor="ctr"/>
+          <a:lstStyle/>
+          <a:p>
+            <a:pPr algn="ctr"/>
+            <a:endParaRPr lang="zh-CN" altLang="en-US"/>
+          </a:p>
+        </p:txBody>
+      </p:sp>
+      <p:cxnSp>
+        <p:nvCxnSpPr>
+          <p:cNvPr id="44" name="直接连接符 43">
+            <a:extLst>
+              <a:ext uri="{FF2B5EF4-FFF2-40B4-BE49-F238E27FC236}">
+                <a16:creationId xmlns:a16="http://schemas.microsoft.com/office/drawing/2014/main" id="{DC662433-2DAB-4F25-8A69-513A12075753}"/>
+              </a:ext>
+            </a:extLst>
+          </p:cNvPr>
+          <p:cNvCxnSpPr>
+            <a:stCxn id="2" idx="3"/>
+          </p:cNvCxnSpPr>
+          <p:nvPr/>
+        </p:nvCxnSpPr>
+        <p:spPr>
+          <a:xfrm>
+            <a:off x="2176669" y="1312357"/>
+            <a:ext cx="2155134" cy="54521"/>
+          </a:xfrm>
+          <a:prstGeom prst="line">
+            <a:avLst/>
+          </a:prstGeom>
+          <a:ln>
+            <a:prstDash val="lgDash"/>
+          </a:ln>
+        </p:spPr>
+        <p:style>
+          <a:lnRef idx="1">
+            <a:schemeClr val="accent1"/>
+          </a:lnRef>
+          <a:fillRef idx="0">
+            <a:schemeClr val="accent1"/>
+          </a:fillRef>
+          <a:effectRef idx="0">
+            <a:schemeClr val="accent1"/>
+          </a:effectRef>
+          <a:fontRef idx="minor">
+            <a:schemeClr val="tx1"/>
+          </a:fontRef>
+        </p:style>
+      </p:cxnSp>
+      <p:sp>
+        <p:nvSpPr>
+          <p:cNvPr id="46" name="文本框 45">
+            <a:extLst>
+              <a:ext uri="{FF2B5EF4-FFF2-40B4-BE49-F238E27FC236}">
+                <a16:creationId xmlns:a16="http://schemas.microsoft.com/office/drawing/2014/main" id="{246F5FEC-D05D-44C8-84A0-6DFB03E1DEE7}"/>
+              </a:ext>
+            </a:extLst>
+          </p:cNvPr>
+          <p:cNvSpPr txBox="1"/>
+          <p:nvPr/>
+        </p:nvSpPr>
+        <p:spPr>
+          <a:xfrm>
+            <a:off x="506895" y="3244334"/>
+            <a:ext cx="1669774" cy="369332"/>
+          </a:xfrm>
+          <a:prstGeom prst="rect">
+            <a:avLst/>
+          </a:prstGeom>
+          <a:noFill/>
+          <a:ln>
+            <a:solidFill>
+              <a:schemeClr val="accent1"/>
+            </a:solidFill>
+          </a:ln>
+        </p:spPr>
+        <p:txBody>
+          <a:bodyPr wrap="square" rtlCol="0">
+            <a:spAutoFit/>
+          </a:bodyPr>
+          <a:lstStyle/>
+          <a:p>
+            <a:pPr algn="ctr"/>
+            <a:r>
+              <a:rPr lang="en-US" altLang="zh-CN" dirty="0"/>
+              <a:t>Unwrap</a:t>
+            </a:r>
+          </a:p>
+        </p:txBody>
+      </p:sp>
+      <p:sp>
+        <p:nvSpPr>
+          <p:cNvPr id="48" name="椭圆 47">
+            <a:extLst>
+              <a:ext uri="{FF2B5EF4-FFF2-40B4-BE49-F238E27FC236}">
+                <a16:creationId xmlns:a16="http://schemas.microsoft.com/office/drawing/2014/main" id="{2D07F5DB-ADAA-47BE-82C1-9ED600E82937}"/>
+              </a:ext>
+            </a:extLst>
+          </p:cNvPr>
+          <p:cNvSpPr/>
+          <p:nvPr/>
+        </p:nvSpPr>
+        <p:spPr>
+          <a:xfrm>
+            <a:off x="4853612" y="2890021"/>
+            <a:ext cx="2534478" cy="1170289"/>
+          </a:xfrm>
+          <a:prstGeom prst="ellipse">
+            <a:avLst/>
+          </a:prstGeom>
+          <a:solidFill>
+            <a:schemeClr val="accent2">
+              <a:lumMod val="75000"/>
+            </a:schemeClr>
+          </a:solidFill>
+        </p:spPr>
+        <p:style>
+          <a:lnRef idx="2">
+            <a:schemeClr val="accent1">
+              <a:shade val="50000"/>
+            </a:schemeClr>
+          </a:lnRef>
+          <a:fillRef idx="1">
+            <a:schemeClr val="accent1"/>
+          </a:fillRef>
+          <a:effectRef idx="0">
+            <a:schemeClr val="accent1"/>
+          </a:effectRef>
+          <a:fontRef idx="minor">
+            <a:schemeClr val="lt1"/>
+          </a:fontRef>
+        </p:style>
+        <p:txBody>
+          <a:bodyPr rtlCol="0" anchor="ctr"/>
+          <a:lstStyle/>
+          <a:p>
+            <a:pPr algn="ctr"/>
+            <a:endParaRPr lang="zh-CN" altLang="en-US" dirty="0"/>
+          </a:p>
+        </p:txBody>
+      </p:sp>
+      <p:sp>
+        <p:nvSpPr>
+          <p:cNvPr id="50" name="椭圆 49">
+            <a:extLst>
+              <a:ext uri="{FF2B5EF4-FFF2-40B4-BE49-F238E27FC236}">
+                <a16:creationId xmlns:a16="http://schemas.microsoft.com/office/drawing/2014/main" id="{57842B25-CCC3-41B3-A994-9BFF05519C16}"/>
+              </a:ext>
+            </a:extLst>
+          </p:cNvPr>
+          <p:cNvSpPr/>
+          <p:nvPr/>
+        </p:nvSpPr>
+        <p:spPr>
+          <a:xfrm>
+            <a:off x="5524504" y="3480535"/>
+            <a:ext cx="1192695" cy="465953"/>
+          </a:xfrm>
+          <a:prstGeom prst="ellipse">
+            <a:avLst/>
+          </a:prstGeom>
+        </p:spPr>
+        <p:style>
+          <a:lnRef idx="2">
+            <a:schemeClr val="dk1">
+              <a:shade val="50000"/>
+            </a:schemeClr>
+          </a:lnRef>
+          <a:fillRef idx="1">
+            <a:schemeClr val="dk1"/>
+          </a:fillRef>
+          <a:effectRef idx="0">
+            <a:schemeClr val="dk1"/>
+          </a:effectRef>
+          <a:fontRef idx="minor">
+            <a:schemeClr val="lt1"/>
+          </a:fontRef>
+        </p:style>
+        <p:txBody>
+          <a:bodyPr rtlCol="0" anchor="ctr"/>
+          <a:lstStyle/>
+          <a:p>
+            <a:pPr algn="ctr"/>
+            <a:r>
+              <a:rPr lang="en-US" altLang="zh-CN" dirty="0"/>
+              <a:t>Waker</a:t>
+            </a:r>
+            <a:endParaRPr lang="zh-CN" altLang="en-US" dirty="0"/>
+          </a:p>
+        </p:txBody>
+      </p:sp>
+      <p:sp>
+        <p:nvSpPr>
+          <p:cNvPr id="52" name="文本框 51">
+            <a:extLst>
+              <a:ext uri="{FF2B5EF4-FFF2-40B4-BE49-F238E27FC236}">
+                <a16:creationId xmlns:a16="http://schemas.microsoft.com/office/drawing/2014/main" id="{F02D7CC8-60E8-49C0-8BE1-B1347EF531D5}"/>
+              </a:ext>
+            </a:extLst>
+          </p:cNvPr>
+          <p:cNvSpPr txBox="1"/>
+          <p:nvPr/>
+        </p:nvSpPr>
+        <p:spPr>
+          <a:xfrm>
+            <a:off x="5421798" y="2991626"/>
+            <a:ext cx="1381539" cy="369332"/>
+          </a:xfrm>
+          <a:prstGeom prst="rect">
+            <a:avLst/>
+          </a:prstGeom>
+          <a:noFill/>
+        </p:spPr>
+        <p:txBody>
+          <a:bodyPr wrap="square" rtlCol="0">
+            <a:spAutoFit/>
+          </a:bodyPr>
+          <a:lstStyle/>
+          <a:p>
+            <a:pPr algn="ctr"/>
+            <a:r>
+              <a:rPr lang="en-US" altLang="zh-CN" dirty="0"/>
+              <a:t>Context</a:t>
+            </a:r>
+            <a:endParaRPr lang="zh-CN" altLang="en-US" dirty="0"/>
+          </a:p>
+        </p:txBody>
+      </p:sp>
+      <p:sp>
+        <p:nvSpPr>
+          <p:cNvPr id="54" name="矩形 53">
+            <a:extLst>
+              <a:ext uri="{FF2B5EF4-FFF2-40B4-BE49-F238E27FC236}">
+                <a16:creationId xmlns:a16="http://schemas.microsoft.com/office/drawing/2014/main" id="{0F01267F-B06F-4328-8A0C-2F2814B985DD}"/>
+              </a:ext>
+            </a:extLst>
+          </p:cNvPr>
+          <p:cNvSpPr/>
+          <p:nvPr/>
+        </p:nvSpPr>
+        <p:spPr>
+          <a:xfrm>
+            <a:off x="5421797" y="3475166"/>
+            <a:ext cx="1479275" cy="526440"/>
+          </a:xfrm>
+          <a:prstGeom prst="rect">
+            <a:avLst/>
+          </a:prstGeom>
+          <a:noFill/>
+          <a:ln w="28575">
+            <a:solidFill>
+              <a:srgbClr val="FF0000"/>
+            </a:solidFill>
+            <a:prstDash val="lgDash"/>
+          </a:ln>
+        </p:spPr>
+        <p:style>
+          <a:lnRef idx="2">
+            <a:schemeClr val="accent1">
+              <a:shade val="50000"/>
+            </a:schemeClr>
+          </a:lnRef>
+          <a:fillRef idx="1">
+            <a:schemeClr val="accent1"/>
+          </a:fillRef>
+          <a:effectRef idx="0">
+            <a:schemeClr val="accent1"/>
+          </a:effectRef>
+          <a:fontRef idx="minor">
+            <a:schemeClr val="lt1"/>
+          </a:fontRef>
+        </p:style>
+        <p:txBody>
+          <a:bodyPr rtlCol="0" anchor="ctr"/>
+          <a:lstStyle/>
+          <a:p>
+            <a:pPr algn="ctr"/>
+            <a:endParaRPr lang="zh-CN" altLang="en-US"/>
+          </a:p>
+        </p:txBody>
+      </p:sp>
+      <p:cxnSp>
+        <p:nvCxnSpPr>
+          <p:cNvPr id="56" name="直接连接符 55">
+            <a:extLst>
+              <a:ext uri="{FF2B5EF4-FFF2-40B4-BE49-F238E27FC236}">
+                <a16:creationId xmlns:a16="http://schemas.microsoft.com/office/drawing/2014/main" id="{E33C635B-F59D-4A80-960B-8446B9AB4904}"/>
+              </a:ext>
+            </a:extLst>
+          </p:cNvPr>
+          <p:cNvCxnSpPr>
+            <a:stCxn id="46" idx="3"/>
+            <a:endCxn id="48" idx="2"/>
+          </p:cNvCxnSpPr>
+          <p:nvPr/>
+        </p:nvCxnSpPr>
+        <p:spPr>
+          <a:xfrm>
+            <a:off x="2176669" y="3429000"/>
+            <a:ext cx="2676943" cy="46166"/>
+          </a:xfrm>
+          <a:prstGeom prst="line">
+            <a:avLst/>
+          </a:prstGeom>
+          <a:ln>
+            <a:prstDash val="lgDash"/>
+          </a:ln>
+        </p:spPr>
+        <p:style>
+          <a:lnRef idx="1">
+            <a:schemeClr val="accent1"/>
+          </a:lnRef>
+          <a:fillRef idx="0">
+            <a:schemeClr val="accent1"/>
+          </a:fillRef>
+          <a:effectRef idx="0">
+            <a:schemeClr val="accent1"/>
+          </a:effectRef>
+          <a:fontRef idx="minor">
+            <a:schemeClr val="tx1"/>
+          </a:fontRef>
+        </p:style>
+      </p:cxnSp>
+      <p:sp>
+        <p:nvSpPr>
+          <p:cNvPr id="58" name="矩形 57">
+            <a:extLst>
+              <a:ext uri="{FF2B5EF4-FFF2-40B4-BE49-F238E27FC236}">
+                <a16:creationId xmlns:a16="http://schemas.microsoft.com/office/drawing/2014/main" id="{8F1B0507-4338-48C1-A583-620FD28BE8BF}"/>
+              </a:ext>
+            </a:extLst>
+          </p:cNvPr>
+          <p:cNvSpPr/>
+          <p:nvPr/>
+        </p:nvSpPr>
+        <p:spPr>
+          <a:xfrm>
+            <a:off x="2554356" y="4414557"/>
+            <a:ext cx="7971183" cy="2136913"/>
+          </a:xfrm>
+          <a:prstGeom prst="rect">
+            <a:avLst/>
+          </a:prstGeom>
+          <a:solidFill>
+            <a:srgbClr val="92D050"/>
+          </a:solidFill>
+        </p:spPr>
+        <p:style>
+          <a:lnRef idx="2">
+            <a:schemeClr val="accent1">
+              <a:shade val="50000"/>
+            </a:schemeClr>
+          </a:lnRef>
+          <a:fillRef idx="1">
+            <a:schemeClr val="accent1"/>
+          </a:fillRef>
+          <a:effectRef idx="0">
+            <a:schemeClr val="accent1"/>
+          </a:effectRef>
+          <a:fontRef idx="minor">
+            <a:schemeClr val="lt1"/>
+          </a:fontRef>
+        </p:style>
+        <p:txBody>
+          <a:bodyPr rtlCol="0" anchor="ctr"/>
+          <a:lstStyle/>
+          <a:p>
+            <a:pPr algn="ctr"/>
+            <a:endParaRPr lang="zh-CN" altLang="en-US"/>
+          </a:p>
+        </p:txBody>
+      </p:sp>
+      <p:sp>
+        <p:nvSpPr>
+          <p:cNvPr id="62" name="矩形 61">
+            <a:extLst>
+              <a:ext uri="{FF2B5EF4-FFF2-40B4-BE49-F238E27FC236}">
+                <a16:creationId xmlns:a16="http://schemas.microsoft.com/office/drawing/2014/main" id="{70272B60-F5F7-4053-A914-3D6659E2EF88}"/>
+              </a:ext>
+            </a:extLst>
+          </p:cNvPr>
+          <p:cNvSpPr/>
+          <p:nvPr/>
+        </p:nvSpPr>
+        <p:spPr>
+          <a:xfrm>
+            <a:off x="2941983" y="6005609"/>
+            <a:ext cx="894522" cy="337931"/>
+          </a:xfrm>
+          <a:prstGeom prst="rect">
+            <a:avLst/>
+          </a:prstGeom>
+        </p:spPr>
+        <p:style>
+          <a:lnRef idx="2">
+            <a:schemeClr val="accent1">
+              <a:shade val="50000"/>
+            </a:schemeClr>
+          </a:lnRef>
+          <a:fillRef idx="1">
+            <a:schemeClr val="accent1"/>
+          </a:fillRef>
+          <a:effectRef idx="0">
+            <a:schemeClr val="accent1"/>
+          </a:effectRef>
+          <a:fontRef idx="minor">
+            <a:schemeClr val="lt1"/>
+          </a:fontRef>
+        </p:style>
+        <p:txBody>
+          <a:bodyPr rtlCol="0" anchor="ctr"/>
+          <a:lstStyle/>
+          <a:p>
+            <a:pPr algn="ctr"/>
+            <a:endParaRPr lang="zh-CN" altLang="en-US"/>
+          </a:p>
+        </p:txBody>
+      </p:sp>
+      <p:sp>
+        <p:nvSpPr>
+          <p:cNvPr id="64" name="矩形 63">
+            <a:extLst>
+              <a:ext uri="{FF2B5EF4-FFF2-40B4-BE49-F238E27FC236}">
+                <a16:creationId xmlns:a16="http://schemas.microsoft.com/office/drawing/2014/main" id="{B8E7CC4C-FC21-48F1-8E78-CC9769B51E41}"/>
+              </a:ext>
+            </a:extLst>
+          </p:cNvPr>
+          <p:cNvSpPr/>
+          <p:nvPr/>
+        </p:nvSpPr>
+        <p:spPr>
+          <a:xfrm>
+            <a:off x="3836505" y="6005608"/>
+            <a:ext cx="894522" cy="337931"/>
+          </a:xfrm>
+          <a:prstGeom prst="rect">
+            <a:avLst/>
+          </a:prstGeom>
+        </p:spPr>
+        <p:style>
+          <a:lnRef idx="2">
+            <a:schemeClr val="accent1">
+              <a:shade val="50000"/>
+            </a:schemeClr>
+          </a:lnRef>
+          <a:fillRef idx="1">
+            <a:schemeClr val="accent1"/>
+          </a:fillRef>
+          <a:effectRef idx="0">
+            <a:schemeClr val="accent1"/>
+          </a:effectRef>
+          <a:fontRef idx="minor">
+            <a:schemeClr val="lt1"/>
+          </a:fontRef>
+        </p:style>
+        <p:txBody>
+          <a:bodyPr rtlCol="0" anchor="ctr"/>
+          <a:lstStyle/>
+          <a:p>
+            <a:pPr algn="ctr"/>
+            <a:endParaRPr lang="zh-CN" altLang="en-US"/>
+          </a:p>
+        </p:txBody>
+      </p:sp>
+      <p:sp>
+        <p:nvSpPr>
+          <p:cNvPr id="66" name="文本框 65">
+            <a:extLst>
+              <a:ext uri="{FF2B5EF4-FFF2-40B4-BE49-F238E27FC236}">
+                <a16:creationId xmlns:a16="http://schemas.microsoft.com/office/drawing/2014/main" id="{A45E5A6F-47F7-4034-8C8C-1B490C9DCD98}"/>
+              </a:ext>
+            </a:extLst>
+          </p:cNvPr>
+          <p:cNvSpPr txBox="1"/>
+          <p:nvPr/>
+        </p:nvSpPr>
+        <p:spPr>
+          <a:xfrm>
+            <a:off x="3379303" y="5483014"/>
+            <a:ext cx="2226365" cy="369332"/>
+          </a:xfrm>
+          <a:prstGeom prst="rect">
+            <a:avLst/>
+          </a:prstGeom>
+          <a:noFill/>
+        </p:spPr>
+        <p:txBody>
+          <a:bodyPr wrap="square" rtlCol="0">
+            <a:spAutoFit/>
+          </a:bodyPr>
+          <a:lstStyle/>
+          <a:p>
+            <a:pPr algn="ctr"/>
+            <a:r>
+              <a:rPr lang="en-US" altLang="zh-CN" dirty="0"/>
+              <a:t>Ready Queue</a:t>
+            </a:r>
+            <a:endParaRPr lang="zh-CN" altLang="en-US" dirty="0"/>
+          </a:p>
+        </p:txBody>
+      </p:sp>
+      <p:sp>
+        <p:nvSpPr>
+          <p:cNvPr id="68" name="矩形 67">
+            <a:extLst>
+              <a:ext uri="{FF2B5EF4-FFF2-40B4-BE49-F238E27FC236}">
+                <a16:creationId xmlns:a16="http://schemas.microsoft.com/office/drawing/2014/main" id="{669A4ACF-0FD1-4771-AD33-3CF475953EA3}"/>
+              </a:ext>
+            </a:extLst>
+          </p:cNvPr>
+          <p:cNvSpPr/>
+          <p:nvPr/>
+        </p:nvSpPr>
+        <p:spPr>
+          <a:xfrm>
+            <a:off x="6566452" y="6005611"/>
+            <a:ext cx="894522" cy="337931"/>
+          </a:xfrm>
+          <a:prstGeom prst="rect">
+            <a:avLst/>
+          </a:prstGeom>
+        </p:spPr>
+        <p:style>
+          <a:lnRef idx="2">
+            <a:schemeClr val="accent1">
+              <a:shade val="50000"/>
+            </a:schemeClr>
+          </a:lnRef>
+          <a:fillRef idx="1">
+            <a:schemeClr val="accent1"/>
+          </a:fillRef>
+          <a:effectRef idx="0">
+            <a:schemeClr val="accent1"/>
+          </a:effectRef>
+          <a:fontRef idx="minor">
+            <a:schemeClr val="lt1"/>
+          </a:fontRef>
+        </p:style>
+        <p:txBody>
+          <a:bodyPr rtlCol="0" anchor="ctr"/>
+          <a:lstStyle/>
+          <a:p>
+            <a:pPr algn="ctr"/>
+            <a:endParaRPr lang="zh-CN" altLang="en-US"/>
+          </a:p>
+        </p:txBody>
+      </p:sp>
+      <p:sp>
+        <p:nvSpPr>
+          <p:cNvPr id="70" name="矩形 69">
+            <a:extLst>
+              <a:ext uri="{FF2B5EF4-FFF2-40B4-BE49-F238E27FC236}">
+                <a16:creationId xmlns:a16="http://schemas.microsoft.com/office/drawing/2014/main" id="{1055AAB3-70C2-43C3-A096-4B315B9EAF06}"/>
+              </a:ext>
+            </a:extLst>
+          </p:cNvPr>
+          <p:cNvSpPr/>
+          <p:nvPr/>
+        </p:nvSpPr>
+        <p:spPr>
+          <a:xfrm>
+            <a:off x="7460974" y="6005610"/>
+            <a:ext cx="894522" cy="337931"/>
+          </a:xfrm>
+          <a:prstGeom prst="rect">
+            <a:avLst/>
+          </a:prstGeom>
+        </p:spPr>
+        <p:style>
+          <a:lnRef idx="2">
+            <a:schemeClr val="accent1">
+              <a:shade val="50000"/>
+            </a:schemeClr>
+          </a:lnRef>
+          <a:fillRef idx="1">
+            <a:schemeClr val="accent1"/>
+          </a:fillRef>
+          <a:effectRef idx="0">
+            <a:schemeClr val="accent1"/>
+          </a:effectRef>
+          <a:fontRef idx="minor">
+            <a:schemeClr val="lt1"/>
+          </a:fontRef>
+        </p:style>
+        <p:txBody>
+          <a:bodyPr rtlCol="0" anchor="ctr"/>
+          <a:lstStyle/>
+          <a:p>
+            <a:pPr algn="ctr"/>
+            <a:endParaRPr lang="zh-CN" altLang="en-US"/>
+          </a:p>
+        </p:txBody>
+      </p:sp>
+      <p:sp>
+        <p:nvSpPr>
+          <p:cNvPr id="72" name="矩形 71">
+            <a:extLst>
+              <a:ext uri="{FF2B5EF4-FFF2-40B4-BE49-F238E27FC236}">
+                <a16:creationId xmlns:a16="http://schemas.microsoft.com/office/drawing/2014/main" id="{5F5A2B74-CA21-4EC2-B242-B8BEB3CAE3F9}"/>
+              </a:ext>
+            </a:extLst>
+          </p:cNvPr>
+          <p:cNvSpPr/>
+          <p:nvPr/>
+        </p:nvSpPr>
+        <p:spPr>
+          <a:xfrm>
+            <a:off x="8355496" y="6005609"/>
+            <a:ext cx="894522" cy="337931"/>
+          </a:xfrm>
+          <a:prstGeom prst="rect">
+            <a:avLst/>
+          </a:prstGeom>
+        </p:spPr>
+        <p:style>
+          <a:lnRef idx="2">
+            <a:schemeClr val="accent1">
+              <a:shade val="50000"/>
+            </a:schemeClr>
+          </a:lnRef>
+          <a:fillRef idx="1">
+            <a:schemeClr val="accent1"/>
+          </a:fillRef>
+          <a:effectRef idx="0">
+            <a:schemeClr val="accent1"/>
+          </a:effectRef>
+          <a:fontRef idx="minor">
+            <a:schemeClr val="lt1"/>
+          </a:fontRef>
+        </p:style>
+        <p:txBody>
+          <a:bodyPr rtlCol="0" anchor="ctr"/>
+          <a:lstStyle/>
+          <a:p>
+            <a:pPr algn="ctr"/>
+            <a:endParaRPr lang="zh-CN" altLang="en-US"/>
+          </a:p>
+        </p:txBody>
+      </p:sp>
+      <p:sp>
+        <p:nvSpPr>
+          <p:cNvPr id="74" name="文本框 73">
+            <a:extLst>
+              <a:ext uri="{FF2B5EF4-FFF2-40B4-BE49-F238E27FC236}">
+                <a16:creationId xmlns:a16="http://schemas.microsoft.com/office/drawing/2014/main" id="{F52F1FF3-7721-4CDF-BD20-62A502B6044F}"/>
+              </a:ext>
+            </a:extLst>
+          </p:cNvPr>
+          <p:cNvSpPr txBox="1"/>
+          <p:nvPr/>
+        </p:nvSpPr>
+        <p:spPr>
+          <a:xfrm>
+            <a:off x="6795052" y="5483014"/>
+            <a:ext cx="2226365" cy="369332"/>
+          </a:xfrm>
+          <a:prstGeom prst="rect">
+            <a:avLst/>
+          </a:prstGeom>
+          <a:noFill/>
+        </p:spPr>
+        <p:txBody>
+          <a:bodyPr wrap="square" rtlCol="0">
+            <a:spAutoFit/>
+          </a:bodyPr>
+          <a:lstStyle/>
+          <a:p>
+            <a:pPr algn="ctr"/>
+            <a:r>
+              <a:rPr lang="en-US" altLang="zh-CN" dirty="0"/>
+              <a:t>Blocked Queue</a:t>
+            </a:r>
+            <a:endParaRPr lang="zh-CN" altLang="en-US" dirty="0"/>
+          </a:p>
+        </p:txBody>
+      </p:sp>
+      <p:sp>
+        <p:nvSpPr>
+          <p:cNvPr id="76" name="文本框 75">
+            <a:extLst>
+              <a:ext uri="{FF2B5EF4-FFF2-40B4-BE49-F238E27FC236}">
+                <a16:creationId xmlns:a16="http://schemas.microsoft.com/office/drawing/2014/main" id="{55A3C782-4BCD-48CF-BC1F-EDA8E76C17C0}"/>
+              </a:ext>
+            </a:extLst>
+          </p:cNvPr>
+          <p:cNvSpPr txBox="1"/>
+          <p:nvPr/>
+        </p:nvSpPr>
+        <p:spPr>
+          <a:xfrm>
+            <a:off x="5168347" y="4743343"/>
+            <a:ext cx="2226365" cy="369332"/>
+          </a:xfrm>
+          <a:prstGeom prst="rect">
+            <a:avLst/>
+          </a:prstGeom>
+          <a:noFill/>
+        </p:spPr>
+        <p:txBody>
+          <a:bodyPr wrap="square" rtlCol="0">
+            <a:spAutoFit/>
+          </a:bodyPr>
+          <a:lstStyle/>
+          <a:p>
+            <a:pPr algn="ctr"/>
+            <a:r>
+              <a:rPr lang="en-US" altLang="zh-CN" dirty="0"/>
+              <a:t>Executor</a:t>
+            </a:r>
+            <a:endParaRPr lang="zh-CN" altLang="en-US" dirty="0"/>
+          </a:p>
+        </p:txBody>
+      </p:sp>
+      <p:sp>
+        <p:nvSpPr>
+          <p:cNvPr id="78" name="矩形 77">
+            <a:extLst>
+              <a:ext uri="{FF2B5EF4-FFF2-40B4-BE49-F238E27FC236}">
+                <a16:creationId xmlns:a16="http://schemas.microsoft.com/office/drawing/2014/main" id="{63411946-A255-42A2-9F91-B88685291962}"/>
+              </a:ext>
+            </a:extLst>
+          </p:cNvPr>
+          <p:cNvSpPr/>
+          <p:nvPr/>
+        </p:nvSpPr>
+        <p:spPr>
+          <a:xfrm>
+            <a:off x="9250018" y="6005609"/>
+            <a:ext cx="894522" cy="337931"/>
+          </a:xfrm>
+          <a:prstGeom prst="rect">
+            <a:avLst/>
+          </a:prstGeom>
+          <a:noFill/>
+          <a:ln w="28575">
+            <a:solidFill>
+              <a:srgbClr val="FF0000"/>
+            </a:solidFill>
+            <a:prstDash val="lgDash"/>
+          </a:ln>
+        </p:spPr>
+        <p:style>
+          <a:lnRef idx="2">
+            <a:schemeClr val="accent1">
+              <a:shade val="50000"/>
+            </a:schemeClr>
+          </a:lnRef>
+          <a:fillRef idx="1">
+            <a:schemeClr val="accent1"/>
+          </a:fillRef>
+          <a:effectRef idx="0">
+            <a:schemeClr val="accent1"/>
+          </a:effectRef>
+          <a:fontRef idx="minor">
+            <a:schemeClr val="lt1"/>
+          </a:fontRef>
+        </p:style>
+        <p:txBody>
+          <a:bodyPr rtlCol="0" anchor="ctr"/>
+          <a:lstStyle/>
+          <a:p>
+            <a:pPr algn="ctr"/>
+            <a:endParaRPr lang="zh-CN" altLang="en-US" dirty="0"/>
+          </a:p>
+        </p:txBody>
+      </p:sp>
+      <p:sp>
+        <p:nvSpPr>
+          <p:cNvPr id="80" name="矩形 79">
+            <a:extLst>
+              <a:ext uri="{FF2B5EF4-FFF2-40B4-BE49-F238E27FC236}">
+                <a16:creationId xmlns:a16="http://schemas.microsoft.com/office/drawing/2014/main" id="{0A488A4A-1ADE-42AA-A2FE-D6C61B9C0E20}"/>
+              </a:ext>
+            </a:extLst>
+          </p:cNvPr>
+          <p:cNvSpPr/>
+          <p:nvPr/>
+        </p:nvSpPr>
+        <p:spPr>
+          <a:xfrm>
+            <a:off x="4731027" y="6005607"/>
+            <a:ext cx="894522" cy="337931"/>
+          </a:xfrm>
+          <a:prstGeom prst="rect">
+            <a:avLst/>
+          </a:prstGeom>
+          <a:solidFill>
+            <a:srgbClr val="FF0000"/>
+          </a:solidFill>
+        </p:spPr>
+        <p:style>
+          <a:lnRef idx="2">
+            <a:schemeClr val="accent1">
+              <a:shade val="50000"/>
+            </a:schemeClr>
+          </a:lnRef>
+          <a:fillRef idx="1">
+            <a:schemeClr val="accent1"/>
+          </a:fillRef>
+          <a:effectRef idx="0">
+            <a:schemeClr val="accent1"/>
+          </a:effectRef>
+          <a:fontRef idx="minor">
+            <a:schemeClr val="lt1"/>
+          </a:fontRef>
+        </p:style>
+        <p:txBody>
+          <a:bodyPr rtlCol="0" anchor="ctr"/>
+          <a:lstStyle/>
+          <a:p>
+            <a:pPr algn="ctr"/>
+            <a:r>
+              <a:rPr lang="en-US" altLang="zh-CN" dirty="0"/>
+              <a:t>Root</a:t>
+            </a:r>
+            <a:endParaRPr lang="zh-CN" altLang="en-US" dirty="0"/>
+          </a:p>
+        </p:txBody>
+      </p:sp>
+      <p:sp>
+        <p:nvSpPr>
+          <p:cNvPr id="82" name="文本框 81">
+            <a:extLst>
+              <a:ext uri="{FF2B5EF4-FFF2-40B4-BE49-F238E27FC236}">
+                <a16:creationId xmlns:a16="http://schemas.microsoft.com/office/drawing/2014/main" id="{24F48FDB-6D04-41EB-AD88-BF89AB232FF2}"/>
+              </a:ext>
+            </a:extLst>
+          </p:cNvPr>
+          <p:cNvSpPr txBox="1"/>
+          <p:nvPr/>
+        </p:nvSpPr>
+        <p:spPr>
+          <a:xfrm>
+            <a:off x="506895" y="5203873"/>
+            <a:ext cx="1669774" cy="646331"/>
+          </a:xfrm>
+          <a:prstGeom prst="rect">
+            <a:avLst/>
+          </a:prstGeom>
+          <a:noFill/>
+          <a:ln>
+            <a:solidFill>
+              <a:schemeClr val="accent1"/>
+            </a:solidFill>
+          </a:ln>
+        </p:spPr>
+        <p:txBody>
+          <a:bodyPr wrap="square" rtlCol="0">
+            <a:spAutoFit/>
+          </a:bodyPr>
+          <a:lstStyle/>
+          <a:p>
+            <a:pPr algn="ctr"/>
+            <a:r>
+              <a:rPr lang="en-US" altLang="zh-CN" dirty="0"/>
+              <a:t>Wakeup in</a:t>
+            </a:r>
+          </a:p>
+          <a:p>
+            <a:pPr algn="ctr"/>
+            <a:r>
+              <a:rPr lang="en-US" altLang="zh-CN"/>
+              <a:t>Executor</a:t>
+            </a:r>
+            <a:endParaRPr lang="en-US" altLang="zh-CN" dirty="0"/>
+          </a:p>
+        </p:txBody>
+      </p:sp>
+    </p:spTree>
+    <p:extLst>
+      <p:ext uri="{BB962C8B-B14F-4D97-AF65-F5344CB8AC3E}">
+        <p14:creationId xmlns:p14="http://schemas.microsoft.com/office/powerpoint/2010/main" val="2159155999"/>
       </p:ext>
     </p:extLst>
   </p:cSld>

--- a/Rust/rust-async-introduction/演示文稿1.pptx
+++ b/Rust/rust-async-introduction/演示文稿1.pptx
@@ -18497,7 +18497,7 @@
         </p:nvSpPr>
         <p:spPr>
           <a:xfrm>
-            <a:off x="506895" y="5203873"/>
+            <a:off x="506895" y="5159847"/>
             <a:ext cx="1669774" cy="646331"/>
           </a:xfrm>
           <a:prstGeom prst="rect">
@@ -18525,13 +18525,220 @@
           <a:p>
             <a:pPr algn="ctr"/>
             <a:r>
-              <a:rPr lang="en-US" altLang="zh-CN"/>
+              <a:rPr lang="en-US" altLang="zh-CN" dirty="0"/>
               <a:t>Executor</a:t>
             </a:r>
-            <a:endParaRPr lang="en-US" altLang="zh-CN" dirty="0"/>
-          </a:p>
-        </p:txBody>
-      </p:sp>
+          </a:p>
+        </p:txBody>
+      </p:sp>
+      <p:cxnSp>
+        <p:nvCxnSpPr>
+          <p:cNvPr id="84" name="直接连接符 83">
+            <a:extLst>
+              <a:ext uri="{FF2B5EF4-FFF2-40B4-BE49-F238E27FC236}">
+                <a16:creationId xmlns:a16="http://schemas.microsoft.com/office/drawing/2014/main" id="{46786FFE-10BF-4E9B-A697-5A97448CA5C7}"/>
+              </a:ext>
+            </a:extLst>
+          </p:cNvPr>
+          <p:cNvCxnSpPr>
+            <a:stCxn id="82" idx="3"/>
+            <a:endCxn id="58" idx="1"/>
+          </p:cNvCxnSpPr>
+          <p:nvPr/>
+        </p:nvCxnSpPr>
+        <p:spPr>
+          <a:xfrm>
+            <a:off x="2176669" y="5483013"/>
+            <a:ext cx="377687" cy="1"/>
+          </a:xfrm>
+          <a:prstGeom prst="line">
+            <a:avLst/>
+          </a:prstGeom>
+          <a:ln>
+            <a:prstDash val="lgDash"/>
+          </a:ln>
+        </p:spPr>
+        <p:style>
+          <a:lnRef idx="1">
+            <a:schemeClr val="accent1"/>
+          </a:lnRef>
+          <a:fillRef idx="0">
+            <a:schemeClr val="accent1"/>
+          </a:fillRef>
+          <a:effectRef idx="0">
+            <a:schemeClr val="accent1"/>
+          </a:effectRef>
+          <a:fontRef idx="minor">
+            <a:schemeClr val="tx1"/>
+          </a:fontRef>
+        </p:style>
+      </p:cxnSp>
+      <p:cxnSp>
+        <p:nvCxnSpPr>
+          <p:cNvPr id="88" name="直接连接符 87">
+            <a:extLst>
+              <a:ext uri="{FF2B5EF4-FFF2-40B4-BE49-F238E27FC236}">
+                <a16:creationId xmlns:a16="http://schemas.microsoft.com/office/drawing/2014/main" id="{B37A2793-BC6D-4CAB-AEE6-1EDBCAFED92D}"/>
+              </a:ext>
+            </a:extLst>
+          </p:cNvPr>
+          <p:cNvCxnSpPr>
+            <a:endCxn id="2" idx="0"/>
+          </p:cNvCxnSpPr>
+          <p:nvPr/>
+        </p:nvCxnSpPr>
+        <p:spPr>
+          <a:xfrm>
+            <a:off x="1341782" y="79904"/>
+            <a:ext cx="0" cy="909287"/>
+          </a:xfrm>
+          <a:prstGeom prst="line">
+            <a:avLst/>
+          </a:prstGeom>
+          <a:ln>
+            <a:prstDash val="lgDash"/>
+          </a:ln>
+        </p:spPr>
+        <p:style>
+          <a:lnRef idx="1">
+            <a:schemeClr val="accent1"/>
+          </a:lnRef>
+          <a:fillRef idx="0">
+            <a:schemeClr val="accent1"/>
+          </a:fillRef>
+          <a:effectRef idx="0">
+            <a:schemeClr val="accent1"/>
+          </a:effectRef>
+          <a:fontRef idx="minor">
+            <a:schemeClr val="tx1"/>
+          </a:fontRef>
+        </p:style>
+      </p:cxnSp>
+      <p:cxnSp>
+        <p:nvCxnSpPr>
+          <p:cNvPr id="90" name="直接连接符 89">
+            <a:extLst>
+              <a:ext uri="{FF2B5EF4-FFF2-40B4-BE49-F238E27FC236}">
+                <a16:creationId xmlns:a16="http://schemas.microsoft.com/office/drawing/2014/main" id="{4EBAAFE8-CD11-4CA9-A37A-41DE8571AF1E}"/>
+              </a:ext>
+            </a:extLst>
+          </p:cNvPr>
+          <p:cNvCxnSpPr>
+            <a:stCxn id="2" idx="2"/>
+            <a:endCxn id="46" idx="0"/>
+          </p:cNvCxnSpPr>
+          <p:nvPr/>
+        </p:nvCxnSpPr>
+        <p:spPr>
+          <a:xfrm>
+            <a:off x="1341782" y="1635522"/>
+            <a:ext cx="0" cy="1608812"/>
+          </a:xfrm>
+          <a:prstGeom prst="line">
+            <a:avLst/>
+          </a:prstGeom>
+          <a:ln>
+            <a:prstDash val="lgDash"/>
+          </a:ln>
+        </p:spPr>
+        <p:style>
+          <a:lnRef idx="1">
+            <a:schemeClr val="accent1"/>
+          </a:lnRef>
+          <a:fillRef idx="0">
+            <a:schemeClr val="accent1"/>
+          </a:fillRef>
+          <a:effectRef idx="0">
+            <a:schemeClr val="accent1"/>
+          </a:effectRef>
+          <a:fontRef idx="minor">
+            <a:schemeClr val="tx1"/>
+          </a:fontRef>
+        </p:style>
+      </p:cxnSp>
+      <p:cxnSp>
+        <p:nvCxnSpPr>
+          <p:cNvPr id="92" name="直接连接符 91">
+            <a:extLst>
+              <a:ext uri="{FF2B5EF4-FFF2-40B4-BE49-F238E27FC236}">
+                <a16:creationId xmlns:a16="http://schemas.microsoft.com/office/drawing/2014/main" id="{080B1CC1-ED99-40BA-A998-D5FCF5476EDD}"/>
+              </a:ext>
+            </a:extLst>
+          </p:cNvPr>
+          <p:cNvCxnSpPr>
+            <a:stCxn id="46" idx="2"/>
+            <a:endCxn id="82" idx="0"/>
+          </p:cNvCxnSpPr>
+          <p:nvPr/>
+        </p:nvCxnSpPr>
+        <p:spPr>
+          <a:xfrm>
+            <a:off x="1341782" y="3613666"/>
+            <a:ext cx="0" cy="1546181"/>
+          </a:xfrm>
+          <a:prstGeom prst="line">
+            <a:avLst/>
+          </a:prstGeom>
+          <a:ln>
+            <a:prstDash val="lgDash"/>
+          </a:ln>
+        </p:spPr>
+        <p:style>
+          <a:lnRef idx="1">
+            <a:schemeClr val="accent1"/>
+          </a:lnRef>
+          <a:fillRef idx="0">
+            <a:schemeClr val="accent1"/>
+          </a:fillRef>
+          <a:effectRef idx="0">
+            <a:schemeClr val="accent1"/>
+          </a:effectRef>
+          <a:fontRef idx="minor">
+            <a:schemeClr val="tx1"/>
+          </a:fontRef>
+        </p:style>
+      </p:cxnSp>
+      <p:cxnSp>
+        <p:nvCxnSpPr>
+          <p:cNvPr id="94" name="直接连接符 93">
+            <a:extLst>
+              <a:ext uri="{FF2B5EF4-FFF2-40B4-BE49-F238E27FC236}">
+                <a16:creationId xmlns:a16="http://schemas.microsoft.com/office/drawing/2014/main" id="{DCCEB4F7-DEC6-4C5D-B187-705107AF9B9A}"/>
+              </a:ext>
+            </a:extLst>
+          </p:cNvPr>
+          <p:cNvCxnSpPr>
+            <a:stCxn id="82" idx="2"/>
+          </p:cNvCxnSpPr>
+          <p:nvPr/>
+        </p:nvCxnSpPr>
+        <p:spPr>
+          <a:xfrm>
+            <a:off x="1341782" y="5806178"/>
+            <a:ext cx="0" cy="902735"/>
+          </a:xfrm>
+          <a:prstGeom prst="line">
+            <a:avLst/>
+          </a:prstGeom>
+          <a:ln>
+            <a:prstDash val="lgDash"/>
+          </a:ln>
+        </p:spPr>
+        <p:style>
+          <a:lnRef idx="1">
+            <a:schemeClr val="accent1"/>
+          </a:lnRef>
+          <a:fillRef idx="0">
+            <a:schemeClr val="accent1"/>
+          </a:fillRef>
+          <a:effectRef idx="0">
+            <a:schemeClr val="accent1"/>
+          </a:effectRef>
+          <a:fontRef idx="minor">
+            <a:schemeClr val="tx1"/>
+          </a:fontRef>
+        </p:style>
+      </p:cxnSp>
     </p:spTree>
     <p:extLst>
       <p:ext uri="{BB962C8B-B14F-4D97-AF65-F5344CB8AC3E}">
